--- a/Presentation1.pptx
+++ b/Presentation1.pptx
@@ -104,6 +104,11 @@
       </a:defRPr>
     </a:lvl9pPr>
   </p:defaultTextStyle>
+  <p:extLst>
+    <p:ext uri="{EFAFB233-063F-42B5-8137-9DF3F51BA10A}">
+      <p15:sldGuideLst xmlns:p15="http://schemas.microsoft.com/office/powerpoint/2012/main"/>
+    </p:ext>
+  </p:extLst>
 </p:presentation>
 </file>
 
@@ -3336,7 +3341,7 @@
         <p:spPr>
           <a:xfrm>
             <a:off x="2745120" y="147484"/>
-            <a:ext cx="2610465" cy="6563032"/>
+            <a:ext cx="1937577" cy="6563032"/>
           </a:xfrm>
           <a:prstGeom prst="rect">
             <a:avLst/>
@@ -3369,7 +3374,7 @@
           <a:lstStyle/>
           <a:p>
             <a:pPr algn="ctr"/>
-            <a:endParaRPr lang="en-US"/>
+            <a:endParaRPr lang="en-US" sz="1400"/>
           </a:p>
         </p:txBody>
       </p:sp>
@@ -3421,7 +3426,7 @@
           <a:lstStyle/>
           <a:p>
             <a:pPr algn="ctr"/>
-            <a:endParaRPr lang="en-US"/>
+            <a:endParaRPr lang="en-US" sz="1400"/>
           </a:p>
         </p:txBody>
       </p:sp>
@@ -3473,7 +3478,7 @@
           <a:lstStyle/>
           <a:p>
             <a:pPr algn="ctr"/>
-            <a:endParaRPr lang="en-US"/>
+            <a:endParaRPr lang="en-US" sz="1400"/>
           </a:p>
         </p:txBody>
       </p:sp>
@@ -3491,7 +3496,7 @@
         </p:nvSpPr>
         <p:spPr>
           <a:xfrm>
-            <a:off x="8347586" y="147484"/>
+            <a:off x="7156349" y="208332"/>
             <a:ext cx="2482646" cy="1651819"/>
           </a:xfrm>
           <a:prstGeom prst="rect">
@@ -3525,7 +3530,7 @@
           <a:lstStyle/>
           <a:p>
             <a:pPr algn="ctr"/>
-            <a:endParaRPr lang="en-US"/>
+            <a:endParaRPr lang="en-US" sz="1400"/>
           </a:p>
         </p:txBody>
       </p:sp>
@@ -3543,7 +3548,7 @@
         </p:nvSpPr>
         <p:spPr>
           <a:xfrm>
-            <a:off x="7901447" y="2513042"/>
+            <a:off x="6794007" y="2347039"/>
             <a:ext cx="1430595" cy="1651819"/>
           </a:xfrm>
           <a:prstGeom prst="rect">
@@ -3577,7 +3582,7 @@
           <a:lstStyle/>
           <a:p>
             <a:pPr algn="ctr"/>
-            <a:endParaRPr lang="en-US"/>
+            <a:endParaRPr lang="en-US" sz="1400"/>
           </a:p>
         </p:txBody>
       </p:sp>
@@ -3595,7 +3600,7 @@
         </p:nvSpPr>
         <p:spPr>
           <a:xfrm>
-            <a:off x="5944139" y="756632"/>
+            <a:off x="4752902" y="817480"/>
             <a:ext cx="1784555" cy="383458"/>
           </a:xfrm>
           <a:prstGeom prst="rightArrow">
@@ -3629,7 +3634,7 @@
           <a:lstStyle/>
           <a:p>
             <a:pPr algn="ctr"/>
-            <a:endParaRPr lang="en-US"/>
+            <a:endParaRPr lang="en-US" sz="1400"/>
           </a:p>
         </p:txBody>
       </p:sp>
@@ -3647,7 +3652,7 @@
         </p:nvSpPr>
         <p:spPr>
           <a:xfrm rot="10800000">
-            <a:off x="5944139" y="1165122"/>
+            <a:off x="4752902" y="1225970"/>
             <a:ext cx="1784555" cy="383458"/>
           </a:xfrm>
           <a:prstGeom prst="rightArrow">
@@ -3681,7 +3686,7 @@
           <a:lstStyle/>
           <a:p>
             <a:pPr algn="ctr"/>
-            <a:endParaRPr lang="en-US"/>
+            <a:endParaRPr lang="en-US" sz="1400"/>
           </a:p>
         </p:txBody>
       </p:sp>
@@ -3700,7 +3705,7 @@
         <p:spPr>
           <a:xfrm>
             <a:off x="7375" y="103239"/>
-            <a:ext cx="2553391" cy="923330"/>
+            <a:ext cx="2028440" cy="738664"/>
           </a:xfrm>
           <a:prstGeom prst="rect">
             <a:avLst/>
@@ -3714,31 +3719,31 @@
           <a:lstStyle/>
           <a:p>
             <a:r>
-              <a:rPr lang="en-US" dirty="0" err="1"/>
+              <a:rPr lang="en-US" sz="1400" dirty="0" err="1"/>
               <a:t>loadAllItems</a:t>
             </a:r>
             <a:r>
-              <a:rPr lang="en-US" dirty="0"/>
+              <a:rPr lang="en-US" sz="1400" dirty="0"/>
               <a:t>: Object[]</a:t>
             </a:r>
           </a:p>
           <a:p>
             <a:r>
-              <a:rPr lang="en-US" dirty="0" err="1"/>
+              <a:rPr lang="en-US" sz="1400" dirty="0" err="1"/>
               <a:t>loadPromotions</a:t>
             </a:r>
             <a:r>
-              <a:rPr lang="en-US" dirty="0"/>
+              <a:rPr lang="en-US" sz="1400" dirty="0"/>
               <a:t>: Object[]</a:t>
             </a:r>
           </a:p>
           <a:p>
             <a:r>
-              <a:rPr lang="en-US" dirty="0" err="1"/>
+              <a:rPr lang="en-US" sz="1400" dirty="0" err="1"/>
               <a:t>inputBarcodes</a:t>
             </a:r>
             <a:r>
-              <a:rPr lang="en-US" dirty="0"/>
+              <a:rPr lang="en-US" sz="1400" dirty="0"/>
               <a:t>: String[]</a:t>
             </a:r>
           </a:p>
@@ -3759,7 +3764,7 @@
         <p:spPr>
           <a:xfrm>
             <a:off x="702123" y="4728415"/>
-            <a:ext cx="1503104" cy="369332"/>
+            <a:ext cx="1210652" cy="307777"/>
           </a:xfrm>
           <a:prstGeom prst="rect">
             <a:avLst/>
@@ -3773,7 +3778,7 @@
           <a:lstStyle/>
           <a:p>
             <a:r>
-              <a:rPr lang="en-US" dirty="0"/>
+              <a:rPr lang="en-US" sz="1400" dirty="0"/>
               <a:t>receipt: String</a:t>
             </a:r>
           </a:p>
@@ -3793,8 +3798,8 @@
         </p:nvSpPr>
         <p:spPr>
           <a:xfrm>
-            <a:off x="8616744" y="770758"/>
-            <a:ext cx="2046201" cy="369332"/>
+            <a:off x="7425507" y="831606"/>
+            <a:ext cx="1617430" cy="307777"/>
           </a:xfrm>
           <a:prstGeom prst="rect">
             <a:avLst/>
@@ -3808,10 +3813,10 @@
           <a:lstStyle/>
           <a:p>
             <a:r>
-              <a:rPr lang="en-US" dirty="0" err="1"/>
+              <a:rPr lang="en-US" sz="1400" dirty="0" err="1"/>
               <a:t>definePromoteItem</a:t>
             </a:r>
-            <a:endParaRPr lang="en-US" dirty="0"/>
+            <a:endParaRPr lang="en-US" sz="1400" dirty="0"/>
           </a:p>
         </p:txBody>
       </p:sp>
@@ -3829,8 +3834,8 @@
         </p:nvSpPr>
         <p:spPr>
           <a:xfrm>
-            <a:off x="6095811" y="-64366"/>
-            <a:ext cx="1678152" cy="923330"/>
+            <a:off x="4904574" y="-3518"/>
+            <a:ext cx="1348767" cy="738664"/>
           </a:xfrm>
           <a:prstGeom prst="rect">
             <a:avLst/>
@@ -3844,24 +3849,24 @@
           <a:lstStyle/>
           <a:p>
             <a:r>
-              <a:rPr lang="en-US" dirty="0" err="1"/>
+              <a:rPr lang="en-US" sz="1400" dirty="0" err="1"/>
               <a:t>loadAllItems</a:t>
             </a:r>
-            <a:endParaRPr lang="en-US" dirty="0"/>
-          </a:p>
-          <a:p>
-            <a:r>
-              <a:rPr lang="en-US" dirty="0" err="1"/>
+            <a:endParaRPr lang="en-US" sz="1400" dirty="0"/>
+          </a:p>
+          <a:p>
+            <a:r>
+              <a:rPr lang="en-US" sz="1400" dirty="0" err="1"/>
               <a:t>loadPromotions</a:t>
             </a:r>
-            <a:endParaRPr lang="en-US" dirty="0"/>
-          </a:p>
-          <a:p>
-            <a:r>
-              <a:rPr lang="en-US" dirty="0" err="1"/>
+            <a:endParaRPr lang="en-US" sz="1400" dirty="0"/>
+          </a:p>
+          <a:p>
+            <a:r>
+              <a:rPr lang="en-US" sz="1400" dirty="0" err="1"/>
               <a:t>inputBarcodes</a:t>
             </a:r>
-            <a:endParaRPr lang="en-US" dirty="0"/>
+            <a:endParaRPr lang="en-US" sz="1400" dirty="0"/>
           </a:p>
         </p:txBody>
       </p:sp>
@@ -3879,8 +3884,8 @@
         </p:nvSpPr>
         <p:spPr>
           <a:xfrm>
-            <a:off x="5798355" y="1476137"/>
-            <a:ext cx="2235805" cy="646331"/>
+            <a:off x="4682697" y="1544712"/>
+            <a:ext cx="2563907" cy="523220"/>
           </a:xfrm>
           <a:prstGeom prst="rect">
             <a:avLst/>
@@ -3894,21 +3899,21 @@
           <a:lstStyle/>
           <a:p>
             <a:r>
-              <a:rPr lang="en-US" dirty="0" err="1"/>
-              <a:t>promoteItem</a:t>
-            </a:r>
-            <a:r>
-              <a:rPr lang="en-US" dirty="0"/>
+              <a:rPr lang="en-US" sz="1400" dirty="0" err="1"/>
+              <a:t>promoteItemBarcode</a:t>
+            </a:r>
+            <a:r>
+              <a:rPr lang="en-US" sz="1400" dirty="0"/>
               <a:t>: String[]</a:t>
             </a:r>
           </a:p>
           <a:p>
             <a:r>
-              <a:rPr lang="en-US" dirty="0" err="1"/>
-              <a:t>normalItem</a:t>
-            </a:r>
-            <a:r>
-              <a:rPr lang="en-US" dirty="0"/>
+              <a:rPr lang="en-US" sz="1400" dirty="0" err="1"/>
+              <a:t>noPromoteItemBarcode</a:t>
+            </a:r>
+            <a:r>
+              <a:rPr lang="en-US" sz="1400" dirty="0"/>
               <a:t>: String[]</a:t>
             </a:r>
           </a:p>
@@ -3928,7 +3933,7 @@
         </p:nvSpPr>
         <p:spPr>
           <a:xfrm>
-            <a:off x="5998374" y="2738733"/>
+            <a:off x="4807137" y="2799581"/>
             <a:ext cx="1784555" cy="383458"/>
           </a:xfrm>
           <a:prstGeom prst="rightArrow">
@@ -3962,7 +3967,7 @@
           <a:lstStyle/>
           <a:p>
             <a:pPr algn="ctr"/>
-            <a:endParaRPr lang="en-US"/>
+            <a:endParaRPr lang="en-US" sz="1400"/>
           </a:p>
         </p:txBody>
       </p:sp>
@@ -3980,7 +3985,7 @@
         </p:nvSpPr>
         <p:spPr>
           <a:xfrm rot="10800000">
-            <a:off x="5998374" y="3147223"/>
+            <a:off x="4807137" y="3208071"/>
             <a:ext cx="1784555" cy="383458"/>
           </a:xfrm>
           <a:prstGeom prst="rightArrow">
@@ -4014,7 +4019,7 @@
           <a:lstStyle/>
           <a:p>
             <a:pPr algn="ctr"/>
-            <a:endParaRPr lang="en-US"/>
+            <a:endParaRPr lang="en-US" sz="1400"/>
           </a:p>
         </p:txBody>
       </p:sp>
@@ -4032,8 +4037,8 @@
         </p:nvSpPr>
         <p:spPr>
           <a:xfrm>
-            <a:off x="6095811" y="2297979"/>
-            <a:ext cx="1485600" cy="369332"/>
+            <a:off x="5067296" y="2311942"/>
+            <a:ext cx="1752788" cy="523220"/>
           </a:xfrm>
           <a:prstGeom prst="rect">
             <a:avLst/>
@@ -4047,13 +4052,17 @@
           <a:lstStyle/>
           <a:p>
             <a:r>
-              <a:rPr lang="en-US" dirty="0" err="1"/>
-              <a:t>promoteItem</a:t>
-            </a:r>
-            <a:r>
-              <a:rPr lang="en-US" dirty="0"/>
-              <a:t> </a:t>
-            </a:r>
+              <a:rPr lang="en-US" sz="1400" dirty="0" err="1"/>
+              <a:t>promoteItemBarcode</a:t>
+            </a:r>
+            <a:endParaRPr lang="en-US" sz="1400" dirty="0"/>
+          </a:p>
+          <a:p>
+            <a:r>
+              <a:rPr lang="en-US" sz="1400" dirty="0" err="1"/>
+              <a:t>loadAllItems</a:t>
+            </a:r>
+            <a:endParaRPr lang="en-US" sz="1400" dirty="0"/>
           </a:p>
         </p:txBody>
       </p:sp>
@@ -4071,7 +4080,7 @@
         </p:nvSpPr>
         <p:spPr>
           <a:xfrm>
-            <a:off x="9436514" y="2738733"/>
+            <a:off x="8329074" y="2572730"/>
             <a:ext cx="1049590" cy="383458"/>
           </a:xfrm>
           <a:prstGeom prst="rightArrow">
@@ -4105,7 +4114,7 @@
           <a:lstStyle/>
           <a:p>
             <a:pPr algn="ctr"/>
-            <a:endParaRPr lang="en-US"/>
+            <a:endParaRPr lang="en-US" sz="1400"/>
           </a:p>
         </p:txBody>
       </p:sp>
@@ -4123,7 +4132,7 @@
         </p:nvSpPr>
         <p:spPr>
           <a:xfrm rot="10800000">
-            <a:off x="9410966" y="3763091"/>
+            <a:off x="8310363" y="3486566"/>
             <a:ext cx="1049590" cy="383458"/>
           </a:xfrm>
           <a:prstGeom prst="rightArrow">
@@ -4157,7 +4166,7 @@
           <a:lstStyle/>
           <a:p>
             <a:pPr algn="ctr"/>
-            <a:endParaRPr lang="en-US"/>
+            <a:endParaRPr lang="en-US" sz="1400"/>
           </a:p>
         </p:txBody>
       </p:sp>
@@ -4175,7 +4184,7 @@
         </p:nvSpPr>
         <p:spPr>
           <a:xfrm>
-            <a:off x="10539481" y="2489706"/>
+            <a:off x="9432041" y="2323703"/>
             <a:ext cx="1430595" cy="1651819"/>
           </a:xfrm>
           <a:prstGeom prst="rect">
@@ -4209,7 +4218,7 @@
           <a:lstStyle/>
           <a:p>
             <a:pPr algn="ctr"/>
-            <a:endParaRPr lang="en-US"/>
+            <a:endParaRPr lang="en-US" sz="1400"/>
           </a:p>
         </p:txBody>
       </p:sp>
@@ -4227,8 +4236,8 @@
         </p:nvSpPr>
         <p:spPr>
           <a:xfrm>
-            <a:off x="9149356" y="2139244"/>
-            <a:ext cx="2360839" cy="369332"/>
+            <a:off x="8041916" y="1973241"/>
+            <a:ext cx="1875513" cy="307777"/>
           </a:xfrm>
           <a:prstGeom prst="rect">
             <a:avLst/>
@@ -4242,11 +4251,11 @@
           <a:lstStyle/>
           <a:p>
             <a:r>
-              <a:rPr lang="en-US" dirty="0" err="1"/>
+              <a:rPr lang="en-US" sz="1400" dirty="0" err="1"/>
               <a:t>promoteItem</a:t>
             </a:r>
             <a:r>
-              <a:rPr lang="en-US" dirty="0"/>
+              <a:rPr lang="en-US" sz="1400" dirty="0"/>
               <a:t> : Object[]</a:t>
             </a:r>
           </a:p>
@@ -4266,8 +4275,8 @@
         </p:nvSpPr>
         <p:spPr>
           <a:xfrm>
-            <a:off x="5822498" y="3523778"/>
-            <a:ext cx="1979324" cy="369332"/>
+            <a:off x="4854097" y="3584626"/>
+            <a:ext cx="1582164" cy="523220"/>
           </a:xfrm>
           <a:prstGeom prst="rect">
             <a:avLst/>
@@ -4281,10 +4290,17 @@
           <a:lstStyle/>
           <a:p>
             <a:r>
-              <a:rPr lang="en-US" dirty="0" err="1"/>
+              <a:rPr lang="en-US" sz="1400" dirty="0" err="1"/>
               <a:t>promoteItemString</a:t>
             </a:r>
-            <a:endParaRPr lang="en-US" dirty="0"/>
+            <a:endParaRPr lang="en-US" sz="1400" dirty="0"/>
+          </a:p>
+          <a:p>
+            <a:r>
+              <a:rPr lang="en-US" sz="1400" dirty="0" err="1"/>
+              <a:t>savingString</a:t>
+            </a:r>
+            <a:endParaRPr lang="en-US" sz="1400" dirty="0"/>
           </a:p>
         </p:txBody>
       </p:sp>
@@ -4302,8 +4318,8 @@
         </p:nvSpPr>
         <p:spPr>
           <a:xfrm>
-            <a:off x="9087566" y="4128288"/>
-            <a:ext cx="2782428" cy="369332"/>
+            <a:off x="7869294" y="3911974"/>
+            <a:ext cx="2205732" cy="523220"/>
           </a:xfrm>
           <a:prstGeom prst="rect">
             <a:avLst/>
@@ -4317,12 +4333,22 @@
           <a:lstStyle/>
           <a:p>
             <a:r>
-              <a:rPr lang="en-US" dirty="0" err="1"/>
+              <a:rPr lang="en-US" sz="1400" dirty="0" err="1"/>
               <a:t>promoteItemString</a:t>
             </a:r>
             <a:r>
-              <a:rPr lang="en-US" dirty="0"/>
+              <a:rPr lang="en-US" sz="1400" dirty="0"/>
               <a:t>: String[]</a:t>
+            </a:r>
+          </a:p>
+          <a:p>
+            <a:r>
+              <a:rPr lang="en-US" sz="1400" dirty="0" err="1"/>
+              <a:t>savingString</a:t>
+            </a:r>
+            <a:r>
+              <a:rPr lang="en-US" sz="1400" dirty="0"/>
+              <a:t>: String</a:t>
             </a:r>
           </a:p>
         </p:txBody>
@@ -4341,8 +4367,8 @@
         </p:nvSpPr>
         <p:spPr>
           <a:xfrm>
-            <a:off x="7877304" y="4810226"/>
-            <a:ext cx="1430595" cy="1651819"/>
+            <a:off x="6686067" y="4537246"/>
+            <a:ext cx="1430595" cy="1985648"/>
           </a:xfrm>
           <a:prstGeom prst="rect">
             <a:avLst/>
@@ -4375,7 +4401,7 @@
           <a:lstStyle/>
           <a:p>
             <a:pPr algn="ctr"/>
-            <a:endParaRPr lang="en-US"/>
+            <a:endParaRPr lang="en-US" sz="1400"/>
           </a:p>
         </p:txBody>
       </p:sp>
@@ -4393,7 +4419,7 @@
         </p:nvSpPr>
         <p:spPr>
           <a:xfrm>
-            <a:off x="5974231" y="5035917"/>
+            <a:off x="4782994" y="5096765"/>
             <a:ext cx="1784555" cy="383458"/>
           </a:xfrm>
           <a:prstGeom prst="rightArrow">
@@ -4427,7 +4453,7 @@
           <a:lstStyle/>
           <a:p>
             <a:pPr algn="ctr"/>
-            <a:endParaRPr lang="en-US"/>
+            <a:endParaRPr lang="en-US" sz="1400"/>
           </a:p>
         </p:txBody>
       </p:sp>
@@ -4445,7 +4471,7 @@
         </p:nvSpPr>
         <p:spPr>
           <a:xfrm rot="10800000">
-            <a:off x="5974231" y="5444407"/>
+            <a:off x="4782994" y="5505255"/>
             <a:ext cx="1784555" cy="383458"/>
           </a:xfrm>
           <a:prstGeom prst="rightArrow">
@@ -4479,7 +4505,7 @@
           <a:lstStyle/>
           <a:p>
             <a:pPr algn="ctr"/>
-            <a:endParaRPr lang="en-US"/>
+            <a:endParaRPr lang="en-US" sz="1400"/>
           </a:p>
         </p:txBody>
       </p:sp>
@@ -4497,8 +4523,8 @@
         </p:nvSpPr>
         <p:spPr>
           <a:xfrm>
-            <a:off x="6272138" y="4594077"/>
-            <a:ext cx="1288238" cy="369332"/>
+            <a:off x="4782993" y="4547315"/>
+            <a:ext cx="1940339" cy="523220"/>
           </a:xfrm>
           <a:prstGeom prst="rect">
             <a:avLst/>
@@ -4512,10 +4538,17 @@
           <a:lstStyle/>
           <a:p>
             <a:r>
-              <a:rPr lang="en-US" dirty="0" err="1"/>
-              <a:t>normalItem</a:t>
-            </a:r>
-            <a:endParaRPr lang="en-US" dirty="0"/>
+              <a:rPr lang="en-US" sz="1400" dirty="0" err="1"/>
+              <a:t>noPromoteItemBarcode</a:t>
+            </a:r>
+            <a:endParaRPr lang="en-US" sz="1400" dirty="0"/>
+          </a:p>
+          <a:p>
+            <a:r>
+              <a:rPr lang="en-US" sz="1400" dirty="0" err="1"/>
+              <a:t>loadAllItems</a:t>
+            </a:r>
+            <a:endParaRPr lang="en-US" sz="1400" dirty="0"/>
           </a:p>
         </p:txBody>
       </p:sp>
@@ -4533,8 +4566,8 @@
         </p:nvSpPr>
         <p:spPr>
           <a:xfrm>
-            <a:off x="9412371" y="5035917"/>
-            <a:ext cx="1049590" cy="383458"/>
+            <a:off x="9214427" y="5341409"/>
+            <a:ext cx="578917" cy="157767"/>
           </a:xfrm>
           <a:prstGeom prst="rightArrow">
             <a:avLst/>
@@ -4567,7 +4600,7 @@
           <a:lstStyle/>
           <a:p>
             <a:pPr algn="ctr"/>
-            <a:endParaRPr lang="en-US"/>
+            <a:endParaRPr lang="en-US" sz="1400"/>
           </a:p>
         </p:txBody>
       </p:sp>
@@ -4585,8 +4618,8 @@
         </p:nvSpPr>
         <p:spPr>
           <a:xfrm rot="10800000">
-            <a:off x="9386823" y="5649532"/>
-            <a:ext cx="1049590" cy="383458"/>
+            <a:off x="9214427" y="5575955"/>
+            <a:ext cx="578918" cy="157767"/>
           </a:xfrm>
           <a:prstGeom prst="rightArrow">
             <a:avLst/>
@@ -4619,7 +4652,7 @@
           <a:lstStyle/>
           <a:p>
             <a:pPr algn="ctr"/>
-            <a:endParaRPr lang="en-US"/>
+            <a:endParaRPr lang="en-US" sz="1400"/>
           </a:p>
         </p:txBody>
       </p:sp>
@@ -4637,8 +4670,8 @@
         </p:nvSpPr>
         <p:spPr>
           <a:xfrm>
-            <a:off x="10515338" y="4786890"/>
-            <a:ext cx="1430595" cy="1651819"/>
+            <a:off x="10434165" y="6089819"/>
+            <a:ext cx="1430595" cy="649935"/>
           </a:xfrm>
           <a:prstGeom prst="rect">
             <a:avLst/>
@@ -4671,16 +4704,16 @@
           <a:lstStyle/>
           <a:p>
             <a:pPr algn="ctr"/>
-            <a:endParaRPr lang="en-US"/>
-          </a:p>
-        </p:txBody>
-      </p:sp>
-      <p:sp>
-        <p:nvSpPr>
-          <p:cNvPr id="39" name="TextBox 38">
-            <a:extLst>
-              <a:ext uri="{FF2B5EF4-FFF2-40B4-BE49-F238E27FC236}">
-                <a16:creationId xmlns:a16="http://schemas.microsoft.com/office/drawing/2014/main" id="{29DFC94E-48C2-4B6D-847C-6D722FC8ECA9}"/>
+            <a:endParaRPr lang="en-US" sz="1400"/>
+          </a:p>
+        </p:txBody>
+      </p:sp>
+      <p:sp>
+        <p:nvSpPr>
+          <p:cNvPr id="40" name="TextBox 39">
+            <a:extLst>
+              <a:ext uri="{FF2B5EF4-FFF2-40B4-BE49-F238E27FC236}">
+                <a16:creationId xmlns:a16="http://schemas.microsoft.com/office/drawing/2014/main" id="{5D3286EA-DA4A-41E3-B597-94F60731B392}"/>
               </a:ext>
             </a:extLst>
           </p:cNvPr>
@@ -4689,8 +4722,8 @@
         </p:nvSpPr>
         <p:spPr>
           <a:xfrm>
-            <a:off x="9125213" y="4436428"/>
-            <a:ext cx="2240422" cy="369332"/>
+            <a:off x="4940294" y="5886631"/>
+            <a:ext cx="1626664" cy="523220"/>
           </a:xfrm>
           <a:prstGeom prst="rect">
             <a:avLst/>
@@ -4704,22 +4737,26 @@
           <a:lstStyle/>
           <a:p>
             <a:r>
-              <a:rPr lang="en-US" dirty="0" err="1"/>
-              <a:t>normalItem</a:t>
-            </a:r>
-            <a:r>
-              <a:rPr lang="en-US" dirty="0"/>
-              <a:t>: Object[]</a:t>
-            </a:r>
-          </a:p>
-        </p:txBody>
-      </p:sp>
-      <p:sp>
-        <p:nvSpPr>
-          <p:cNvPr id="40" name="TextBox 39">
-            <a:extLst>
-              <a:ext uri="{FF2B5EF4-FFF2-40B4-BE49-F238E27FC236}">
-                <a16:creationId xmlns:a16="http://schemas.microsoft.com/office/drawing/2014/main" id="{5D3286EA-DA4A-41E3-B597-94F60731B392}"/>
+              <a:rPr lang="en-US" sz="1400" dirty="0" err="1"/>
+              <a:t>normalItemString</a:t>
+            </a:r>
+            <a:endParaRPr lang="en-US" sz="1400" dirty="0"/>
+          </a:p>
+          <a:p>
+            <a:r>
+              <a:rPr lang="en-US" sz="1400" dirty="0" err="1"/>
+              <a:t>weightedItemString</a:t>
+            </a:r>
+            <a:endParaRPr lang="en-US" sz="1400" dirty="0"/>
+          </a:p>
+        </p:txBody>
+      </p:sp>
+      <p:sp>
+        <p:nvSpPr>
+          <p:cNvPr id="41" name="TextBox 40">
+            <a:extLst>
+              <a:ext uri="{FF2B5EF4-FFF2-40B4-BE49-F238E27FC236}">
+                <a16:creationId xmlns:a16="http://schemas.microsoft.com/office/drawing/2014/main" id="{82AD6A6B-96BC-40B7-9308-1F0AB70789FF}"/>
               </a:ext>
             </a:extLst>
           </p:cNvPr>
@@ -4728,8 +4765,8 @@
         </p:nvSpPr>
         <p:spPr>
           <a:xfrm>
-            <a:off x="5798355" y="5820962"/>
-            <a:ext cx="1834861" cy="369332"/>
+            <a:off x="8371465" y="6483078"/>
+            <a:ext cx="2093522" cy="307777"/>
           </a:xfrm>
           <a:prstGeom prst="rect">
             <a:avLst/>
@@ -4743,19 +4780,22 @@
           <a:lstStyle/>
           <a:p>
             <a:r>
-              <a:rPr lang="en-US" dirty="0" err="1"/>
+              <a:rPr lang="en-US" sz="1400" dirty="0" err="1"/>
               <a:t>normalItemString</a:t>
             </a:r>
-            <a:endParaRPr lang="en-US" dirty="0"/>
-          </a:p>
-        </p:txBody>
-      </p:sp>
-      <p:sp>
-        <p:nvSpPr>
-          <p:cNvPr id="41" name="TextBox 40">
-            <a:extLst>
-              <a:ext uri="{FF2B5EF4-FFF2-40B4-BE49-F238E27FC236}">
-                <a16:creationId xmlns:a16="http://schemas.microsoft.com/office/drawing/2014/main" id="{82AD6A6B-96BC-40B7-9308-1F0AB70789FF}"/>
+            <a:r>
+              <a:rPr lang="en-US" sz="1400" dirty="0"/>
+              <a:t>: String[]</a:t>
+            </a:r>
+          </a:p>
+        </p:txBody>
+      </p:sp>
+      <p:sp>
+        <p:nvSpPr>
+          <p:cNvPr id="42" name="TextBox 41">
+            <a:extLst>
+              <a:ext uri="{FF2B5EF4-FFF2-40B4-BE49-F238E27FC236}">
+                <a16:creationId xmlns:a16="http://schemas.microsoft.com/office/drawing/2014/main" id="{21BCF529-0BB3-4F80-9C25-A44A45902244}"/>
               </a:ext>
             </a:extLst>
           </p:cNvPr>
@@ -4764,8 +4804,8 @@
         </p:nvSpPr>
         <p:spPr>
           <a:xfrm>
-            <a:off x="9051128" y="6462045"/>
-            <a:ext cx="2637966" cy="369332"/>
+            <a:off x="6812998" y="2991183"/>
+            <a:ext cx="1784554" cy="307777"/>
           </a:xfrm>
           <a:prstGeom prst="rect">
             <a:avLst/>
@@ -4773,28 +4813,25 @@
           <a:noFill/>
         </p:spPr>
         <p:txBody>
-          <a:bodyPr wrap="none" rtlCol="0">
+          <a:bodyPr wrap="square" rtlCol="0">
             <a:spAutoFit/>
           </a:bodyPr>
           <a:lstStyle/>
           <a:p>
             <a:r>
-              <a:rPr lang="en-US" dirty="0" err="1"/>
-              <a:t>normalItemString</a:t>
-            </a:r>
-            <a:r>
-              <a:rPr lang="en-US" dirty="0"/>
-              <a:t>: String[]</a:t>
-            </a:r>
-          </a:p>
-        </p:txBody>
-      </p:sp>
-      <p:sp>
-        <p:nvSpPr>
-          <p:cNvPr id="42" name="TextBox 41">
-            <a:extLst>
-              <a:ext uri="{FF2B5EF4-FFF2-40B4-BE49-F238E27FC236}">
-                <a16:creationId xmlns:a16="http://schemas.microsoft.com/office/drawing/2014/main" id="{21BCF529-0BB3-4F80-9C25-A44A45902244}"/>
+              <a:rPr lang="en-US" sz="1400" dirty="0" err="1"/>
+              <a:t>getPromoteObj</a:t>
+            </a:r>
+            <a:endParaRPr lang="en-US" sz="1400" dirty="0"/>
+          </a:p>
+        </p:txBody>
+      </p:sp>
+      <p:sp>
+        <p:nvSpPr>
+          <p:cNvPr id="43" name="TextBox 42">
+            <a:extLst>
+              <a:ext uri="{FF2B5EF4-FFF2-40B4-BE49-F238E27FC236}">
+                <a16:creationId xmlns:a16="http://schemas.microsoft.com/office/drawing/2014/main" id="{D799CCE3-E39C-47F5-9F8C-2C1D6CBC0670}"/>
               </a:ext>
             </a:extLst>
           </p:cNvPr>
@@ -4803,8 +4840,8 @@
         </p:nvSpPr>
         <p:spPr>
           <a:xfrm>
-            <a:off x="7822745" y="3122191"/>
-            <a:ext cx="1784554" cy="369332"/>
+            <a:off x="9547616" y="2991465"/>
+            <a:ext cx="1784554" cy="307777"/>
           </a:xfrm>
           <a:prstGeom prst="rect">
             <a:avLst/>
@@ -4818,19 +4855,19 @@
           <a:lstStyle/>
           <a:p>
             <a:r>
-              <a:rPr lang="en-US" dirty="0" err="1"/>
-              <a:t>getPromoteObj</a:t>
-            </a:r>
-            <a:endParaRPr lang="en-US" dirty="0"/>
-          </a:p>
-        </p:txBody>
-      </p:sp>
-      <p:sp>
-        <p:nvSpPr>
-          <p:cNvPr id="43" name="TextBox 42">
-            <a:extLst>
-              <a:ext uri="{FF2B5EF4-FFF2-40B4-BE49-F238E27FC236}">
-                <a16:creationId xmlns:a16="http://schemas.microsoft.com/office/drawing/2014/main" id="{D799CCE3-E39C-47F5-9F8C-2C1D6CBC0670}"/>
+              <a:rPr lang="en-US" sz="1400" dirty="0" err="1"/>
+              <a:t>getPromoteStr</a:t>
+            </a:r>
+            <a:endParaRPr lang="en-US" sz="1400" dirty="0"/>
+          </a:p>
+        </p:txBody>
+      </p:sp>
+      <p:sp>
+        <p:nvSpPr>
+          <p:cNvPr id="45" name="TextBox 44">
+            <a:extLst>
+              <a:ext uri="{FF2B5EF4-FFF2-40B4-BE49-F238E27FC236}">
+                <a16:creationId xmlns:a16="http://schemas.microsoft.com/office/drawing/2014/main" id="{B320A818-5B10-4102-A515-0E1B10D28B9B}"/>
               </a:ext>
             </a:extLst>
           </p:cNvPr>
@@ -4839,8 +4876,8 @@
         </p:nvSpPr>
         <p:spPr>
           <a:xfrm>
-            <a:off x="10453720" y="3098855"/>
-            <a:ext cx="1784554" cy="369332"/>
+            <a:off x="10557106" y="6215077"/>
+            <a:ext cx="1236329" cy="307777"/>
           </a:xfrm>
           <a:prstGeom prst="rect">
             <a:avLst/>
@@ -4854,55 +4891,71 @@
           <a:lstStyle/>
           <a:p>
             <a:r>
-              <a:rPr lang="en-US" dirty="0" err="1"/>
-              <a:t>getPromoteStr</a:t>
-            </a:r>
-            <a:endParaRPr lang="en-US" dirty="0"/>
-          </a:p>
-        </p:txBody>
-      </p:sp>
-      <p:sp>
-        <p:nvSpPr>
-          <p:cNvPr id="44" name="TextBox 43">
-            <a:extLst>
-              <a:ext uri="{FF2B5EF4-FFF2-40B4-BE49-F238E27FC236}">
-                <a16:creationId xmlns:a16="http://schemas.microsoft.com/office/drawing/2014/main" id="{170D63F0-6DCE-4678-80BE-FF4BA17F37F9}"/>
-              </a:ext>
-            </a:extLst>
-          </p:cNvPr>
-          <p:cNvSpPr txBox="1"/>
+              <a:rPr lang="en-US" sz="1400" dirty="0" err="1"/>
+              <a:t>getNormalStr</a:t>
+            </a:r>
+            <a:endParaRPr lang="en-US" sz="1400" dirty="0"/>
+          </a:p>
+        </p:txBody>
+      </p:sp>
+      <p:sp>
+        <p:nvSpPr>
+          <p:cNvPr id="47" name="Rectangle 46">
+            <a:extLst>
+              <a:ext uri="{FF2B5EF4-FFF2-40B4-BE49-F238E27FC236}">
+                <a16:creationId xmlns:a16="http://schemas.microsoft.com/office/drawing/2014/main" id="{911828A1-B83C-40E1-BBAD-CA5A7B016CD1}"/>
+              </a:ext>
+            </a:extLst>
+          </p:cNvPr>
+          <p:cNvSpPr/>
           <p:nvPr/>
         </p:nvSpPr>
         <p:spPr>
           <a:xfrm>
-            <a:off x="7849371" y="5381863"/>
-            <a:ext cx="1784554" cy="369332"/>
+            <a:off x="10407883" y="5199209"/>
+            <a:ext cx="1430595" cy="659200"/>
           </a:xfrm>
           <a:prstGeom prst="rect">
             <a:avLst/>
           </a:prstGeom>
           <a:noFill/>
-        </p:spPr>
-        <p:txBody>
-          <a:bodyPr wrap="square" rtlCol="0">
-            <a:spAutoFit/>
-          </a:bodyPr>
-          <a:lstStyle/>
-          <a:p>
-            <a:r>
-              <a:rPr lang="en-US" dirty="0" err="1"/>
-              <a:t>getNormalObj</a:t>
-            </a:r>
-            <a:endParaRPr lang="en-US" dirty="0"/>
-          </a:p>
-        </p:txBody>
-      </p:sp>
-      <p:sp>
-        <p:nvSpPr>
-          <p:cNvPr id="45" name="TextBox 44">
-            <a:extLst>
-              <a:ext uri="{FF2B5EF4-FFF2-40B4-BE49-F238E27FC236}">
-                <a16:creationId xmlns:a16="http://schemas.microsoft.com/office/drawing/2014/main" id="{B320A818-5B10-4102-A515-0E1B10D28B9B}"/>
+          <a:ln>
+            <a:solidFill>
+              <a:schemeClr val="tx1"/>
+            </a:solidFill>
+          </a:ln>
+        </p:spPr>
+        <p:style>
+          <a:lnRef idx="2">
+            <a:schemeClr val="accent1">
+              <a:shade val="50000"/>
+            </a:schemeClr>
+          </a:lnRef>
+          <a:fillRef idx="1">
+            <a:schemeClr val="accent1"/>
+          </a:fillRef>
+          <a:effectRef idx="0">
+            <a:schemeClr val="accent1"/>
+          </a:effectRef>
+          <a:fontRef idx="minor">
+            <a:schemeClr val="lt1"/>
+          </a:fontRef>
+        </p:style>
+        <p:txBody>
+          <a:bodyPr rtlCol="0" anchor="ctr"/>
+          <a:lstStyle/>
+          <a:p>
+            <a:pPr algn="ctr"/>
+            <a:endParaRPr lang="en-US" sz="1400"/>
+          </a:p>
+        </p:txBody>
+      </p:sp>
+      <p:sp>
+        <p:nvSpPr>
+          <p:cNvPr id="50" name="TextBox 49">
+            <a:extLst>
+              <a:ext uri="{FF2B5EF4-FFF2-40B4-BE49-F238E27FC236}">
+                <a16:creationId xmlns:a16="http://schemas.microsoft.com/office/drawing/2014/main" id="{E0200AEE-3AF2-4EE1-94FB-0208139D6A08}"/>
               </a:ext>
             </a:extLst>
           </p:cNvPr>
@@ -4911,8 +4964,8 @@
         </p:nvSpPr>
         <p:spPr>
           <a:xfrm>
-            <a:off x="10478780" y="5331944"/>
-            <a:ext cx="1784554" cy="369332"/>
+            <a:off x="6889921" y="5269794"/>
+            <a:ext cx="1784554" cy="307777"/>
           </a:xfrm>
           <a:prstGeom prst="rect">
             <a:avLst/>
@@ -4926,19 +4979,123 @@
           <a:lstStyle/>
           <a:p>
             <a:r>
-              <a:rPr lang="en-US" dirty="0" err="1"/>
-              <a:t>getNormalStr</a:t>
-            </a:r>
-            <a:endParaRPr lang="en-US" dirty="0"/>
-          </a:p>
-        </p:txBody>
-      </p:sp>
-      <p:sp>
-        <p:nvSpPr>
-          <p:cNvPr id="46" name="TextBox 45">
-            <a:extLst>
-              <a:ext uri="{FF2B5EF4-FFF2-40B4-BE49-F238E27FC236}">
-                <a16:creationId xmlns:a16="http://schemas.microsoft.com/office/drawing/2014/main" id="{6BA8F98A-405A-4F45-B17A-EFE959F1E765}"/>
+              <a:rPr lang="en-US" sz="1400" dirty="0" err="1"/>
+              <a:t>getNormalObj</a:t>
+            </a:r>
+            <a:endParaRPr lang="en-US" sz="1400" dirty="0"/>
+          </a:p>
+        </p:txBody>
+      </p:sp>
+      <p:sp>
+        <p:nvSpPr>
+          <p:cNvPr id="51" name="Arrow: Right 50">
+            <a:extLst>
+              <a:ext uri="{FF2B5EF4-FFF2-40B4-BE49-F238E27FC236}">
+                <a16:creationId xmlns:a16="http://schemas.microsoft.com/office/drawing/2014/main" id="{EB903D4D-7C38-4863-A2F8-8B59C42F8031}"/>
+              </a:ext>
+            </a:extLst>
+          </p:cNvPr>
+          <p:cNvSpPr/>
+          <p:nvPr/>
+        </p:nvSpPr>
+        <p:spPr>
+          <a:xfrm>
+            <a:off x="9220185" y="6151734"/>
+            <a:ext cx="578917" cy="157767"/>
+          </a:xfrm>
+          <a:prstGeom prst="rightArrow">
+            <a:avLst/>
+          </a:prstGeom>
+          <a:noFill/>
+          <a:ln>
+            <a:solidFill>
+              <a:schemeClr val="tx1"/>
+            </a:solidFill>
+          </a:ln>
+        </p:spPr>
+        <p:style>
+          <a:lnRef idx="2">
+            <a:schemeClr val="accent1">
+              <a:shade val="50000"/>
+            </a:schemeClr>
+          </a:lnRef>
+          <a:fillRef idx="1">
+            <a:schemeClr val="accent1"/>
+          </a:fillRef>
+          <a:effectRef idx="0">
+            <a:schemeClr val="accent1"/>
+          </a:effectRef>
+          <a:fontRef idx="minor">
+            <a:schemeClr val="lt1"/>
+          </a:fontRef>
+        </p:style>
+        <p:txBody>
+          <a:bodyPr rtlCol="0" anchor="ctr"/>
+          <a:lstStyle/>
+          <a:p>
+            <a:pPr algn="ctr"/>
+            <a:endParaRPr lang="en-US" sz="1400"/>
+          </a:p>
+        </p:txBody>
+      </p:sp>
+      <p:sp>
+        <p:nvSpPr>
+          <p:cNvPr id="52" name="Arrow: Right 51">
+            <a:extLst>
+              <a:ext uri="{FF2B5EF4-FFF2-40B4-BE49-F238E27FC236}">
+                <a16:creationId xmlns:a16="http://schemas.microsoft.com/office/drawing/2014/main" id="{8D521104-5B14-4DB1-BE88-008B5225DDBC}"/>
+              </a:ext>
+            </a:extLst>
+          </p:cNvPr>
+          <p:cNvSpPr/>
+          <p:nvPr/>
+        </p:nvSpPr>
+        <p:spPr>
+          <a:xfrm rot="10800000">
+            <a:off x="9214425" y="6318202"/>
+            <a:ext cx="578918" cy="157767"/>
+          </a:xfrm>
+          <a:prstGeom prst="rightArrow">
+            <a:avLst/>
+          </a:prstGeom>
+          <a:noFill/>
+          <a:ln>
+            <a:solidFill>
+              <a:schemeClr val="tx1"/>
+            </a:solidFill>
+          </a:ln>
+        </p:spPr>
+        <p:style>
+          <a:lnRef idx="2">
+            <a:schemeClr val="accent1">
+              <a:shade val="50000"/>
+            </a:schemeClr>
+          </a:lnRef>
+          <a:fillRef idx="1">
+            <a:schemeClr val="accent1"/>
+          </a:fillRef>
+          <a:effectRef idx="0">
+            <a:schemeClr val="accent1"/>
+          </a:effectRef>
+          <a:fontRef idx="minor">
+            <a:schemeClr val="lt1"/>
+          </a:fontRef>
+        </p:style>
+        <p:txBody>
+          <a:bodyPr rtlCol="0" anchor="ctr"/>
+          <a:lstStyle/>
+          <a:p>
+            <a:pPr algn="ctr"/>
+            <a:endParaRPr lang="en-US" sz="1400"/>
+          </a:p>
+        </p:txBody>
+      </p:sp>
+      <p:sp>
+        <p:nvSpPr>
+          <p:cNvPr id="5" name="TextBox 4">
+            <a:extLst>
+              <a:ext uri="{FF2B5EF4-FFF2-40B4-BE49-F238E27FC236}">
+                <a16:creationId xmlns:a16="http://schemas.microsoft.com/office/drawing/2014/main" id="{B500BDCF-D83B-4ACA-AC8B-D232740D553F}"/>
               </a:ext>
             </a:extLst>
           </p:cNvPr>
@@ -4947,8 +5104,8 @@
         </p:nvSpPr>
         <p:spPr>
           <a:xfrm>
-            <a:off x="3406877" y="3098855"/>
-            <a:ext cx="1336456" cy="369332"/>
+            <a:off x="10342826" y="5332560"/>
+            <a:ext cx="1550617" cy="307777"/>
           </a:xfrm>
           <a:prstGeom prst="rect">
             <a:avLst/>
@@ -4962,10 +5119,430 @@
           <a:lstStyle/>
           <a:p>
             <a:r>
-              <a:rPr lang="en-US" dirty="0" err="1"/>
+              <a:rPr lang="en-US" sz="1400" dirty="0" err="1"/>
+              <a:t>getWeightedString</a:t>
+            </a:r>
+            <a:endParaRPr lang="en-US" sz="1400" dirty="0"/>
+          </a:p>
+        </p:txBody>
+      </p:sp>
+      <p:sp>
+        <p:nvSpPr>
+          <p:cNvPr id="65" name="Arrow: Right 64">
+            <a:extLst>
+              <a:ext uri="{FF2B5EF4-FFF2-40B4-BE49-F238E27FC236}">
+                <a16:creationId xmlns:a16="http://schemas.microsoft.com/office/drawing/2014/main" id="{FFC4975F-4F70-4E57-ABFA-01E8DCECA7BF}"/>
+              </a:ext>
+            </a:extLst>
+          </p:cNvPr>
+          <p:cNvSpPr/>
+          <p:nvPr/>
+        </p:nvSpPr>
+        <p:spPr>
+          <a:xfrm>
+            <a:off x="9214428" y="4618908"/>
+            <a:ext cx="578917" cy="157767"/>
+          </a:xfrm>
+          <a:prstGeom prst="rightArrow">
+            <a:avLst/>
+          </a:prstGeom>
+          <a:noFill/>
+          <a:ln>
+            <a:solidFill>
+              <a:schemeClr val="tx1"/>
+            </a:solidFill>
+          </a:ln>
+        </p:spPr>
+        <p:style>
+          <a:lnRef idx="2">
+            <a:schemeClr val="accent1">
+              <a:shade val="50000"/>
+            </a:schemeClr>
+          </a:lnRef>
+          <a:fillRef idx="1">
+            <a:schemeClr val="accent1"/>
+          </a:fillRef>
+          <a:effectRef idx="0">
+            <a:schemeClr val="accent1"/>
+          </a:effectRef>
+          <a:fontRef idx="minor">
+            <a:schemeClr val="lt1"/>
+          </a:fontRef>
+        </p:style>
+        <p:txBody>
+          <a:bodyPr rtlCol="0" anchor="ctr"/>
+          <a:lstStyle/>
+          <a:p>
+            <a:pPr algn="ctr"/>
+            <a:endParaRPr lang="en-US" sz="1400"/>
+          </a:p>
+        </p:txBody>
+      </p:sp>
+      <p:sp>
+        <p:nvSpPr>
+          <p:cNvPr id="66" name="Arrow: Right 65">
+            <a:extLst>
+              <a:ext uri="{FF2B5EF4-FFF2-40B4-BE49-F238E27FC236}">
+                <a16:creationId xmlns:a16="http://schemas.microsoft.com/office/drawing/2014/main" id="{F7E2FCD2-4400-4D83-AAA6-34E73A1DA1A6}"/>
+              </a:ext>
+            </a:extLst>
+          </p:cNvPr>
+          <p:cNvSpPr/>
+          <p:nvPr/>
+        </p:nvSpPr>
+        <p:spPr>
+          <a:xfrm rot="10800000">
+            <a:off x="9214428" y="4788875"/>
+            <a:ext cx="578918" cy="157767"/>
+          </a:xfrm>
+          <a:prstGeom prst="rightArrow">
+            <a:avLst/>
+          </a:prstGeom>
+          <a:noFill/>
+          <a:ln>
+            <a:solidFill>
+              <a:schemeClr val="tx1"/>
+            </a:solidFill>
+          </a:ln>
+        </p:spPr>
+        <p:style>
+          <a:lnRef idx="2">
+            <a:schemeClr val="accent1">
+              <a:shade val="50000"/>
+            </a:schemeClr>
+          </a:lnRef>
+          <a:fillRef idx="1">
+            <a:schemeClr val="accent1"/>
+          </a:fillRef>
+          <a:effectRef idx="0">
+            <a:schemeClr val="accent1"/>
+          </a:effectRef>
+          <a:fontRef idx="minor">
+            <a:schemeClr val="lt1"/>
+          </a:fontRef>
+        </p:style>
+        <p:txBody>
+          <a:bodyPr rtlCol="0" anchor="ctr"/>
+          <a:lstStyle/>
+          <a:p>
+            <a:pPr algn="ctr"/>
+            <a:endParaRPr lang="en-US" sz="1400"/>
+          </a:p>
+        </p:txBody>
+      </p:sp>
+      <p:sp>
+        <p:nvSpPr>
+          <p:cNvPr id="67" name="Rectangle 66">
+            <a:extLst>
+              <a:ext uri="{FF2B5EF4-FFF2-40B4-BE49-F238E27FC236}">
+                <a16:creationId xmlns:a16="http://schemas.microsoft.com/office/drawing/2014/main" id="{3F15A14B-CB3E-42F2-A18F-23CDDF08CEDB}"/>
+              </a:ext>
+            </a:extLst>
+          </p:cNvPr>
+          <p:cNvSpPr/>
+          <p:nvPr/>
+        </p:nvSpPr>
+        <p:spPr>
+          <a:xfrm>
+            <a:off x="10407883" y="4276191"/>
+            <a:ext cx="1430595" cy="659200"/>
+          </a:xfrm>
+          <a:prstGeom prst="rect">
+            <a:avLst/>
+          </a:prstGeom>
+          <a:noFill/>
+          <a:ln>
+            <a:solidFill>
+              <a:schemeClr val="tx1"/>
+            </a:solidFill>
+          </a:ln>
+        </p:spPr>
+        <p:style>
+          <a:lnRef idx="2">
+            <a:schemeClr val="accent1">
+              <a:shade val="50000"/>
+            </a:schemeClr>
+          </a:lnRef>
+          <a:fillRef idx="1">
+            <a:schemeClr val="accent1"/>
+          </a:fillRef>
+          <a:effectRef idx="0">
+            <a:schemeClr val="accent1"/>
+          </a:effectRef>
+          <a:fontRef idx="minor">
+            <a:schemeClr val="lt1"/>
+          </a:fontRef>
+        </p:style>
+        <p:txBody>
+          <a:bodyPr rtlCol="0" anchor="ctr"/>
+          <a:lstStyle/>
+          <a:p>
+            <a:pPr algn="ctr"/>
+            <a:endParaRPr lang="en-US" sz="1400"/>
+          </a:p>
+        </p:txBody>
+      </p:sp>
+      <p:sp>
+        <p:nvSpPr>
+          <p:cNvPr id="68" name="TextBox 67">
+            <a:extLst>
+              <a:ext uri="{FF2B5EF4-FFF2-40B4-BE49-F238E27FC236}">
+                <a16:creationId xmlns:a16="http://schemas.microsoft.com/office/drawing/2014/main" id="{77F52F5D-CE7E-4B2F-A278-A9619D8EBBE7}"/>
+              </a:ext>
+            </a:extLst>
+          </p:cNvPr>
+          <p:cNvSpPr txBox="1"/>
+          <p:nvPr/>
+        </p:nvSpPr>
+        <p:spPr>
+          <a:xfrm>
+            <a:off x="10529960" y="4461151"/>
+            <a:ext cx="1176348" cy="307777"/>
+          </a:xfrm>
+          <a:prstGeom prst="rect">
+            <a:avLst/>
+          </a:prstGeom>
+          <a:noFill/>
+        </p:spPr>
+        <p:txBody>
+          <a:bodyPr wrap="none" rtlCol="0">
+            <a:spAutoFit/>
+          </a:bodyPr>
+          <a:lstStyle/>
+          <a:p>
+            <a:r>
+              <a:rPr lang="en-US" sz="1400" dirty="0" err="1"/>
+              <a:t>findWeighted</a:t>
+            </a:r>
+            <a:endParaRPr lang="en-US" sz="1400" dirty="0"/>
+          </a:p>
+        </p:txBody>
+      </p:sp>
+      <p:sp>
+        <p:nvSpPr>
+          <p:cNvPr id="6" name="Rectangle 5">
+            <a:extLst>
+              <a:ext uri="{FF2B5EF4-FFF2-40B4-BE49-F238E27FC236}">
+                <a16:creationId xmlns:a16="http://schemas.microsoft.com/office/drawing/2014/main" id="{86657F2A-EAE4-4B45-A9A5-37D629E9725D}"/>
+              </a:ext>
+            </a:extLst>
+          </p:cNvPr>
+          <p:cNvSpPr/>
+          <p:nvPr/>
+        </p:nvSpPr>
+        <p:spPr>
+          <a:xfrm>
+            <a:off x="8205145" y="4324471"/>
+            <a:ext cx="2279470" cy="307777"/>
+          </a:xfrm>
+          <a:prstGeom prst="rect">
+            <a:avLst/>
+          </a:prstGeom>
+        </p:spPr>
+        <p:txBody>
+          <a:bodyPr wrap="none">
+            <a:spAutoFit/>
+          </a:bodyPr>
+          <a:lstStyle/>
+          <a:p>
+            <a:r>
+              <a:rPr lang="en-US" sz="1400" dirty="0" err="1"/>
+              <a:t>noPromoteItemObj</a:t>
+            </a:r>
+            <a:r>
+              <a:rPr lang="en-US" sz="1400" dirty="0"/>
+              <a:t>: Object[]</a:t>
+            </a:r>
+          </a:p>
+        </p:txBody>
+      </p:sp>
+      <p:sp>
+        <p:nvSpPr>
+          <p:cNvPr id="71" name="Rectangle 70">
+            <a:extLst>
+              <a:ext uri="{FF2B5EF4-FFF2-40B4-BE49-F238E27FC236}">
+                <a16:creationId xmlns:a16="http://schemas.microsoft.com/office/drawing/2014/main" id="{795179B8-BBF5-4FB6-821D-5A6506B3AFDA}"/>
+              </a:ext>
+            </a:extLst>
+          </p:cNvPr>
+          <p:cNvSpPr/>
+          <p:nvPr/>
+        </p:nvSpPr>
+        <p:spPr>
+          <a:xfrm>
+            <a:off x="8084317" y="4875228"/>
+            <a:ext cx="3780443" cy="307777"/>
+          </a:xfrm>
+          <a:prstGeom prst="rect">
+            <a:avLst/>
+          </a:prstGeom>
+        </p:spPr>
+        <p:txBody>
+          <a:bodyPr wrap="square">
+            <a:spAutoFit/>
+          </a:bodyPr>
+          <a:lstStyle/>
+          <a:p>
+            <a:r>
+              <a:rPr lang="en-US" sz="1400" dirty="0" err="1"/>
+              <a:t>normalItemObj:Object</a:t>
+            </a:r>
+            <a:r>
+              <a:rPr lang="en-US" sz="1400" dirty="0"/>
+              <a:t>[] , </a:t>
+            </a:r>
+            <a:r>
+              <a:rPr lang="en-US" sz="1400" dirty="0" err="1"/>
+              <a:t>weightedItem</a:t>
+            </a:r>
+            <a:r>
+              <a:rPr lang="en-US" sz="1400" dirty="0"/>
+              <a:t>: Object[]</a:t>
+            </a:r>
+          </a:p>
+        </p:txBody>
+      </p:sp>
+      <p:sp>
+        <p:nvSpPr>
+          <p:cNvPr id="11" name="Rectangle 10">
+            <a:extLst>
+              <a:ext uri="{FF2B5EF4-FFF2-40B4-BE49-F238E27FC236}">
+                <a16:creationId xmlns:a16="http://schemas.microsoft.com/office/drawing/2014/main" id="{0F56109D-FF88-44EB-ABD6-7361F26CF489}"/>
+              </a:ext>
+            </a:extLst>
+          </p:cNvPr>
+          <p:cNvSpPr/>
+          <p:nvPr/>
+        </p:nvSpPr>
+        <p:spPr>
+          <a:xfrm>
+            <a:off x="8803438" y="5072134"/>
+            <a:ext cx="1200265" cy="307777"/>
+          </a:xfrm>
+          <a:prstGeom prst="rect">
+            <a:avLst/>
+          </a:prstGeom>
+        </p:spPr>
+        <p:txBody>
+          <a:bodyPr wrap="none">
+            <a:spAutoFit/>
+          </a:bodyPr>
+          <a:lstStyle/>
+          <a:p>
+            <a:r>
+              <a:rPr lang="en-US" sz="1400" dirty="0" err="1"/>
+              <a:t>weightedItem</a:t>
+            </a:r>
+            <a:endParaRPr lang="en-US" sz="1400" dirty="0"/>
+          </a:p>
+        </p:txBody>
+      </p:sp>
+      <p:sp>
+        <p:nvSpPr>
+          <p:cNvPr id="72" name="Rectangle 71">
+            <a:extLst>
+              <a:ext uri="{FF2B5EF4-FFF2-40B4-BE49-F238E27FC236}">
+                <a16:creationId xmlns:a16="http://schemas.microsoft.com/office/drawing/2014/main" id="{3E27AFA3-365B-4542-AD35-23213B864E71}"/>
+              </a:ext>
+            </a:extLst>
+          </p:cNvPr>
+          <p:cNvSpPr/>
+          <p:nvPr/>
+        </p:nvSpPr>
+        <p:spPr>
+          <a:xfrm>
+            <a:off x="8357665" y="5654350"/>
+            <a:ext cx="2141227" cy="307777"/>
+          </a:xfrm>
+          <a:prstGeom prst="rect">
+            <a:avLst/>
+          </a:prstGeom>
+        </p:spPr>
+        <p:txBody>
+          <a:bodyPr wrap="none">
+            <a:spAutoFit/>
+          </a:bodyPr>
+          <a:lstStyle/>
+          <a:p>
+            <a:r>
+              <a:rPr lang="en-US" sz="1400" dirty="0" err="1"/>
+              <a:t>weightedItemString</a:t>
+            </a:r>
+            <a:r>
+              <a:rPr lang="en-US" sz="1400" dirty="0"/>
+              <a:t>: String</a:t>
+            </a:r>
+          </a:p>
+        </p:txBody>
+      </p:sp>
+      <p:sp>
+        <p:nvSpPr>
+          <p:cNvPr id="14" name="Rectangle 13">
+            <a:extLst>
+              <a:ext uri="{FF2B5EF4-FFF2-40B4-BE49-F238E27FC236}">
+                <a16:creationId xmlns:a16="http://schemas.microsoft.com/office/drawing/2014/main" id="{4EE78D17-6E53-4723-8664-375EDED2C619}"/>
+              </a:ext>
+            </a:extLst>
+          </p:cNvPr>
+          <p:cNvSpPr/>
+          <p:nvPr/>
+        </p:nvSpPr>
+        <p:spPr>
+          <a:xfrm>
+            <a:off x="8803438" y="5907300"/>
+            <a:ext cx="1300036" cy="307777"/>
+          </a:xfrm>
+          <a:prstGeom prst="rect">
+            <a:avLst/>
+          </a:prstGeom>
+        </p:spPr>
+        <p:txBody>
+          <a:bodyPr wrap="none">
+            <a:spAutoFit/>
+          </a:bodyPr>
+          <a:lstStyle/>
+          <a:p>
+            <a:r>
+              <a:rPr lang="en-US" sz="1400" dirty="0" err="1"/>
+              <a:t>normalItemObj</a:t>
+            </a:r>
+            <a:endParaRPr lang="en-US" sz="1400" dirty="0"/>
+          </a:p>
+        </p:txBody>
+      </p:sp>
+      <p:sp>
+        <p:nvSpPr>
+          <p:cNvPr id="73" name="TextBox 72">
+            <a:extLst>
+              <a:ext uri="{FF2B5EF4-FFF2-40B4-BE49-F238E27FC236}">
+                <a16:creationId xmlns:a16="http://schemas.microsoft.com/office/drawing/2014/main" id="{E66C2DFB-897F-4D7C-B512-4825A7029ED6}"/>
+              </a:ext>
+            </a:extLst>
+          </p:cNvPr>
+          <p:cNvSpPr txBox="1"/>
+          <p:nvPr/>
+        </p:nvSpPr>
+        <p:spPr>
+          <a:xfrm>
+            <a:off x="3101960" y="3208071"/>
+            <a:ext cx="1083182" cy="307777"/>
+          </a:xfrm>
+          <a:prstGeom prst="rect">
+            <a:avLst/>
+          </a:prstGeom>
+          <a:noFill/>
+        </p:spPr>
+        <p:txBody>
+          <a:bodyPr wrap="none" rtlCol="0">
+            <a:spAutoFit/>
+          </a:bodyPr>
+          <a:lstStyle/>
+          <a:p>
+            <a:r>
+              <a:rPr lang="en-US" sz="1400" dirty="0" err="1"/>
               <a:t>printReceipt</a:t>
             </a:r>
-            <a:endParaRPr lang="en-US" dirty="0"/>
+            <a:endParaRPr lang="en-US" sz="1400" dirty="0"/>
           </a:p>
         </p:txBody>
       </p:sp>

--- a/Presentation1.pptx
+++ b/Presentation1.pptx
@@ -6,6 +6,7 @@
   </p:sldMasterIdLst>
   <p:sldIdLst>
     <p:sldId id="256" r:id="rId2"/>
+    <p:sldId id="257" r:id="rId3"/>
   </p:sldIdLst>
   <p:sldSz cx="12192000" cy="6858000"/>
   <p:notesSz cx="6858000" cy="9144000"/>
@@ -3340,8 +3341,8 @@
         </p:nvSpPr>
         <p:spPr>
           <a:xfrm>
-            <a:off x="2745120" y="147484"/>
-            <a:ext cx="1937577" cy="6563032"/>
+            <a:off x="1966445" y="93871"/>
+            <a:ext cx="1787546" cy="6563032"/>
           </a:xfrm>
           <a:prstGeom prst="rect">
             <a:avLst/>
@@ -3392,7 +3393,7 @@
         </p:nvSpPr>
         <p:spPr>
           <a:xfrm>
-            <a:off x="561398" y="973393"/>
+            <a:off x="114938" y="947654"/>
             <a:ext cx="1784555" cy="383458"/>
           </a:xfrm>
           <a:prstGeom prst="rightArrow">
@@ -3444,7 +3445,7 @@
         </p:nvSpPr>
         <p:spPr>
           <a:xfrm rot="10800000">
-            <a:off x="561397" y="5058697"/>
+            <a:off x="47676" y="5051621"/>
             <a:ext cx="1784555" cy="383458"/>
           </a:xfrm>
           <a:prstGeom prst="rightArrow">
@@ -3496,7 +3497,7 @@
         </p:nvSpPr>
         <p:spPr>
           <a:xfrm>
-            <a:off x="7156349" y="208332"/>
+            <a:off x="6784197" y="182230"/>
             <a:ext cx="2482646" cy="1651819"/>
           </a:xfrm>
           <a:prstGeom prst="rect">
@@ -3548,7 +3549,7 @@
         </p:nvSpPr>
         <p:spPr>
           <a:xfrm>
-            <a:off x="6794007" y="2347039"/>
+            <a:off x="6216855" y="2371162"/>
             <a:ext cx="1430595" cy="1651819"/>
           </a:xfrm>
           <a:prstGeom prst="rect">
@@ -3600,7 +3601,7 @@
         </p:nvSpPr>
         <p:spPr>
           <a:xfrm>
-            <a:off x="4752902" y="817480"/>
+            <a:off x="4102994" y="837238"/>
             <a:ext cx="1784555" cy="383458"/>
           </a:xfrm>
           <a:prstGeom prst="rightArrow">
@@ -3652,7 +3653,7 @@
         </p:nvSpPr>
         <p:spPr>
           <a:xfrm rot="10800000">
-            <a:off x="4752902" y="1225970"/>
+            <a:off x="4102994" y="1245728"/>
             <a:ext cx="1784555" cy="383458"/>
           </a:xfrm>
           <a:prstGeom prst="rightArrow">
@@ -3713,7 +3714,7 @@
           <a:noFill/>
         </p:spPr>
         <p:txBody>
-          <a:bodyPr wrap="none" rtlCol="0">
+          <a:bodyPr wrap="square" rtlCol="0">
             <a:spAutoFit/>
           </a:bodyPr>
           <a:lstStyle/>
@@ -3763,7 +3764,7 @@
         </p:nvSpPr>
         <p:spPr>
           <a:xfrm>
-            <a:off x="702123" y="4728415"/>
+            <a:off x="188402" y="4721339"/>
             <a:ext cx="1210652" cy="307777"/>
           </a:xfrm>
           <a:prstGeom prst="rect">
@@ -3772,7 +3773,7 @@
           <a:noFill/>
         </p:spPr>
         <p:txBody>
-          <a:bodyPr wrap="none" rtlCol="0">
+          <a:bodyPr wrap="square" rtlCol="0">
             <a:spAutoFit/>
           </a:bodyPr>
           <a:lstStyle/>
@@ -3798,7 +3799,7 @@
         </p:nvSpPr>
         <p:spPr>
           <a:xfrm>
-            <a:off x="7425507" y="831606"/>
+            <a:off x="7279172" y="814934"/>
             <a:ext cx="1617430" cy="307777"/>
           </a:xfrm>
           <a:prstGeom prst="rect">
@@ -3834,7 +3835,7 @@
         </p:nvSpPr>
         <p:spPr>
           <a:xfrm>
-            <a:off x="4904574" y="-3518"/>
+            <a:off x="4285832" y="182230"/>
             <a:ext cx="1348767" cy="738664"/>
           </a:xfrm>
           <a:prstGeom prst="rect">
@@ -3843,7 +3844,7 @@
           <a:noFill/>
         </p:spPr>
         <p:txBody>
-          <a:bodyPr wrap="none" rtlCol="0">
+          <a:bodyPr wrap="square" rtlCol="0">
             <a:spAutoFit/>
           </a:bodyPr>
           <a:lstStyle/>
@@ -3884,8 +3885,8 @@
         </p:nvSpPr>
         <p:spPr>
           <a:xfrm>
-            <a:off x="4682697" y="1544712"/>
-            <a:ext cx="2563907" cy="523220"/>
+            <a:off x="4272149" y="1559921"/>
+            <a:ext cx="1797672" cy="307777"/>
           </a:xfrm>
           <a:prstGeom prst="rect">
             <a:avLst/>
@@ -3893,28 +3894,18 @@
           <a:noFill/>
         </p:spPr>
         <p:txBody>
-          <a:bodyPr wrap="none" rtlCol="0">
+          <a:bodyPr wrap="square" rtlCol="0">
             <a:spAutoFit/>
           </a:bodyPr>
           <a:lstStyle/>
           <a:p>
             <a:r>
               <a:rPr lang="en-US" sz="1400" dirty="0" err="1"/>
-              <a:t>promoteItemBarcode</a:t>
+              <a:t>ItemBarcode</a:t>
             </a:r>
             <a:r>
               <a:rPr lang="en-US" sz="1400" dirty="0"/>
-              <a:t>: String[]</a:t>
-            </a:r>
-          </a:p>
-          <a:p>
-            <a:r>
-              <a:rPr lang="en-US" sz="1400" dirty="0" err="1"/>
-              <a:t>noPromoteItemBarcode</a:t>
-            </a:r>
-            <a:r>
-              <a:rPr lang="en-US" sz="1400" dirty="0"/>
-              <a:t>: String[]</a:t>
+              <a:t>: Object[]</a:t>
             </a:r>
           </a:p>
         </p:txBody>
@@ -3933,7 +3924,7 @@
         </p:nvSpPr>
         <p:spPr>
           <a:xfrm>
-            <a:off x="4807137" y="2799581"/>
+            <a:off x="4116440" y="2791408"/>
             <a:ext cx="1784555" cy="383458"/>
           </a:xfrm>
           <a:prstGeom prst="rightArrow">
@@ -3985,7 +3976,7 @@
         </p:nvSpPr>
         <p:spPr>
           <a:xfrm rot="10800000">
-            <a:off x="4807137" y="3208071"/>
+            <a:off x="4116440" y="3199898"/>
             <a:ext cx="1784555" cy="383458"/>
           </a:xfrm>
           <a:prstGeom prst="rightArrow">
@@ -4037,8 +4028,8 @@
         </p:nvSpPr>
         <p:spPr>
           <a:xfrm>
-            <a:off x="5067296" y="2311942"/>
-            <a:ext cx="1752788" cy="523220"/>
+            <a:off x="4174896" y="2296848"/>
+            <a:ext cx="1158074" cy="523220"/>
           </a:xfrm>
           <a:prstGeom prst="rect">
             <a:avLst/>
@@ -4046,16 +4037,19 @@
           <a:noFill/>
         </p:spPr>
         <p:txBody>
-          <a:bodyPr wrap="none" rtlCol="0">
+          <a:bodyPr wrap="square" rtlCol="0">
             <a:spAutoFit/>
           </a:bodyPr>
           <a:lstStyle/>
           <a:p>
             <a:r>
               <a:rPr lang="en-US" sz="1400" dirty="0" err="1"/>
-              <a:t>promoteItemBarcode</a:t>
-            </a:r>
-            <a:endParaRPr lang="en-US" sz="1400" dirty="0"/>
+              <a:t>ItemBarcode</a:t>
+            </a:r>
+            <a:r>
+              <a:rPr lang="en-US" sz="1400" dirty="0"/>
+              <a:t> </a:t>
+            </a:r>
           </a:p>
           <a:p>
             <a:r>
@@ -4080,7 +4074,7 @@
         </p:nvSpPr>
         <p:spPr>
           <a:xfrm>
-            <a:off x="8329074" y="2572730"/>
+            <a:off x="8315555" y="2579253"/>
             <a:ext cx="1049590" cy="383458"/>
           </a:xfrm>
           <a:prstGeom prst="rightArrow">
@@ -4132,7 +4126,7 @@
         </p:nvSpPr>
         <p:spPr>
           <a:xfrm rot="10800000">
-            <a:off x="8310363" y="3486566"/>
+            <a:off x="8241284" y="3174836"/>
             <a:ext cx="1049590" cy="383458"/>
           </a:xfrm>
           <a:prstGeom prst="rightArrow">
@@ -4184,7 +4178,7 @@
         </p:nvSpPr>
         <p:spPr>
           <a:xfrm>
-            <a:off x="9432041" y="2323703"/>
+            <a:off x="9885676" y="2324853"/>
             <a:ext cx="1430595" cy="1651819"/>
           </a:xfrm>
           <a:prstGeom prst="rect">
@@ -4236,8 +4230,8 @@
         </p:nvSpPr>
         <p:spPr>
           <a:xfrm>
-            <a:off x="8041916" y="1973241"/>
-            <a:ext cx="1875513" cy="307777"/>
+            <a:off x="7846014" y="2097576"/>
+            <a:ext cx="2131994" cy="307777"/>
           </a:xfrm>
           <a:prstGeom prst="rect">
             <a:avLst/>
@@ -4252,7 +4246,7 @@
           <a:p>
             <a:r>
               <a:rPr lang="en-US" sz="1400" dirty="0" err="1"/>
-              <a:t>promoteItem</a:t>
+              <a:t>promoteItemObj</a:t>
             </a:r>
             <a:r>
               <a:rPr lang="en-US" sz="1400" dirty="0"/>
@@ -4263,10 +4257,10 @@
       </p:sp>
       <p:sp>
         <p:nvSpPr>
-          <p:cNvPr id="30" name="TextBox 29">
-            <a:extLst>
-              <a:ext uri="{FF2B5EF4-FFF2-40B4-BE49-F238E27FC236}">
-                <a16:creationId xmlns:a16="http://schemas.microsoft.com/office/drawing/2014/main" id="{72CECF7A-9364-417A-96A9-4179A72421FC}"/>
+          <p:cNvPr id="31" name="TextBox 30">
+            <a:extLst>
+              <a:ext uri="{FF2B5EF4-FFF2-40B4-BE49-F238E27FC236}">
+                <a16:creationId xmlns:a16="http://schemas.microsoft.com/office/drawing/2014/main" id="{3CAF8D18-DD40-4C5C-9BE1-29F0FB54B4F0}"/>
               </a:ext>
             </a:extLst>
           </p:cNvPr>
@@ -4275,8 +4269,8 @@
         </p:nvSpPr>
         <p:spPr>
           <a:xfrm>
-            <a:off x="4854097" y="3584626"/>
-            <a:ext cx="1582164" cy="523220"/>
+            <a:off x="7768806" y="3459552"/>
+            <a:ext cx="2116541" cy="307777"/>
           </a:xfrm>
           <a:prstGeom prst="rect">
             <a:avLst/>
@@ -4291,66 +4285,13 @@
           <a:p>
             <a:r>
               <a:rPr lang="en-US" sz="1400" dirty="0" err="1"/>
-              <a:t>promoteItemString</a:t>
-            </a:r>
-            <a:endParaRPr lang="en-US" sz="1400" dirty="0"/>
-          </a:p>
-          <a:p>
-            <a:r>
-              <a:rPr lang="en-US" sz="1400" dirty="0" err="1"/>
-              <a:t>savingString</a:t>
-            </a:r>
-            <a:endParaRPr lang="en-US" sz="1400" dirty="0"/>
-          </a:p>
-        </p:txBody>
-      </p:sp>
-      <p:sp>
-        <p:nvSpPr>
-          <p:cNvPr id="31" name="TextBox 30">
-            <a:extLst>
-              <a:ext uri="{FF2B5EF4-FFF2-40B4-BE49-F238E27FC236}">
-                <a16:creationId xmlns:a16="http://schemas.microsoft.com/office/drawing/2014/main" id="{3CAF8D18-DD40-4C5C-9BE1-29F0FB54B4F0}"/>
-              </a:ext>
-            </a:extLst>
-          </p:cNvPr>
-          <p:cNvSpPr txBox="1"/>
-          <p:nvPr/>
-        </p:nvSpPr>
-        <p:spPr>
-          <a:xfrm>
-            <a:off x="7869294" y="3911974"/>
-            <a:ext cx="2205732" cy="523220"/>
-          </a:xfrm>
-          <a:prstGeom prst="rect">
-            <a:avLst/>
-          </a:prstGeom>
-          <a:noFill/>
-        </p:spPr>
-        <p:txBody>
-          <a:bodyPr wrap="none" rtlCol="0">
-            <a:spAutoFit/>
-          </a:bodyPr>
-          <a:lstStyle/>
-          <a:p>
-            <a:r>
-              <a:rPr lang="en-US" sz="1400" dirty="0" err="1"/>
-              <a:t>promoteItemString</a:t>
+              <a:t>promoteSavingStr</a:t>
             </a:r>
             <a:r>
               <a:rPr lang="en-US" sz="1400" dirty="0"/>
               <a:t>: String[]</a:t>
             </a:r>
           </a:p>
-          <a:p>
-            <a:r>
-              <a:rPr lang="en-US" sz="1400" dirty="0" err="1"/>
-              <a:t>savingString</a:t>
-            </a:r>
-            <a:r>
-              <a:rPr lang="en-US" sz="1400" dirty="0"/>
-              <a:t>: String</a:t>
-            </a:r>
-          </a:p>
         </p:txBody>
       </p:sp>
       <p:sp>
@@ -4367,7 +4308,7 @@
         </p:nvSpPr>
         <p:spPr>
           <a:xfrm>
-            <a:off x="6686067" y="4537246"/>
+            <a:off x="6216737" y="4522317"/>
             <a:ext cx="1430595" cy="1985648"/>
           </a:xfrm>
           <a:prstGeom prst="rect">
@@ -4419,7 +4360,7 @@
         </p:nvSpPr>
         <p:spPr>
           <a:xfrm>
-            <a:off x="4782994" y="5096765"/>
+            <a:off x="4196368" y="5098076"/>
             <a:ext cx="1784555" cy="383458"/>
           </a:xfrm>
           <a:prstGeom prst="rightArrow">
@@ -4471,7 +4412,7 @@
         </p:nvSpPr>
         <p:spPr>
           <a:xfrm rot="10800000">
-            <a:off x="4782994" y="5505255"/>
+            <a:off x="4196368" y="5506566"/>
             <a:ext cx="1784555" cy="383458"/>
           </a:xfrm>
           <a:prstGeom prst="rightArrow">
@@ -4523,8 +4464,8 @@
         </p:nvSpPr>
         <p:spPr>
           <a:xfrm>
-            <a:off x="4782993" y="4547315"/>
-            <a:ext cx="1940339" cy="523220"/>
+            <a:off x="4419375" y="4547761"/>
+            <a:ext cx="1158074" cy="523220"/>
           </a:xfrm>
           <a:prstGeom prst="rect">
             <a:avLst/>
@@ -4532,16 +4473,19 @@
           <a:noFill/>
         </p:spPr>
         <p:txBody>
-          <a:bodyPr wrap="none" rtlCol="0">
+          <a:bodyPr wrap="square" rtlCol="0">
             <a:spAutoFit/>
           </a:bodyPr>
           <a:lstStyle/>
           <a:p>
             <a:r>
               <a:rPr lang="en-US" sz="1400" dirty="0" err="1"/>
-              <a:t>noPromoteItemBarcode</a:t>
-            </a:r>
-            <a:endParaRPr lang="en-US" sz="1400" dirty="0"/>
+              <a:t>ItemBarcode</a:t>
+            </a:r>
+            <a:r>
+              <a:rPr lang="en-US" sz="1400" dirty="0"/>
+              <a:t> </a:t>
+            </a:r>
           </a:p>
           <a:p>
             <a:r>
@@ -4566,7 +4510,7 @@
         </p:nvSpPr>
         <p:spPr>
           <a:xfrm>
-            <a:off x="9214427" y="5341409"/>
+            <a:off x="8667293" y="5325333"/>
             <a:ext cx="578917" cy="157767"/>
           </a:xfrm>
           <a:prstGeom prst="rightArrow">
@@ -4618,7 +4562,7 @@
         </p:nvSpPr>
         <p:spPr>
           <a:xfrm rot="10800000">
-            <a:off x="9214427" y="5575955"/>
+            <a:off x="8667293" y="5559879"/>
             <a:ext cx="578918" cy="157767"/>
           </a:xfrm>
           <a:prstGeom prst="rightArrow">
@@ -4670,7 +4614,7 @@
         </p:nvSpPr>
         <p:spPr>
           <a:xfrm>
-            <a:off x="10434165" y="6089819"/>
+            <a:off x="9877311" y="6134557"/>
             <a:ext cx="1430595" cy="649935"/>
           </a:xfrm>
           <a:prstGeom prst="rect">
@@ -4722,8 +4666,8 @@
         </p:nvSpPr>
         <p:spPr>
           <a:xfrm>
-            <a:off x="4940294" y="5886631"/>
-            <a:ext cx="1626664" cy="523220"/>
+            <a:off x="3675197" y="5955021"/>
+            <a:ext cx="2508444" cy="307777"/>
           </a:xfrm>
           <a:prstGeom prst="rect">
             <a:avLst/>
@@ -4731,23 +4675,19 @@
           <a:noFill/>
         </p:spPr>
         <p:txBody>
-          <a:bodyPr wrap="none" rtlCol="0">
+          <a:bodyPr wrap="square" rtlCol="0">
             <a:spAutoFit/>
           </a:bodyPr>
           <a:lstStyle/>
           <a:p>
             <a:r>
               <a:rPr lang="en-US" sz="1400" dirty="0" err="1"/>
-              <a:t>normalItemString</a:t>
-            </a:r>
-            <a:endParaRPr lang="en-US" sz="1400" dirty="0"/>
-          </a:p>
-          <a:p>
-            <a:r>
-              <a:rPr lang="en-US" sz="1400" dirty="0" err="1"/>
-              <a:t>weightedItemString</a:t>
-            </a:r>
-            <a:endParaRPr lang="en-US" sz="1400" dirty="0"/>
+              <a:t>normalIWeightedString</a:t>
+            </a:r>
+            <a:r>
+              <a:rPr lang="en-US" sz="1400" dirty="0"/>
+              <a:t>: String[]</a:t>
+            </a:r>
           </a:p>
         </p:txBody>
       </p:sp>
@@ -4765,7 +4705,7 @@
         </p:nvSpPr>
         <p:spPr>
           <a:xfrm>
-            <a:off x="8371465" y="6483078"/>
+            <a:off x="7814611" y="6527816"/>
             <a:ext cx="2093522" cy="307777"/>
           </a:xfrm>
           <a:prstGeom prst="rect">
@@ -4804,7 +4744,7 @@
         </p:nvSpPr>
         <p:spPr>
           <a:xfrm>
-            <a:off x="6812998" y="2991183"/>
+            <a:off x="6196465" y="3004390"/>
             <a:ext cx="1784554" cy="307777"/>
           </a:xfrm>
           <a:prstGeom prst="rect">
@@ -4820,7 +4760,7 @@
           <a:p>
             <a:r>
               <a:rPr lang="en-US" sz="1400" dirty="0" err="1"/>
-              <a:t>getPromoteObj</a:t>
+              <a:t>createPromoteObj</a:t>
             </a:r>
             <a:endParaRPr lang="en-US" sz="1400" dirty="0"/>
           </a:p>
@@ -4840,7 +4780,7 @@
         </p:nvSpPr>
         <p:spPr>
           <a:xfrm>
-            <a:off x="9547616" y="2991465"/>
+            <a:off x="9974538" y="3029150"/>
             <a:ext cx="1784554" cy="307777"/>
           </a:xfrm>
           <a:prstGeom prst="rect">
@@ -4876,7 +4816,7 @@
         </p:nvSpPr>
         <p:spPr>
           <a:xfrm>
-            <a:off x="10557106" y="6215077"/>
+            <a:off x="10000252" y="6259815"/>
             <a:ext cx="1236329" cy="307777"/>
           </a:xfrm>
           <a:prstGeom prst="rect">
@@ -4912,7 +4852,7 @@
         </p:nvSpPr>
         <p:spPr>
           <a:xfrm>
-            <a:off x="10407883" y="5199209"/>
+            <a:off x="9860749" y="5183133"/>
             <a:ext cx="1430595" cy="659200"/>
           </a:xfrm>
           <a:prstGeom prst="rect">
@@ -4964,7 +4904,7 @@
         </p:nvSpPr>
         <p:spPr>
           <a:xfrm>
-            <a:off x="6889921" y="5269794"/>
+            <a:off x="6216737" y="5326508"/>
             <a:ext cx="1784554" cy="307777"/>
           </a:xfrm>
           <a:prstGeom prst="rect">
@@ -4980,7 +4920,7 @@
           <a:p>
             <a:r>
               <a:rPr lang="en-US" sz="1400" dirty="0" err="1"/>
-              <a:t>getNormalObj</a:t>
+              <a:t>createNormalObj</a:t>
             </a:r>
             <a:endParaRPr lang="en-US" sz="1400" dirty="0"/>
           </a:p>
@@ -5000,7 +4940,7 @@
         </p:nvSpPr>
         <p:spPr>
           <a:xfrm>
-            <a:off x="9220185" y="6151734"/>
+            <a:off x="8663331" y="6196472"/>
             <a:ext cx="578917" cy="157767"/>
           </a:xfrm>
           <a:prstGeom prst="rightArrow">
@@ -5052,7 +4992,7 @@
         </p:nvSpPr>
         <p:spPr>
           <a:xfrm rot="10800000">
-            <a:off x="9214425" y="6318202"/>
+            <a:off x="8657571" y="6362940"/>
             <a:ext cx="578918" cy="157767"/>
           </a:xfrm>
           <a:prstGeom prst="rightArrow">
@@ -5104,7 +5044,7 @@
         </p:nvSpPr>
         <p:spPr>
           <a:xfrm>
-            <a:off x="10342826" y="5332560"/>
+            <a:off x="9795692" y="5316484"/>
             <a:ext cx="1550617" cy="307777"/>
           </a:xfrm>
           <a:prstGeom prst="rect">
@@ -5140,7 +5080,7 @@
         </p:nvSpPr>
         <p:spPr>
           <a:xfrm>
-            <a:off x="9214428" y="4618908"/>
+            <a:off x="8692221" y="4512736"/>
             <a:ext cx="578917" cy="157767"/>
           </a:xfrm>
           <a:prstGeom prst="rightArrow">
@@ -5192,7 +5132,7 @@
         </p:nvSpPr>
         <p:spPr>
           <a:xfrm rot="10800000">
-            <a:off x="9214428" y="4788875"/>
+            <a:off x="8692221" y="4682703"/>
             <a:ext cx="578918" cy="157767"/>
           </a:xfrm>
           <a:prstGeom prst="rightArrow">
@@ -5244,7 +5184,7 @@
         </p:nvSpPr>
         <p:spPr>
           <a:xfrm>
-            <a:off x="10407883" y="4276191"/>
+            <a:off x="9885676" y="4170019"/>
             <a:ext cx="1430595" cy="659200"/>
           </a:xfrm>
           <a:prstGeom prst="rect">
@@ -5296,7 +5236,7 @@
         </p:nvSpPr>
         <p:spPr>
           <a:xfrm>
-            <a:off x="10529960" y="4461151"/>
+            <a:off x="10007753" y="4354979"/>
             <a:ext cx="1176348" cy="307777"/>
           </a:xfrm>
           <a:prstGeom prst="rect">
@@ -5332,7 +5272,7 @@
         </p:nvSpPr>
         <p:spPr>
           <a:xfrm>
-            <a:off x="8205145" y="4324471"/>
+            <a:off x="7682938" y="4218299"/>
             <a:ext cx="2279470" cy="307777"/>
           </a:xfrm>
           <a:prstGeom prst="rect">
@@ -5370,7 +5310,7 @@
         </p:nvSpPr>
         <p:spPr>
           <a:xfrm>
-            <a:off x="8084317" y="4875228"/>
+            <a:off x="7562110" y="4769056"/>
             <a:ext cx="3780443" cy="307777"/>
           </a:xfrm>
           <a:prstGeom prst="rect">
@@ -5416,7 +5356,7 @@
         </p:nvSpPr>
         <p:spPr>
           <a:xfrm>
-            <a:off x="8803438" y="5072134"/>
+            <a:off x="8256304" y="5056058"/>
             <a:ext cx="1200265" cy="307777"/>
           </a:xfrm>
           <a:prstGeom prst="rect">
@@ -5451,7 +5391,7 @@
         </p:nvSpPr>
         <p:spPr>
           <a:xfrm>
-            <a:off x="8357665" y="5654350"/>
+            <a:off x="7810531" y="5638274"/>
             <a:ext cx="2141227" cy="307777"/>
           </a:xfrm>
           <a:prstGeom prst="rect">
@@ -5489,7 +5429,7 @@
         </p:nvSpPr>
         <p:spPr>
           <a:xfrm>
-            <a:off x="8803438" y="5907300"/>
+            <a:off x="8246584" y="5952038"/>
             <a:ext cx="1300036" cy="307777"/>
           </a:xfrm>
           <a:prstGeom prst="rect">
@@ -5524,7 +5464,7 @@
         </p:nvSpPr>
         <p:spPr>
           <a:xfrm>
-            <a:off x="3101960" y="3208071"/>
+            <a:off x="2453138" y="3150762"/>
             <a:ext cx="1083182" cy="307777"/>
           </a:xfrm>
           <a:prstGeom prst="rect">
@@ -5533,7 +5473,7 @@
           <a:noFill/>
         </p:spPr>
         <p:txBody>
-          <a:bodyPr wrap="none" rtlCol="0">
+          <a:bodyPr wrap="square" rtlCol="0">
             <a:spAutoFit/>
           </a:bodyPr>
           <a:lstStyle/>
@@ -5543,6 +5483,45 @@
               <a:t>printReceipt</a:t>
             </a:r>
             <a:endParaRPr lang="en-US" sz="1400" dirty="0"/>
+          </a:p>
+        </p:txBody>
+      </p:sp>
+      <p:sp>
+        <p:nvSpPr>
+          <p:cNvPr id="79" name="TextBox 78">
+            <a:extLst>
+              <a:ext uri="{FF2B5EF4-FFF2-40B4-BE49-F238E27FC236}">
+                <a16:creationId xmlns:a16="http://schemas.microsoft.com/office/drawing/2014/main" id="{88B579B2-2C4C-404A-9800-916CC162CEE5}"/>
+              </a:ext>
+            </a:extLst>
+          </p:cNvPr>
+          <p:cNvSpPr txBox="1"/>
+          <p:nvPr/>
+        </p:nvSpPr>
+        <p:spPr>
+          <a:xfrm>
+            <a:off x="3830010" y="3627784"/>
+            <a:ext cx="2116541" cy="307777"/>
+          </a:xfrm>
+          <a:prstGeom prst="rect">
+            <a:avLst/>
+          </a:prstGeom>
+          <a:noFill/>
+        </p:spPr>
+        <p:txBody>
+          <a:bodyPr wrap="square" rtlCol="0">
+            <a:spAutoFit/>
+          </a:bodyPr>
+          <a:lstStyle/>
+          <a:p>
+            <a:r>
+              <a:rPr lang="en-US" sz="1400" dirty="0" err="1"/>
+              <a:t>promoteSavingStr</a:t>
+            </a:r>
+            <a:r>
+              <a:rPr lang="en-US" sz="1400" dirty="0"/>
+              <a:t>: String[]</a:t>
+            </a:r>
           </a:p>
         </p:txBody>
       </p:sp>
@@ -5550,6 +5529,424 @@
     <p:extLst>
       <p:ext uri="{BB962C8B-B14F-4D97-AF65-F5344CB8AC3E}">
         <p14:creationId xmlns:p14="http://schemas.microsoft.com/office/powerpoint/2010/main" val="2892242761"/>
+      </p:ext>
+    </p:extLst>
+  </p:cSld>
+  <p:clrMapOvr>
+    <a:masterClrMapping/>
+  </p:clrMapOvr>
+</p:sld>
+</file>
+
+<file path=ppt/slides/slide2.xml><?xml version="1.0" encoding="utf-8"?>
+<p:sld xmlns:a="http://schemas.openxmlformats.org/drawingml/2006/main" xmlns:r="http://schemas.openxmlformats.org/officeDocument/2006/relationships" xmlns:p="http://schemas.openxmlformats.org/presentationml/2006/main">
+  <p:cSld>
+    <p:spTree>
+      <p:nvGrpSpPr>
+        <p:cNvPr id="1" name=""/>
+        <p:cNvGrpSpPr/>
+        <p:nvPr/>
+      </p:nvGrpSpPr>
+      <p:grpSpPr>
+        <a:xfrm>
+          <a:off x="0" y="0"/>
+          <a:ext cx="0" cy="0"/>
+          <a:chOff x="0" y="0"/>
+          <a:chExt cx="0" cy="0"/>
+        </a:xfrm>
+      </p:grpSpPr>
+      <p:sp>
+        <p:nvSpPr>
+          <p:cNvPr id="4" name="TextBox 3">
+            <a:extLst>
+              <a:ext uri="{FF2B5EF4-FFF2-40B4-BE49-F238E27FC236}">
+                <a16:creationId xmlns:a16="http://schemas.microsoft.com/office/drawing/2014/main" id="{694C6380-1C74-4985-BFB1-9BEA9BBE5D9D}"/>
+              </a:ext>
+            </a:extLst>
+          </p:cNvPr>
+          <p:cNvSpPr txBox="1"/>
+          <p:nvPr/>
+        </p:nvSpPr>
+        <p:spPr>
+          <a:xfrm>
+            <a:off x="666251" y="466138"/>
+            <a:ext cx="1299843" cy="1169551"/>
+          </a:xfrm>
+          <a:prstGeom prst="rect">
+            <a:avLst/>
+          </a:prstGeom>
+          <a:noFill/>
+        </p:spPr>
+        <p:txBody>
+          <a:bodyPr wrap="none" rtlCol="0">
+            <a:spAutoFit/>
+          </a:bodyPr>
+          <a:lstStyle/>
+          <a:p>
+            <a:r>
+              <a:rPr lang="en-US" sz="1400" dirty="0" err="1"/>
+              <a:t>loadAllItems</a:t>
+            </a:r>
+            <a:r>
+              <a:rPr lang="en-US" sz="1400" dirty="0"/>
+              <a:t>: {</a:t>
+            </a:r>
+          </a:p>
+          <a:p>
+            <a:r>
+              <a:rPr lang="en-US" sz="1400" dirty="0" err="1"/>
+              <a:t>barcode:String</a:t>
+            </a:r>
+            <a:r>
+              <a:rPr lang="en-US" sz="1400" dirty="0"/>
+              <a:t>,</a:t>
+            </a:r>
+          </a:p>
+          <a:p>
+            <a:r>
+              <a:rPr lang="en-US" sz="1400" dirty="0"/>
+              <a:t>name: String,</a:t>
+            </a:r>
+          </a:p>
+          <a:p>
+            <a:r>
+              <a:rPr lang="en-US" sz="1400" dirty="0"/>
+              <a:t>unit: String,</a:t>
+            </a:r>
+          </a:p>
+          <a:p>
+            <a:r>
+              <a:rPr lang="en-US" sz="1400" dirty="0"/>
+              <a:t>price: float}	</a:t>
+            </a:r>
+          </a:p>
+        </p:txBody>
+      </p:sp>
+      <p:sp>
+        <p:nvSpPr>
+          <p:cNvPr id="5" name="TextBox 4">
+            <a:extLst>
+              <a:ext uri="{FF2B5EF4-FFF2-40B4-BE49-F238E27FC236}">
+                <a16:creationId xmlns:a16="http://schemas.microsoft.com/office/drawing/2014/main" id="{95CB7985-5C51-4E6D-8A90-E9F80F5D1F53}"/>
+              </a:ext>
+            </a:extLst>
+          </p:cNvPr>
+          <p:cNvSpPr txBox="1"/>
+          <p:nvPr/>
+        </p:nvSpPr>
+        <p:spPr>
+          <a:xfrm>
+            <a:off x="604211" y="1615823"/>
+            <a:ext cx="1493037" cy="738664"/>
+          </a:xfrm>
+          <a:prstGeom prst="rect">
+            <a:avLst/>
+          </a:prstGeom>
+          <a:noFill/>
+        </p:spPr>
+        <p:txBody>
+          <a:bodyPr wrap="none" rtlCol="0">
+            <a:spAutoFit/>
+          </a:bodyPr>
+          <a:lstStyle/>
+          <a:p>
+            <a:r>
+              <a:rPr lang="en-US" sz="1400" dirty="0" err="1"/>
+              <a:t>loadPromotions</a:t>
+            </a:r>
+            <a:r>
+              <a:rPr lang="en-US" sz="1400" dirty="0"/>
+              <a:t>: {</a:t>
+            </a:r>
+          </a:p>
+          <a:p>
+            <a:r>
+              <a:rPr lang="en-US" sz="1400" dirty="0"/>
+              <a:t>type: String,</a:t>
+            </a:r>
+          </a:p>
+          <a:p>
+            <a:r>
+              <a:rPr lang="en-US" sz="1400" dirty="0" err="1"/>
+              <a:t>barcode:String</a:t>
+            </a:r>
+            <a:r>
+              <a:rPr lang="en-US" sz="1400" dirty="0"/>
+              <a:t>[]}</a:t>
+            </a:r>
+          </a:p>
+        </p:txBody>
+      </p:sp>
+      <p:sp>
+        <p:nvSpPr>
+          <p:cNvPr id="6" name="TextBox 5">
+            <a:extLst>
+              <a:ext uri="{FF2B5EF4-FFF2-40B4-BE49-F238E27FC236}">
+                <a16:creationId xmlns:a16="http://schemas.microsoft.com/office/drawing/2014/main" id="{7BD502B4-1718-46A7-A25A-E1363A0289A5}"/>
+              </a:ext>
+            </a:extLst>
+          </p:cNvPr>
+          <p:cNvSpPr txBox="1"/>
+          <p:nvPr/>
+        </p:nvSpPr>
+        <p:spPr>
+          <a:xfrm>
+            <a:off x="539104" y="3220330"/>
+            <a:ext cx="1720023" cy="1600438"/>
+          </a:xfrm>
+          <a:prstGeom prst="rect">
+            <a:avLst/>
+          </a:prstGeom>
+          <a:noFill/>
+        </p:spPr>
+        <p:txBody>
+          <a:bodyPr wrap="none" rtlCol="0">
+            <a:spAutoFit/>
+          </a:bodyPr>
+          <a:lstStyle/>
+          <a:p>
+            <a:r>
+              <a:rPr lang="en-US" sz="1400" dirty="0" err="1"/>
+              <a:t>promoteItemObj</a:t>
+            </a:r>
+            <a:r>
+              <a:rPr lang="en-US" sz="1400" dirty="0"/>
+              <a:t>,</a:t>
+            </a:r>
+          </a:p>
+          <a:p>
+            <a:r>
+              <a:rPr lang="en-US" sz="1400" dirty="0" err="1"/>
+              <a:t>noPromoteItemobj</a:t>
+            </a:r>
+            <a:r>
+              <a:rPr lang="en-US" sz="1400" dirty="0"/>
+              <a:t>: {</a:t>
+            </a:r>
+          </a:p>
+          <a:p>
+            <a:r>
+              <a:rPr lang="en-US" sz="1400" dirty="0" err="1"/>
+              <a:t>barcode:String</a:t>
+            </a:r>
+            <a:r>
+              <a:rPr lang="en-US" sz="1400" dirty="0"/>
+              <a:t>,</a:t>
+            </a:r>
+          </a:p>
+          <a:p>
+            <a:r>
+              <a:rPr lang="en-US" sz="1400" dirty="0"/>
+              <a:t>name: String,</a:t>
+            </a:r>
+          </a:p>
+          <a:p>
+            <a:r>
+              <a:rPr lang="en-US" sz="1400" dirty="0"/>
+              <a:t>unit: String,</a:t>
+            </a:r>
+          </a:p>
+          <a:p>
+            <a:r>
+              <a:rPr lang="en-US" sz="1400" dirty="0"/>
+              <a:t>price: float,</a:t>
+            </a:r>
+          </a:p>
+          <a:p>
+            <a:r>
+              <a:rPr lang="en-US" sz="1400" dirty="0"/>
+              <a:t>number: int}</a:t>
+            </a:r>
+          </a:p>
+        </p:txBody>
+      </p:sp>
+      <p:sp>
+        <p:nvSpPr>
+          <p:cNvPr id="7" name="TextBox 6">
+            <a:extLst>
+              <a:ext uri="{FF2B5EF4-FFF2-40B4-BE49-F238E27FC236}">
+                <a16:creationId xmlns:a16="http://schemas.microsoft.com/office/drawing/2014/main" id="{D21F90CE-BA45-4EE4-8BBE-38743EEB1799}"/>
+              </a:ext>
+            </a:extLst>
+          </p:cNvPr>
+          <p:cNvSpPr txBox="1"/>
+          <p:nvPr/>
+        </p:nvSpPr>
+        <p:spPr>
+          <a:xfrm>
+            <a:off x="512110" y="4739347"/>
+            <a:ext cx="1747017" cy="1815882"/>
+          </a:xfrm>
+          <a:prstGeom prst="rect">
+            <a:avLst/>
+          </a:prstGeom>
+          <a:noFill/>
+        </p:spPr>
+        <p:txBody>
+          <a:bodyPr wrap="none" rtlCol="0">
+            <a:spAutoFit/>
+          </a:bodyPr>
+          <a:lstStyle/>
+          <a:p>
+            <a:r>
+              <a:rPr lang="en-US" sz="1400" dirty="0" err="1"/>
+              <a:t>normalItemObj</a:t>
+            </a:r>
+            <a:r>
+              <a:rPr lang="en-US" sz="1400" dirty="0"/>
+              <a:t>,</a:t>
+            </a:r>
+          </a:p>
+          <a:p>
+            <a:r>
+              <a:rPr lang="en-US" sz="1400" dirty="0" err="1"/>
+              <a:t>weightedItemobj</a:t>
+            </a:r>
+            <a:r>
+              <a:rPr lang="en-US" sz="1400" dirty="0"/>
+              <a:t>: {</a:t>
+            </a:r>
+          </a:p>
+          <a:p>
+            <a:r>
+              <a:rPr lang="en-US" sz="1400" dirty="0" err="1"/>
+              <a:t>barcode:String</a:t>
+            </a:r>
+            <a:r>
+              <a:rPr lang="en-US" sz="1400" dirty="0"/>
+              <a:t>,</a:t>
+            </a:r>
+          </a:p>
+          <a:p>
+            <a:r>
+              <a:rPr lang="en-US" sz="1400" dirty="0"/>
+              <a:t>name: String,</a:t>
+            </a:r>
+          </a:p>
+          <a:p>
+            <a:r>
+              <a:rPr lang="en-US" sz="1400" dirty="0"/>
+              <a:t>unit: String,</a:t>
+            </a:r>
+          </a:p>
+          <a:p>
+            <a:r>
+              <a:rPr lang="en-US" sz="1400" dirty="0"/>
+              <a:t>price: float,</a:t>
+            </a:r>
+          </a:p>
+          <a:p>
+            <a:r>
+              <a:rPr lang="en-US" sz="1400" dirty="0"/>
+              <a:t>number: int</a:t>
+            </a:r>
+          </a:p>
+          <a:p>
+            <a:r>
+              <a:rPr lang="en-US" sz="1400" dirty="0" err="1"/>
+              <a:t>isWeighted</a:t>
+            </a:r>
+            <a:r>
+              <a:rPr lang="en-US" sz="1400" dirty="0"/>
+              <a:t>: Boolean}</a:t>
+            </a:r>
+          </a:p>
+        </p:txBody>
+      </p:sp>
+      <p:sp>
+        <p:nvSpPr>
+          <p:cNvPr id="8" name="TextBox 7">
+            <a:extLst>
+              <a:ext uri="{FF2B5EF4-FFF2-40B4-BE49-F238E27FC236}">
+                <a16:creationId xmlns:a16="http://schemas.microsoft.com/office/drawing/2014/main" id="{2122FA40-2B89-4778-AFB8-31BA6C22DDC0}"/>
+              </a:ext>
+            </a:extLst>
+          </p:cNvPr>
+          <p:cNvSpPr txBox="1"/>
+          <p:nvPr/>
+        </p:nvSpPr>
+        <p:spPr>
+          <a:xfrm>
+            <a:off x="512110" y="0"/>
+            <a:ext cx="1671740" cy="369332"/>
+          </a:xfrm>
+          <a:prstGeom prst="rect">
+            <a:avLst/>
+          </a:prstGeom>
+          <a:noFill/>
+        </p:spPr>
+        <p:txBody>
+          <a:bodyPr wrap="none" rtlCol="0">
+            <a:spAutoFit/>
+          </a:bodyPr>
+          <a:lstStyle/>
+          <a:p>
+            <a:r>
+              <a:rPr lang="en-US" dirty="0"/>
+              <a:t>Object Property</a:t>
+            </a:r>
+          </a:p>
+        </p:txBody>
+      </p:sp>
+      <p:sp>
+        <p:nvSpPr>
+          <p:cNvPr id="9" name="Rectangle 8">
+            <a:extLst>
+              <a:ext uri="{FF2B5EF4-FFF2-40B4-BE49-F238E27FC236}">
+                <a16:creationId xmlns:a16="http://schemas.microsoft.com/office/drawing/2014/main" id="{D5BFBC86-C3C6-4852-81E7-E234C5968B89}"/>
+              </a:ext>
+            </a:extLst>
+          </p:cNvPr>
+          <p:cNvSpPr/>
+          <p:nvPr/>
+        </p:nvSpPr>
+        <p:spPr>
+          <a:xfrm>
+            <a:off x="560813" y="2310355"/>
+            <a:ext cx="1574334" cy="954107"/>
+          </a:xfrm>
+          <a:prstGeom prst="rect">
+            <a:avLst/>
+          </a:prstGeom>
+        </p:spPr>
+        <p:txBody>
+          <a:bodyPr wrap="square">
+            <a:spAutoFit/>
+          </a:bodyPr>
+          <a:lstStyle/>
+          <a:p>
+            <a:r>
+              <a:rPr lang="en-US" sz="1400" dirty="0" err="1"/>
+              <a:t>ItemBarcode</a:t>
+            </a:r>
+            <a:r>
+              <a:rPr lang="en-US" sz="1400" dirty="0"/>
+              <a:t>: {</a:t>
+            </a:r>
+          </a:p>
+          <a:p>
+            <a:r>
+              <a:rPr lang="en-US" sz="1400" dirty="0" err="1"/>
+              <a:t>barcode:String</a:t>
+            </a:r>
+            <a:endParaRPr lang="en-US" sz="1400" dirty="0"/>
+          </a:p>
+          <a:p>
+            <a:r>
+              <a:rPr lang="en-US" sz="1400" dirty="0" err="1"/>
+              <a:t>isPromote</a:t>
+            </a:r>
+            <a:r>
+              <a:rPr lang="en-US" sz="1400" dirty="0"/>
+              <a:t>: Boolean}</a:t>
+            </a:r>
+          </a:p>
+        </p:txBody>
+      </p:sp>
+    </p:spTree>
+    <p:extLst>
+      <p:ext uri="{BB962C8B-B14F-4D97-AF65-F5344CB8AC3E}">
+        <p14:creationId xmlns:p14="http://schemas.microsoft.com/office/powerpoint/2010/main" val="1586279329"/>
       </p:ext>
     </p:extLst>
   </p:cSld>

--- a/Presentation1.pptx
+++ b/Presentation1.pptx
@@ -4666,7 +4666,7 @@
         </p:nvSpPr>
         <p:spPr>
           <a:xfrm>
-            <a:off x="3675197" y="5955021"/>
+            <a:off x="3774707" y="5915057"/>
             <a:ext cx="2508444" cy="307777"/>
           </a:xfrm>
           <a:prstGeom prst="rect">
@@ -4682,7 +4682,7 @@
           <a:p>
             <a:r>
               <a:rPr lang="en-US" sz="1400" dirty="0" err="1"/>
-              <a:t>normalIWeightedString</a:t>
+              <a:t>normalIWeightedStr</a:t>
             </a:r>
             <a:r>
               <a:rPr lang="en-US" sz="1400" dirty="0"/>
@@ -4706,7 +4706,7 @@
         <p:spPr>
           <a:xfrm>
             <a:off x="7814611" y="6527816"/>
-            <a:ext cx="2093522" cy="307777"/>
+            <a:ext cx="1872307" cy="307777"/>
           </a:xfrm>
           <a:prstGeom prst="rect">
             <a:avLst/>
@@ -4721,7 +4721,7 @@
           <a:p>
             <a:r>
               <a:rPr lang="en-US" sz="1400" dirty="0" err="1"/>
-              <a:t>normalItemString</a:t>
+              <a:t>normalItemStr</a:t>
             </a:r>
             <a:r>
               <a:rPr lang="en-US" sz="1400" dirty="0"/>
@@ -5044,8 +5044,8 @@
         </p:nvSpPr>
         <p:spPr>
           <a:xfrm>
-            <a:off x="9795692" y="5316484"/>
-            <a:ext cx="1550617" cy="307777"/>
+            <a:off x="9919073" y="5361252"/>
+            <a:ext cx="1329403" cy="307777"/>
           </a:xfrm>
           <a:prstGeom prst="rect">
             <a:avLst/>
@@ -5060,7 +5060,7 @@
           <a:p>
             <a:r>
               <a:rPr lang="en-US" sz="1400" dirty="0" err="1"/>
-              <a:t>getWeightedString</a:t>
+              <a:t>getWeightedStr</a:t>
             </a:r>
             <a:endParaRPr lang="en-US" sz="1400" dirty="0"/>
           </a:p>
@@ -5325,15 +5325,7 @@
           <a:p>
             <a:r>
               <a:rPr lang="en-US" sz="1400" dirty="0" err="1"/>
-              <a:t>normalItemObj:Object</a:t>
-            </a:r>
-            <a:r>
-              <a:rPr lang="en-US" sz="1400" dirty="0"/>
-              <a:t>[] , </a:t>
-            </a:r>
-            <a:r>
-              <a:rPr lang="en-US" sz="1400" dirty="0" err="1"/>
-              <a:t>weightedItem</a:t>
+              <a:t>normalAndWeightedObj</a:t>
             </a:r>
             <a:r>
               <a:rPr lang="en-US" sz="1400" dirty="0"/>
@@ -5356,8 +5348,8 @@
         </p:nvSpPr>
         <p:spPr>
           <a:xfrm>
-            <a:off x="8256304" y="5056058"/>
-            <a:ext cx="1200265" cy="307777"/>
+            <a:off x="7840961" y="5039804"/>
+            <a:ext cx="1963423" cy="307777"/>
           </a:xfrm>
           <a:prstGeom prst="rect">
             <a:avLst/>
@@ -5371,7 +5363,7 @@
           <a:p>
             <a:r>
               <a:rPr lang="en-US" sz="1400" dirty="0" err="1"/>
-              <a:t>weightedItem</a:t>
+              <a:t>normalAndWeightedObj</a:t>
             </a:r>
             <a:endParaRPr lang="en-US" sz="1400" dirty="0"/>
           </a:p>
@@ -5392,7 +5384,7 @@
         <p:spPr>
           <a:xfrm>
             <a:off x="7810531" y="5638274"/>
-            <a:ext cx="2141227" cy="307777"/>
+            <a:ext cx="1920013" cy="307777"/>
           </a:xfrm>
           <a:prstGeom prst="rect">
             <a:avLst/>
@@ -5406,7 +5398,7 @@
           <a:p>
             <a:r>
               <a:rPr lang="en-US" sz="1400" dirty="0" err="1"/>
-              <a:t>weightedItemString</a:t>
+              <a:t>weightedItemStr</a:t>
             </a:r>
             <a:r>
               <a:rPr lang="en-US" sz="1400" dirty="0"/>
@@ -5429,8 +5421,8 @@
         </p:nvSpPr>
         <p:spPr>
           <a:xfrm>
-            <a:off x="8246584" y="5952038"/>
-            <a:ext cx="1300036" cy="307777"/>
+            <a:off x="7832288" y="5881024"/>
+            <a:ext cx="1963423" cy="307777"/>
           </a:xfrm>
           <a:prstGeom prst="rect">
             <a:avLst/>
@@ -5444,7 +5436,7 @@
           <a:p>
             <a:r>
               <a:rPr lang="en-US" sz="1400" dirty="0" err="1"/>
-              <a:t>normalItemObj</a:t>
+              <a:t>normalAndWeightedObj</a:t>
             </a:r>
             <a:endParaRPr lang="en-US" sz="1400" dirty="0"/>
           </a:p>
@@ -5775,7 +5767,7 @@
         <p:spPr>
           <a:xfrm>
             <a:off x="512110" y="4739347"/>
-            <a:ext cx="1747017" cy="1815882"/>
+            <a:ext cx="2147767" cy="1600438"/>
           </a:xfrm>
           <a:prstGeom prst="rect">
             <a:avLst/>
@@ -5790,21 +5782,11 @@
           <a:p>
             <a:r>
               <a:rPr lang="en-US" sz="1400" dirty="0" err="1"/>
-              <a:t>normalItemObj</a:t>
+              <a:t>normalAndWeightedObj</a:t>
             </a:r>
             <a:r>
               <a:rPr lang="en-US" sz="1400" dirty="0"/>
-              <a:t>,</a:t>
-            </a:r>
-          </a:p>
-          <a:p>
-            <a:r>
-              <a:rPr lang="en-US" sz="1400" dirty="0" err="1"/>
-              <a:t>weightedItemobj</a:t>
-            </a:r>
-            <a:r>
-              <a:rPr lang="en-US" sz="1400" dirty="0"/>
-              <a:t>: {</a:t>
+              <a:t> : {</a:t>
             </a:r>
           </a:p>
           <a:p>

--- a/Presentation1.pptx
+++ b/Presentation1.pptx
@@ -3375,7 +3375,7 @@
           <a:lstStyle/>
           <a:p>
             <a:pPr algn="ctr"/>
-            <a:endParaRPr lang="en-US" sz="1400"/>
+            <a:endParaRPr lang="en-US" sz="1400" dirty="0"/>
           </a:p>
         </p:txBody>
       </p:sp>
@@ -3427,7 +3427,7 @@
           <a:lstStyle/>
           <a:p>
             <a:pPr algn="ctr"/>
-            <a:endParaRPr lang="en-US" sz="1400"/>
+            <a:endParaRPr lang="en-US" sz="1400" dirty="0"/>
           </a:p>
         </p:txBody>
       </p:sp>
@@ -3479,7 +3479,7 @@
           <a:lstStyle/>
           <a:p>
             <a:pPr algn="ctr"/>
-            <a:endParaRPr lang="en-US" sz="1400"/>
+            <a:endParaRPr lang="en-US" sz="1400" dirty="0"/>
           </a:p>
         </p:txBody>
       </p:sp>
@@ -3531,7 +3531,7 @@
           <a:lstStyle/>
           <a:p>
             <a:pPr algn="ctr"/>
-            <a:endParaRPr lang="en-US" sz="1400"/>
+            <a:endParaRPr lang="en-US" sz="1400" dirty="0"/>
           </a:p>
         </p:txBody>
       </p:sp>
@@ -3583,7 +3583,7 @@
           <a:lstStyle/>
           <a:p>
             <a:pPr algn="ctr"/>
-            <a:endParaRPr lang="en-US" sz="1400"/>
+            <a:endParaRPr lang="en-US" sz="1400" dirty="0"/>
           </a:p>
         </p:txBody>
       </p:sp>
@@ -3635,7 +3635,7 @@
           <a:lstStyle/>
           <a:p>
             <a:pPr algn="ctr"/>
-            <a:endParaRPr lang="en-US" sz="1400"/>
+            <a:endParaRPr lang="en-US" sz="1400" dirty="0"/>
           </a:p>
         </p:txBody>
       </p:sp>
@@ -3687,7 +3687,7 @@
           <a:lstStyle/>
           <a:p>
             <a:pPr algn="ctr"/>
-            <a:endParaRPr lang="en-US" sz="1400"/>
+            <a:endParaRPr lang="en-US" sz="1400" dirty="0"/>
           </a:p>
         </p:txBody>
       </p:sp>
@@ -3799,7 +3799,7 @@
         </p:nvSpPr>
         <p:spPr>
           <a:xfrm>
-            <a:off x="7279172" y="814934"/>
+            <a:off x="7288693" y="833102"/>
             <a:ext cx="1617430" cy="307777"/>
           </a:xfrm>
           <a:prstGeom prst="rect">
@@ -3900,13 +3900,10 @@
           <a:lstStyle/>
           <a:p>
             <a:r>
-              <a:rPr lang="en-US" sz="1400" dirty="0" err="1"/>
-              <a:t>ItemBarcode</a:t>
-            </a:r>
-            <a:r>
-              <a:rPr lang="en-US" sz="1400" dirty="0"/>
-              <a:t>: Object[]</a:t>
-            </a:r>
+              <a:rPr lang="en-US" sz="1400"/>
+              <a:t>ItemBarcode: Object[]</a:t>
+            </a:r>
+            <a:endParaRPr lang="en-US" sz="1400" dirty="0"/>
           </a:p>
         </p:txBody>
       </p:sp>
@@ -4231,7 +4228,7 @@
         <p:spPr>
           <a:xfrm>
             <a:off x="7846014" y="2097576"/>
-            <a:ext cx="2131994" cy="307777"/>
+            <a:ext cx="2131994" cy="523220"/>
           </a:xfrm>
           <a:prstGeom prst="rect">
             <a:avLst/>
@@ -4253,6 +4250,13 @@
               <a:t> : Object[]</a:t>
             </a:r>
           </a:p>
+          <a:p>
+            <a:r>
+              <a:rPr lang="en-US" sz="1400" dirty="0" err="1"/>
+              <a:t>inputBarcodes</a:t>
+            </a:r>
+            <a:endParaRPr lang="en-US" sz="1400" dirty="0"/>
+          </a:p>
         </p:txBody>
       </p:sp>
       <p:sp>
@@ -4270,7 +4274,7 @@
         <p:spPr>
           <a:xfrm>
             <a:off x="7768806" y="3459552"/>
-            <a:ext cx="2116541" cy="307777"/>
+            <a:ext cx="2364430" cy="307777"/>
           </a:xfrm>
           <a:prstGeom prst="rect">
             <a:avLst/>
@@ -4285,7 +4289,7 @@
           <a:p>
             <a:r>
               <a:rPr lang="en-US" sz="1400" dirty="0" err="1"/>
-              <a:t>promoteSavingStr</a:t>
+              <a:t>promoteSavingArray</a:t>
             </a:r>
             <a:r>
               <a:rPr lang="en-US" sz="1400" dirty="0"/>
@@ -4682,7 +4686,7 @@
           <a:p>
             <a:r>
               <a:rPr lang="en-US" sz="1400" dirty="0" err="1"/>
-              <a:t>normalIWeightedStr</a:t>
+              <a:t>normalObjArray</a:t>
             </a:r>
             <a:r>
               <a:rPr lang="en-US" sz="1400" dirty="0"/>
@@ -4705,8 +4709,8 @@
         </p:nvSpPr>
         <p:spPr>
           <a:xfrm>
-            <a:off x="7814611" y="6527816"/>
-            <a:ext cx="1872307" cy="307777"/>
+            <a:off x="7691349" y="6528378"/>
+            <a:ext cx="2298001" cy="307777"/>
           </a:xfrm>
           <a:prstGeom prst="rect">
             <a:avLst/>
@@ -4725,7 +4729,7 @@
             </a:r>
             <a:r>
               <a:rPr lang="en-US" sz="1400" dirty="0"/>
-              <a:t>: String[]</a:t>
+              <a:t>: String[], total</a:t>
             </a:r>
           </a:p>
         </p:txBody>
@@ -5272,8 +5276,8 @@
         </p:nvSpPr>
         <p:spPr>
           <a:xfrm>
-            <a:off x="7682938" y="4218299"/>
-            <a:ext cx="2279470" cy="307777"/>
+            <a:off x="7966297" y="4055961"/>
+            <a:ext cx="2033955" cy="523220"/>
           </a:xfrm>
           <a:prstGeom prst="rect">
             <a:avLst/>
@@ -5287,12 +5291,27 @@
           <a:p>
             <a:r>
               <a:rPr lang="en-US" sz="1400" dirty="0" err="1"/>
-              <a:t>noPromoteItemObj</a:t>
+              <a:t>normalObjArray</a:t>
             </a:r>
             <a:r>
               <a:rPr lang="en-US" sz="1400" dirty="0"/>
               <a:t>: Object[]</a:t>
             </a:r>
+          </a:p>
+          <a:p>
+            <a:r>
+              <a:rPr lang="en-US" sz="1400" dirty="0" err="1"/>
+              <a:t>findWeighted</a:t>
+            </a:r>
+            <a:r>
+              <a:rPr lang="en-US" sz="1400" dirty="0"/>
+              <a:t>: </a:t>
+            </a:r>
+            <a:r>
+              <a:rPr lang="en-US" sz="1400" dirty="0" err="1"/>
+              <a:t>boolean</a:t>
+            </a:r>
+            <a:endParaRPr lang="en-US" sz="1400" dirty="0"/>
           </a:p>
         </p:txBody>
       </p:sp>
@@ -5324,8 +5343,20 @@
           <a:lstStyle/>
           <a:p>
             <a:r>
+              <a:rPr lang="en-US" sz="1400" dirty="0"/>
+              <a:t> </a:t>
+            </a:r>
+            <a:r>
               <a:rPr lang="en-US" sz="1400" dirty="0" err="1"/>
-              <a:t>normalAndWeightedObj</a:t>
+              <a:t>WeightedObj</a:t>
+            </a:r>
+            <a:r>
+              <a:rPr lang="en-US" sz="1400" dirty="0"/>
+              <a:t>: Object[], </a:t>
+            </a:r>
+            <a:r>
+              <a:rPr lang="en-US" sz="1400" dirty="0" err="1"/>
+              <a:t>normalObj</a:t>
             </a:r>
             <a:r>
               <a:rPr lang="en-US" sz="1400" dirty="0"/>
@@ -5348,8 +5379,8 @@
         </p:nvSpPr>
         <p:spPr>
           <a:xfrm>
-            <a:off x="7840961" y="5039804"/>
-            <a:ext cx="1963423" cy="307777"/>
+            <a:off x="7553827" y="4957067"/>
+            <a:ext cx="3474093" cy="307777"/>
           </a:xfrm>
           <a:prstGeom prst="rect">
             <a:avLst/>
@@ -5363,7 +5394,31 @@
           <a:p>
             <a:r>
               <a:rPr lang="en-US" sz="1400" dirty="0" err="1"/>
-              <a:t>normalAndWeightedObj</a:t>
+              <a:t>WeightedObj</a:t>
+            </a:r>
+            <a:r>
+              <a:rPr lang="en-US" sz="1400" dirty="0"/>
+              <a:t> </a:t>
+            </a:r>
+            <a:r>
+              <a:rPr lang="en-US" sz="1400" dirty="0" err="1"/>
+              <a:t>getTotal</a:t>
+            </a:r>
+            <a:r>
+              <a:rPr lang="en-US" sz="1400" dirty="0"/>
+              <a:t>: </a:t>
+            </a:r>
+            <a:r>
+              <a:rPr lang="en-US" sz="1400" dirty="0" err="1"/>
+              <a:t>boolean</a:t>
+            </a:r>
+            <a:r>
+              <a:rPr lang="en-US" sz="1400" dirty="0"/>
+              <a:t>, </a:t>
+            </a:r>
+            <a:r>
+              <a:rPr lang="en-US" sz="1400" dirty="0" err="1"/>
+              <a:t>itemBarcode</a:t>
             </a:r>
             <a:endParaRPr lang="en-US" sz="1400" dirty="0"/>
           </a:p>
@@ -5383,8 +5438,8 @@
         </p:nvSpPr>
         <p:spPr>
           <a:xfrm>
-            <a:off x="7810531" y="5638274"/>
-            <a:ext cx="1920013" cy="307777"/>
+            <a:off x="7665998" y="5596100"/>
+            <a:ext cx="2772426" cy="307777"/>
           </a:xfrm>
           <a:prstGeom prst="rect">
             <a:avLst/>
@@ -5402,7 +5457,7 @@
             </a:r>
             <a:r>
               <a:rPr lang="en-US" sz="1400" dirty="0"/>
-              <a:t>: String</a:t>
+              <a:t>: String, total: float</a:t>
             </a:r>
           </a:p>
         </p:txBody>
@@ -5422,7 +5477,7 @@
         <p:spPr>
           <a:xfrm>
             <a:off x="7832288" y="5881024"/>
-            <a:ext cx="1963423" cy="307777"/>
+            <a:ext cx="2650726" cy="307777"/>
           </a:xfrm>
           <a:prstGeom prst="rect">
             <a:avLst/>
@@ -5436,7 +5491,23 @@
           <a:p>
             <a:r>
               <a:rPr lang="en-US" sz="1400" dirty="0" err="1"/>
-              <a:t>normalAndWeightedObj</a:t>
+              <a:t>normalObj</a:t>
+            </a:r>
+            <a:r>
+              <a:rPr lang="en-US" sz="1400" dirty="0"/>
+              <a:t>, </a:t>
+            </a:r>
+            <a:r>
+              <a:rPr lang="en-US" sz="1400" dirty="0" err="1"/>
+              <a:t>getTotal</a:t>
+            </a:r>
+            <a:r>
+              <a:rPr lang="en-US" sz="1400" dirty="0"/>
+              <a:t>, </a:t>
+            </a:r>
+            <a:r>
+              <a:rPr lang="en-US" sz="1400" dirty="0" err="1"/>
+              <a:t>itemBarcode</a:t>
             </a:r>
             <a:endParaRPr lang="en-US" sz="1400" dirty="0"/>
           </a:p>
@@ -5492,8 +5563,8 @@
         </p:nvSpPr>
         <p:spPr>
           <a:xfrm>
-            <a:off x="3830010" y="3627784"/>
-            <a:ext cx="2116541" cy="307777"/>
+            <a:off x="3888205" y="3628818"/>
+            <a:ext cx="2508444" cy="307777"/>
           </a:xfrm>
           <a:prstGeom prst="rect">
             <a:avLst/>
@@ -5508,7 +5579,7 @@
           <a:p>
             <a:r>
               <a:rPr lang="en-US" sz="1400" dirty="0" err="1"/>
-              <a:t>promoteSavingStr</a:t>
+              <a:t>promoteSavingArray</a:t>
             </a:r>
             <a:r>
               <a:rPr lang="en-US" sz="1400" dirty="0"/>
@@ -5561,7 +5632,7 @@
         </p:nvSpPr>
         <p:spPr>
           <a:xfrm>
-            <a:off x="666251" y="466138"/>
+            <a:off x="604211" y="403361"/>
             <a:ext cx="1299843" cy="1169551"/>
           </a:xfrm>
           <a:prstGeom prst="rect">
@@ -5767,7 +5838,7 @@
         <p:spPr>
           <a:xfrm>
             <a:off x="512110" y="4739347"/>
-            <a:ext cx="2147767" cy="1600438"/>
+            <a:ext cx="1299843" cy="1384995"/>
           </a:xfrm>
           <a:prstGeom prst="rect">
             <a:avLst/>
@@ -5782,7 +5853,7 @@
           <a:p>
             <a:r>
               <a:rPr lang="en-US" sz="1400" dirty="0" err="1"/>
-              <a:t>normalAndWeightedObj</a:t>
+              <a:t>normalObj</a:t>
             </a:r>
             <a:r>
               <a:rPr lang="en-US" sz="1400" dirty="0"/>
@@ -5821,16 +5892,6 @@
             <a:r>
               <a:rPr lang="en-US" sz="1400" dirty="0"/>
               <a:t>number: int</a:t>
-            </a:r>
-          </a:p>
-          <a:p>
-            <a:r>
-              <a:rPr lang="en-US" sz="1400" dirty="0" err="1"/>
-              <a:t>isWeighted</a:t>
-            </a:r>
-            <a:r>
-              <a:rPr lang="en-US" sz="1400" dirty="0"/>
-              <a:t>: Boolean}</a:t>
             </a:r>
           </a:p>
         </p:txBody>
@@ -5921,6 +5982,79 @@
             <a:r>
               <a:rPr lang="en-US" sz="1400" dirty="0"/>
               <a:t>: Boolean}</a:t>
+            </a:r>
+          </a:p>
+        </p:txBody>
+      </p:sp>
+      <p:sp>
+        <p:nvSpPr>
+          <p:cNvPr id="11" name="TextBox 10">
+            <a:extLst>
+              <a:ext uri="{FF2B5EF4-FFF2-40B4-BE49-F238E27FC236}">
+                <a16:creationId xmlns:a16="http://schemas.microsoft.com/office/drawing/2014/main" id="{CF0A40E7-67BF-428A-B69A-4CED6BA07AB6}"/>
+              </a:ext>
+            </a:extLst>
+          </p:cNvPr>
+          <p:cNvSpPr txBox="1"/>
+          <p:nvPr/>
+        </p:nvSpPr>
+        <p:spPr>
+          <a:xfrm>
+            <a:off x="2364200" y="353940"/>
+            <a:ext cx="1331839" cy="1384995"/>
+          </a:xfrm>
+          <a:prstGeom prst="rect">
+            <a:avLst/>
+          </a:prstGeom>
+          <a:noFill/>
+        </p:spPr>
+        <p:txBody>
+          <a:bodyPr wrap="none" rtlCol="0">
+            <a:spAutoFit/>
+          </a:bodyPr>
+          <a:lstStyle/>
+          <a:p>
+            <a:r>
+              <a:rPr lang="en-US" sz="1400" dirty="0" err="1"/>
+              <a:t>WeightedObj</a:t>
+            </a:r>
+            <a:r>
+              <a:rPr lang="en-US" sz="1400" dirty="0"/>
+              <a:t> : {</a:t>
+            </a:r>
+          </a:p>
+          <a:p>
+            <a:r>
+              <a:rPr lang="en-US" sz="1400" dirty="0" err="1"/>
+              <a:t>barcode:String</a:t>
+            </a:r>
+            <a:r>
+              <a:rPr lang="en-US" sz="1400" dirty="0"/>
+              <a:t>,</a:t>
+            </a:r>
+          </a:p>
+          <a:p>
+            <a:r>
+              <a:rPr lang="en-US" sz="1400" dirty="0"/>
+              <a:t>name: String,</a:t>
+            </a:r>
+          </a:p>
+          <a:p>
+            <a:r>
+              <a:rPr lang="en-US" sz="1400" dirty="0"/>
+              <a:t>unit: String,</a:t>
+            </a:r>
+          </a:p>
+          <a:p>
+            <a:r>
+              <a:rPr lang="en-US" sz="1400" dirty="0"/>
+              <a:t>price: float,</a:t>
+            </a:r>
+          </a:p>
+          <a:p>
+            <a:r>
+              <a:rPr lang="en-US" sz="1400" dirty="0"/>
+              <a:t>number: int</a:t>
             </a:r>
           </a:p>
         </p:txBody>

--- a/Presentation1.pptx
+++ b/Presentation1.pptx
@@ -7,6 +7,7 @@
   <p:sldIdLst>
     <p:sldId id="256" r:id="rId2"/>
     <p:sldId id="257" r:id="rId3"/>
+    <p:sldId id="258" r:id="rId4"/>
   </p:sldIdLst>
   <p:sldSz cx="12192000" cy="6858000"/>
   <p:notesSz cx="6858000" cy="9144000"/>
@@ -4227,7 +4228,7 @@
         </p:nvSpPr>
         <p:spPr>
           <a:xfrm>
-            <a:off x="7846014" y="2097576"/>
+            <a:off x="7753682" y="2067092"/>
             <a:ext cx="2131994" cy="523220"/>
           </a:xfrm>
           <a:prstGeom prst="rect">
@@ -6063,6 +6064,2218 @@
     <p:extLst>
       <p:ext uri="{BB962C8B-B14F-4D97-AF65-F5344CB8AC3E}">
         <p14:creationId xmlns:p14="http://schemas.microsoft.com/office/powerpoint/2010/main" val="1586279329"/>
+      </p:ext>
+    </p:extLst>
+  </p:cSld>
+  <p:clrMapOvr>
+    <a:masterClrMapping/>
+  </p:clrMapOvr>
+</p:sld>
+</file>
+
+<file path=ppt/slides/slide3.xml><?xml version="1.0" encoding="utf-8"?>
+<p:sld xmlns:a="http://schemas.openxmlformats.org/drawingml/2006/main" xmlns:r="http://schemas.openxmlformats.org/officeDocument/2006/relationships" xmlns:p="http://schemas.openxmlformats.org/presentationml/2006/main">
+  <p:cSld>
+    <p:spTree>
+      <p:nvGrpSpPr>
+        <p:cNvPr id="1" name=""/>
+        <p:cNvGrpSpPr/>
+        <p:nvPr/>
+      </p:nvGrpSpPr>
+      <p:grpSpPr>
+        <a:xfrm>
+          <a:off x="0" y="0"/>
+          <a:ext cx="0" cy="0"/>
+          <a:chOff x="0" y="0"/>
+          <a:chExt cx="0" cy="0"/>
+        </a:xfrm>
+      </p:grpSpPr>
+      <p:sp>
+        <p:nvSpPr>
+          <p:cNvPr id="4" name="Rectangle 3">
+            <a:extLst>
+              <a:ext uri="{FF2B5EF4-FFF2-40B4-BE49-F238E27FC236}">
+                <a16:creationId xmlns:a16="http://schemas.microsoft.com/office/drawing/2014/main" id="{2D0BCCB9-0712-4F2F-9039-5E9E206362E4}"/>
+              </a:ext>
+            </a:extLst>
+          </p:cNvPr>
+          <p:cNvSpPr/>
+          <p:nvPr/>
+        </p:nvSpPr>
+        <p:spPr>
+          <a:xfrm>
+            <a:off x="1966445" y="93871"/>
+            <a:ext cx="1787546" cy="6563032"/>
+          </a:xfrm>
+          <a:prstGeom prst="rect">
+            <a:avLst/>
+          </a:prstGeom>
+          <a:noFill/>
+          <a:ln>
+            <a:solidFill>
+              <a:schemeClr val="tx1"/>
+            </a:solidFill>
+          </a:ln>
+        </p:spPr>
+        <p:style>
+          <a:lnRef idx="2">
+            <a:schemeClr val="accent1">
+              <a:shade val="50000"/>
+            </a:schemeClr>
+          </a:lnRef>
+          <a:fillRef idx="1">
+            <a:schemeClr val="accent1"/>
+          </a:fillRef>
+          <a:effectRef idx="0">
+            <a:schemeClr val="accent1"/>
+          </a:effectRef>
+          <a:fontRef idx="minor">
+            <a:schemeClr val="lt1"/>
+          </a:fontRef>
+        </p:style>
+        <p:txBody>
+          <a:bodyPr rtlCol="0" anchor="ctr"/>
+          <a:lstStyle/>
+          <a:p>
+            <a:pPr algn="ctr"/>
+            <a:endParaRPr lang="en-US" sz="1200" dirty="0"/>
+          </a:p>
+        </p:txBody>
+      </p:sp>
+      <p:sp>
+        <p:nvSpPr>
+          <p:cNvPr id="5" name="Arrow: Right 4">
+            <a:extLst>
+              <a:ext uri="{FF2B5EF4-FFF2-40B4-BE49-F238E27FC236}">
+                <a16:creationId xmlns:a16="http://schemas.microsoft.com/office/drawing/2014/main" id="{99E21C05-CC3D-4257-9456-30E7BFE585EF}"/>
+              </a:ext>
+            </a:extLst>
+          </p:cNvPr>
+          <p:cNvSpPr/>
+          <p:nvPr/>
+        </p:nvSpPr>
+        <p:spPr>
+          <a:xfrm>
+            <a:off x="114938" y="947654"/>
+            <a:ext cx="1784555" cy="383458"/>
+          </a:xfrm>
+          <a:prstGeom prst="rightArrow">
+            <a:avLst/>
+          </a:prstGeom>
+          <a:noFill/>
+          <a:ln>
+            <a:solidFill>
+              <a:schemeClr val="tx1"/>
+            </a:solidFill>
+          </a:ln>
+        </p:spPr>
+        <p:style>
+          <a:lnRef idx="2">
+            <a:schemeClr val="accent1">
+              <a:shade val="50000"/>
+            </a:schemeClr>
+          </a:lnRef>
+          <a:fillRef idx="1">
+            <a:schemeClr val="accent1"/>
+          </a:fillRef>
+          <a:effectRef idx="0">
+            <a:schemeClr val="accent1"/>
+          </a:effectRef>
+          <a:fontRef idx="minor">
+            <a:schemeClr val="lt1"/>
+          </a:fontRef>
+        </p:style>
+        <p:txBody>
+          <a:bodyPr rtlCol="0" anchor="ctr"/>
+          <a:lstStyle/>
+          <a:p>
+            <a:pPr algn="ctr"/>
+            <a:endParaRPr lang="en-US" sz="1200" dirty="0"/>
+          </a:p>
+        </p:txBody>
+      </p:sp>
+      <p:sp>
+        <p:nvSpPr>
+          <p:cNvPr id="6" name="Arrow: Right 5">
+            <a:extLst>
+              <a:ext uri="{FF2B5EF4-FFF2-40B4-BE49-F238E27FC236}">
+                <a16:creationId xmlns:a16="http://schemas.microsoft.com/office/drawing/2014/main" id="{68AF3631-98DD-4D59-A3AC-115BF073C617}"/>
+              </a:ext>
+            </a:extLst>
+          </p:cNvPr>
+          <p:cNvSpPr/>
+          <p:nvPr/>
+        </p:nvSpPr>
+        <p:spPr>
+          <a:xfrm rot="10800000">
+            <a:off x="4102993" y="6176377"/>
+            <a:ext cx="1784555" cy="383458"/>
+          </a:xfrm>
+          <a:prstGeom prst="rightArrow">
+            <a:avLst/>
+          </a:prstGeom>
+          <a:noFill/>
+          <a:ln>
+            <a:solidFill>
+              <a:schemeClr val="tx1"/>
+            </a:solidFill>
+          </a:ln>
+        </p:spPr>
+        <p:style>
+          <a:lnRef idx="2">
+            <a:schemeClr val="accent1">
+              <a:shade val="50000"/>
+            </a:schemeClr>
+          </a:lnRef>
+          <a:fillRef idx="1">
+            <a:schemeClr val="accent1"/>
+          </a:fillRef>
+          <a:effectRef idx="0">
+            <a:schemeClr val="accent1"/>
+          </a:effectRef>
+          <a:fontRef idx="minor">
+            <a:schemeClr val="lt1"/>
+          </a:fontRef>
+        </p:style>
+        <p:txBody>
+          <a:bodyPr rtlCol="0" anchor="ctr"/>
+          <a:lstStyle/>
+          <a:p>
+            <a:pPr algn="ctr"/>
+            <a:endParaRPr lang="en-US" sz="1200" dirty="0"/>
+          </a:p>
+        </p:txBody>
+      </p:sp>
+      <p:sp>
+        <p:nvSpPr>
+          <p:cNvPr id="7" name="TextBox 6">
+            <a:extLst>
+              <a:ext uri="{FF2B5EF4-FFF2-40B4-BE49-F238E27FC236}">
+                <a16:creationId xmlns:a16="http://schemas.microsoft.com/office/drawing/2014/main" id="{7F77C1A3-D92E-42BD-841F-C4F7FF033006}"/>
+              </a:ext>
+            </a:extLst>
+          </p:cNvPr>
+          <p:cNvSpPr txBox="1"/>
+          <p:nvPr/>
+        </p:nvSpPr>
+        <p:spPr>
+          <a:xfrm>
+            <a:off x="7375" y="103239"/>
+            <a:ext cx="2028440" cy="646331"/>
+          </a:xfrm>
+          <a:prstGeom prst="rect">
+            <a:avLst/>
+          </a:prstGeom>
+          <a:noFill/>
+        </p:spPr>
+        <p:txBody>
+          <a:bodyPr wrap="square" rtlCol="0">
+            <a:spAutoFit/>
+          </a:bodyPr>
+          <a:lstStyle/>
+          <a:p>
+            <a:r>
+              <a:rPr lang="en-US" sz="1200" dirty="0" err="1"/>
+              <a:t>loadAllItems</a:t>
+            </a:r>
+            <a:r>
+              <a:rPr lang="en-US" sz="1200" dirty="0"/>
+              <a:t>: Object[]</a:t>
+            </a:r>
+          </a:p>
+          <a:p>
+            <a:r>
+              <a:rPr lang="en-US" sz="1200" dirty="0" err="1"/>
+              <a:t>loadPromotions</a:t>
+            </a:r>
+            <a:r>
+              <a:rPr lang="en-US" sz="1200" dirty="0"/>
+              <a:t>: Object[]</a:t>
+            </a:r>
+          </a:p>
+          <a:p>
+            <a:r>
+              <a:rPr lang="en-US" sz="1200" dirty="0" err="1"/>
+              <a:t>inputBarcodes</a:t>
+            </a:r>
+            <a:r>
+              <a:rPr lang="en-US" sz="1200" dirty="0"/>
+              <a:t>: String[]</a:t>
+            </a:r>
+          </a:p>
+        </p:txBody>
+      </p:sp>
+      <p:sp>
+        <p:nvSpPr>
+          <p:cNvPr id="8" name="TextBox 7">
+            <a:extLst>
+              <a:ext uri="{FF2B5EF4-FFF2-40B4-BE49-F238E27FC236}">
+                <a16:creationId xmlns:a16="http://schemas.microsoft.com/office/drawing/2014/main" id="{6D681165-F573-4F64-93C9-AD843B137CE2}"/>
+              </a:ext>
+            </a:extLst>
+          </p:cNvPr>
+          <p:cNvSpPr txBox="1"/>
+          <p:nvPr/>
+        </p:nvSpPr>
+        <p:spPr>
+          <a:xfrm>
+            <a:off x="188402" y="4721339"/>
+            <a:ext cx="1210652" cy="276999"/>
+          </a:xfrm>
+          <a:prstGeom prst="rect">
+            <a:avLst/>
+          </a:prstGeom>
+          <a:noFill/>
+        </p:spPr>
+        <p:txBody>
+          <a:bodyPr wrap="square" rtlCol="0">
+            <a:spAutoFit/>
+          </a:bodyPr>
+          <a:lstStyle/>
+          <a:p>
+            <a:r>
+              <a:rPr lang="en-US" sz="1200" dirty="0"/>
+              <a:t>receipt: String</a:t>
+            </a:r>
+          </a:p>
+        </p:txBody>
+      </p:sp>
+      <p:sp>
+        <p:nvSpPr>
+          <p:cNvPr id="9" name="TextBox 8">
+            <a:extLst>
+              <a:ext uri="{FF2B5EF4-FFF2-40B4-BE49-F238E27FC236}">
+                <a16:creationId xmlns:a16="http://schemas.microsoft.com/office/drawing/2014/main" id="{C874C799-8AB9-4BFB-A589-DAD5083C9666}"/>
+              </a:ext>
+            </a:extLst>
+          </p:cNvPr>
+          <p:cNvSpPr txBox="1"/>
+          <p:nvPr/>
+        </p:nvSpPr>
+        <p:spPr>
+          <a:xfrm>
+            <a:off x="2453138" y="3150762"/>
+            <a:ext cx="1083182" cy="276999"/>
+          </a:xfrm>
+          <a:prstGeom prst="rect">
+            <a:avLst/>
+          </a:prstGeom>
+          <a:noFill/>
+        </p:spPr>
+        <p:txBody>
+          <a:bodyPr wrap="square" rtlCol="0">
+            <a:spAutoFit/>
+          </a:bodyPr>
+          <a:lstStyle/>
+          <a:p>
+            <a:r>
+              <a:rPr lang="en-US" sz="1200" dirty="0" err="1"/>
+              <a:t>printReceipt</a:t>
+            </a:r>
+            <a:endParaRPr lang="en-US" sz="1200" dirty="0"/>
+          </a:p>
+        </p:txBody>
+      </p:sp>
+      <p:sp>
+        <p:nvSpPr>
+          <p:cNvPr id="10" name="Rectangle 9">
+            <a:extLst>
+              <a:ext uri="{FF2B5EF4-FFF2-40B4-BE49-F238E27FC236}">
+                <a16:creationId xmlns:a16="http://schemas.microsoft.com/office/drawing/2014/main" id="{90B49113-0E5D-4169-9E3F-A22107B2C8A6}"/>
+              </a:ext>
+            </a:extLst>
+          </p:cNvPr>
+          <p:cNvSpPr/>
+          <p:nvPr/>
+        </p:nvSpPr>
+        <p:spPr>
+          <a:xfrm>
+            <a:off x="6096000" y="121744"/>
+            <a:ext cx="2482646" cy="1048295"/>
+          </a:xfrm>
+          <a:prstGeom prst="rect">
+            <a:avLst/>
+          </a:prstGeom>
+          <a:noFill/>
+          <a:ln>
+            <a:solidFill>
+              <a:schemeClr val="tx1"/>
+            </a:solidFill>
+          </a:ln>
+        </p:spPr>
+        <p:style>
+          <a:lnRef idx="2">
+            <a:schemeClr val="accent1">
+              <a:shade val="50000"/>
+            </a:schemeClr>
+          </a:lnRef>
+          <a:fillRef idx="1">
+            <a:schemeClr val="accent1"/>
+          </a:fillRef>
+          <a:effectRef idx="0">
+            <a:schemeClr val="accent1"/>
+          </a:effectRef>
+          <a:fontRef idx="minor">
+            <a:schemeClr val="lt1"/>
+          </a:fontRef>
+        </p:style>
+        <p:txBody>
+          <a:bodyPr rtlCol="0" anchor="ctr"/>
+          <a:lstStyle/>
+          <a:p>
+            <a:pPr algn="ctr"/>
+            <a:endParaRPr lang="en-US" sz="1200" dirty="0"/>
+          </a:p>
+        </p:txBody>
+      </p:sp>
+      <p:sp>
+        <p:nvSpPr>
+          <p:cNvPr id="12" name="Arrow: Right 11">
+            <a:extLst>
+              <a:ext uri="{FF2B5EF4-FFF2-40B4-BE49-F238E27FC236}">
+                <a16:creationId xmlns:a16="http://schemas.microsoft.com/office/drawing/2014/main" id="{FCBBF8F3-59DC-44B1-A14C-0C379B72D699}"/>
+              </a:ext>
+            </a:extLst>
+          </p:cNvPr>
+          <p:cNvSpPr/>
+          <p:nvPr/>
+        </p:nvSpPr>
+        <p:spPr>
+          <a:xfrm rot="10800000">
+            <a:off x="4012087" y="624031"/>
+            <a:ext cx="1784555" cy="383458"/>
+          </a:xfrm>
+          <a:prstGeom prst="rightArrow">
+            <a:avLst/>
+          </a:prstGeom>
+          <a:noFill/>
+          <a:ln>
+            <a:solidFill>
+              <a:schemeClr val="tx1"/>
+            </a:solidFill>
+          </a:ln>
+        </p:spPr>
+        <p:style>
+          <a:lnRef idx="2">
+            <a:schemeClr val="accent1">
+              <a:shade val="50000"/>
+            </a:schemeClr>
+          </a:lnRef>
+          <a:fillRef idx="1">
+            <a:schemeClr val="accent1"/>
+          </a:fillRef>
+          <a:effectRef idx="0">
+            <a:schemeClr val="accent1"/>
+          </a:effectRef>
+          <a:fontRef idx="minor">
+            <a:schemeClr val="lt1"/>
+          </a:fontRef>
+        </p:style>
+        <p:txBody>
+          <a:bodyPr rtlCol="0" anchor="ctr"/>
+          <a:lstStyle/>
+          <a:p>
+            <a:pPr algn="ctr"/>
+            <a:endParaRPr lang="en-US" sz="1200" dirty="0"/>
+          </a:p>
+        </p:txBody>
+      </p:sp>
+      <p:sp>
+        <p:nvSpPr>
+          <p:cNvPr id="13" name="TextBox 12">
+            <a:extLst>
+              <a:ext uri="{FF2B5EF4-FFF2-40B4-BE49-F238E27FC236}">
+                <a16:creationId xmlns:a16="http://schemas.microsoft.com/office/drawing/2014/main" id="{659370A9-0559-4E61-9F01-4C0AE6748B4A}"/>
+              </a:ext>
+            </a:extLst>
+          </p:cNvPr>
+          <p:cNvSpPr txBox="1"/>
+          <p:nvPr/>
+        </p:nvSpPr>
+        <p:spPr>
+          <a:xfrm>
+            <a:off x="6525180" y="485531"/>
+            <a:ext cx="1645194" cy="276999"/>
+          </a:xfrm>
+          <a:prstGeom prst="rect">
+            <a:avLst/>
+          </a:prstGeom>
+          <a:noFill/>
+        </p:spPr>
+        <p:txBody>
+          <a:bodyPr wrap="none" rtlCol="0">
+            <a:spAutoFit/>
+          </a:bodyPr>
+          <a:lstStyle/>
+          <a:p>
+            <a:r>
+              <a:rPr lang="en-US" sz="1200" dirty="0" err="1"/>
+              <a:t>createBoughtItemArray</a:t>
+            </a:r>
+            <a:endParaRPr lang="en-US" sz="1200" dirty="0"/>
+          </a:p>
+        </p:txBody>
+      </p:sp>
+      <p:sp>
+        <p:nvSpPr>
+          <p:cNvPr id="16" name="Rectangle 15">
+            <a:extLst>
+              <a:ext uri="{FF2B5EF4-FFF2-40B4-BE49-F238E27FC236}">
+                <a16:creationId xmlns:a16="http://schemas.microsoft.com/office/drawing/2014/main" id="{C43EDB77-E753-4C4A-8C19-85092952F653}"/>
+              </a:ext>
+            </a:extLst>
+          </p:cNvPr>
+          <p:cNvSpPr/>
+          <p:nvPr/>
+        </p:nvSpPr>
+        <p:spPr>
+          <a:xfrm>
+            <a:off x="6096000" y="5771535"/>
+            <a:ext cx="2482646" cy="885368"/>
+          </a:xfrm>
+          <a:prstGeom prst="rect">
+            <a:avLst/>
+          </a:prstGeom>
+          <a:noFill/>
+          <a:ln>
+            <a:solidFill>
+              <a:schemeClr val="tx1"/>
+            </a:solidFill>
+          </a:ln>
+        </p:spPr>
+        <p:style>
+          <a:lnRef idx="2">
+            <a:schemeClr val="accent1">
+              <a:shade val="50000"/>
+            </a:schemeClr>
+          </a:lnRef>
+          <a:fillRef idx="1">
+            <a:schemeClr val="accent1"/>
+          </a:fillRef>
+          <a:effectRef idx="0">
+            <a:schemeClr val="accent1"/>
+          </a:effectRef>
+          <a:fontRef idx="minor">
+            <a:schemeClr val="lt1"/>
+          </a:fontRef>
+        </p:style>
+        <p:txBody>
+          <a:bodyPr rtlCol="0" anchor="ctr"/>
+          <a:lstStyle/>
+          <a:p>
+            <a:pPr algn="ctr"/>
+            <a:endParaRPr lang="en-US" sz="1200" dirty="0"/>
+          </a:p>
+        </p:txBody>
+      </p:sp>
+      <p:sp>
+        <p:nvSpPr>
+          <p:cNvPr id="17" name="TextBox 16">
+            <a:extLst>
+              <a:ext uri="{FF2B5EF4-FFF2-40B4-BE49-F238E27FC236}">
+                <a16:creationId xmlns:a16="http://schemas.microsoft.com/office/drawing/2014/main" id="{49625B18-DED6-4A32-89C9-1F3F45C7AF4F}"/>
+              </a:ext>
+            </a:extLst>
+          </p:cNvPr>
+          <p:cNvSpPr txBox="1"/>
+          <p:nvPr/>
+        </p:nvSpPr>
+        <p:spPr>
+          <a:xfrm>
+            <a:off x="6826096" y="6060330"/>
+            <a:ext cx="1043363" cy="276999"/>
+          </a:xfrm>
+          <a:prstGeom prst="rect">
+            <a:avLst/>
+          </a:prstGeom>
+          <a:noFill/>
+        </p:spPr>
+        <p:txBody>
+          <a:bodyPr wrap="none" rtlCol="0">
+            <a:spAutoFit/>
+          </a:bodyPr>
+          <a:lstStyle/>
+          <a:p>
+            <a:r>
+              <a:rPr lang="en-US" sz="1200" dirty="0" err="1"/>
+              <a:t>createReceipt</a:t>
+            </a:r>
+            <a:endParaRPr lang="en-US" sz="1200" dirty="0"/>
+          </a:p>
+        </p:txBody>
+      </p:sp>
+      <p:sp>
+        <p:nvSpPr>
+          <p:cNvPr id="18" name="TextBox 17">
+            <a:extLst>
+              <a:ext uri="{FF2B5EF4-FFF2-40B4-BE49-F238E27FC236}">
+                <a16:creationId xmlns:a16="http://schemas.microsoft.com/office/drawing/2014/main" id="{9B01F8AD-9D1C-4B32-BC0C-03768F1AEB00}"/>
+              </a:ext>
+            </a:extLst>
+          </p:cNvPr>
+          <p:cNvSpPr txBox="1"/>
+          <p:nvPr/>
+        </p:nvSpPr>
+        <p:spPr>
+          <a:xfrm>
+            <a:off x="4659042" y="6492177"/>
+            <a:ext cx="1210652" cy="276999"/>
+          </a:xfrm>
+          <a:prstGeom prst="rect">
+            <a:avLst/>
+          </a:prstGeom>
+          <a:noFill/>
+        </p:spPr>
+        <p:txBody>
+          <a:bodyPr wrap="square" rtlCol="0">
+            <a:spAutoFit/>
+          </a:bodyPr>
+          <a:lstStyle/>
+          <a:p>
+            <a:r>
+              <a:rPr lang="en-US" sz="1200" dirty="0"/>
+              <a:t>receipt</a:t>
+            </a:r>
+          </a:p>
+        </p:txBody>
+      </p:sp>
+      <p:sp>
+        <p:nvSpPr>
+          <p:cNvPr id="19" name="Arrow: Right 18">
+            <a:extLst>
+              <a:ext uri="{FF2B5EF4-FFF2-40B4-BE49-F238E27FC236}">
+                <a16:creationId xmlns:a16="http://schemas.microsoft.com/office/drawing/2014/main" id="{C198B711-09A2-4B0A-B6B6-580E916F8655}"/>
+              </a:ext>
+            </a:extLst>
+          </p:cNvPr>
+          <p:cNvSpPr/>
+          <p:nvPr/>
+        </p:nvSpPr>
+        <p:spPr>
+          <a:xfrm rot="10800000">
+            <a:off x="200076" y="5204021"/>
+            <a:ext cx="1784555" cy="383458"/>
+          </a:xfrm>
+          <a:prstGeom prst="rightArrow">
+            <a:avLst/>
+          </a:prstGeom>
+          <a:noFill/>
+          <a:ln>
+            <a:solidFill>
+              <a:schemeClr val="tx1"/>
+            </a:solidFill>
+          </a:ln>
+        </p:spPr>
+        <p:style>
+          <a:lnRef idx="2">
+            <a:schemeClr val="accent1">
+              <a:shade val="50000"/>
+            </a:schemeClr>
+          </a:lnRef>
+          <a:fillRef idx="1">
+            <a:schemeClr val="accent1"/>
+          </a:fillRef>
+          <a:effectRef idx="0">
+            <a:schemeClr val="accent1"/>
+          </a:effectRef>
+          <a:fontRef idx="minor">
+            <a:schemeClr val="lt1"/>
+          </a:fontRef>
+        </p:style>
+        <p:txBody>
+          <a:bodyPr rtlCol="0" anchor="ctr"/>
+          <a:lstStyle/>
+          <a:p>
+            <a:pPr algn="ctr"/>
+            <a:endParaRPr lang="en-US" sz="1200" dirty="0"/>
+          </a:p>
+        </p:txBody>
+      </p:sp>
+      <p:sp>
+        <p:nvSpPr>
+          <p:cNvPr id="20" name="Arrow: Right 19">
+            <a:extLst>
+              <a:ext uri="{FF2B5EF4-FFF2-40B4-BE49-F238E27FC236}">
+                <a16:creationId xmlns:a16="http://schemas.microsoft.com/office/drawing/2014/main" id="{F1C4E58B-04FD-4CD5-8660-216AFBA7BDE0}"/>
+              </a:ext>
+            </a:extLst>
+          </p:cNvPr>
+          <p:cNvSpPr/>
+          <p:nvPr/>
+        </p:nvSpPr>
+        <p:spPr>
+          <a:xfrm>
+            <a:off x="8649836" y="1622051"/>
+            <a:ext cx="901306" cy="383458"/>
+          </a:xfrm>
+          <a:prstGeom prst="rightArrow">
+            <a:avLst/>
+          </a:prstGeom>
+          <a:noFill/>
+          <a:ln>
+            <a:solidFill>
+              <a:schemeClr val="tx1"/>
+            </a:solidFill>
+          </a:ln>
+        </p:spPr>
+        <p:style>
+          <a:lnRef idx="2">
+            <a:schemeClr val="accent1">
+              <a:shade val="50000"/>
+            </a:schemeClr>
+          </a:lnRef>
+          <a:fillRef idx="1">
+            <a:schemeClr val="accent1"/>
+          </a:fillRef>
+          <a:effectRef idx="0">
+            <a:schemeClr val="accent1"/>
+          </a:effectRef>
+          <a:fontRef idx="minor">
+            <a:schemeClr val="lt1"/>
+          </a:fontRef>
+        </p:style>
+        <p:txBody>
+          <a:bodyPr rtlCol="0" anchor="ctr"/>
+          <a:lstStyle/>
+          <a:p>
+            <a:pPr algn="ctr"/>
+            <a:endParaRPr lang="en-US" sz="1000" dirty="0"/>
+          </a:p>
+        </p:txBody>
+      </p:sp>
+      <p:sp>
+        <p:nvSpPr>
+          <p:cNvPr id="22" name="TextBox 21">
+            <a:extLst>
+              <a:ext uri="{FF2B5EF4-FFF2-40B4-BE49-F238E27FC236}">
+                <a16:creationId xmlns:a16="http://schemas.microsoft.com/office/drawing/2014/main" id="{FB9FE86D-435F-4E68-A774-87E3234AE72E}"/>
+              </a:ext>
+            </a:extLst>
+          </p:cNvPr>
+          <p:cNvSpPr txBox="1"/>
+          <p:nvPr/>
+        </p:nvSpPr>
+        <p:spPr>
+          <a:xfrm>
+            <a:off x="4106473" y="-55724"/>
+            <a:ext cx="2028440" cy="461665"/>
+          </a:xfrm>
+          <a:prstGeom prst="rect">
+            <a:avLst/>
+          </a:prstGeom>
+          <a:noFill/>
+        </p:spPr>
+        <p:txBody>
+          <a:bodyPr wrap="square" rtlCol="0">
+            <a:spAutoFit/>
+          </a:bodyPr>
+          <a:lstStyle/>
+          <a:p>
+            <a:r>
+              <a:rPr lang="en-US" sz="1200" dirty="0" err="1"/>
+              <a:t>loadAllItems</a:t>
+            </a:r>
+            <a:r>
+              <a:rPr lang="en-US" sz="1200" dirty="0"/>
+              <a:t>: Object[] </a:t>
+            </a:r>
+            <a:r>
+              <a:rPr lang="en-US" sz="1200" dirty="0" err="1"/>
+              <a:t>inputBarcodes</a:t>
+            </a:r>
+            <a:r>
+              <a:rPr lang="en-US" sz="1200" dirty="0"/>
+              <a:t>: String[]</a:t>
+            </a:r>
+          </a:p>
+        </p:txBody>
+      </p:sp>
+      <p:sp>
+        <p:nvSpPr>
+          <p:cNvPr id="23" name="TextBox 22">
+            <a:extLst>
+              <a:ext uri="{FF2B5EF4-FFF2-40B4-BE49-F238E27FC236}">
+                <a16:creationId xmlns:a16="http://schemas.microsoft.com/office/drawing/2014/main" id="{AF17D4CC-F529-490F-A752-FD1C29030736}"/>
+              </a:ext>
+            </a:extLst>
+          </p:cNvPr>
+          <p:cNvSpPr txBox="1"/>
+          <p:nvPr/>
+        </p:nvSpPr>
+        <p:spPr>
+          <a:xfrm>
+            <a:off x="4106473" y="939450"/>
+            <a:ext cx="2028440" cy="276999"/>
+          </a:xfrm>
+          <a:prstGeom prst="rect">
+            <a:avLst/>
+          </a:prstGeom>
+          <a:noFill/>
+        </p:spPr>
+        <p:txBody>
+          <a:bodyPr wrap="square" rtlCol="0">
+            <a:spAutoFit/>
+          </a:bodyPr>
+          <a:lstStyle/>
+          <a:p>
+            <a:r>
+              <a:rPr lang="en-US" sz="1200" dirty="0" err="1"/>
+              <a:t>boughtItem</a:t>
+            </a:r>
+            <a:r>
+              <a:rPr lang="en-US" sz="1200" dirty="0"/>
+              <a:t>: Object[]</a:t>
+            </a:r>
+          </a:p>
+        </p:txBody>
+      </p:sp>
+      <p:sp>
+        <p:nvSpPr>
+          <p:cNvPr id="24" name="Rectangle 23">
+            <a:extLst>
+              <a:ext uri="{FF2B5EF4-FFF2-40B4-BE49-F238E27FC236}">
+                <a16:creationId xmlns:a16="http://schemas.microsoft.com/office/drawing/2014/main" id="{3BDB8D87-0A1A-4A26-B9F2-2C59DE66DA2E}"/>
+              </a:ext>
+            </a:extLst>
+          </p:cNvPr>
+          <p:cNvSpPr/>
+          <p:nvPr/>
+        </p:nvSpPr>
+        <p:spPr>
+          <a:xfrm>
+            <a:off x="6088747" y="1519719"/>
+            <a:ext cx="2482646" cy="1048295"/>
+          </a:xfrm>
+          <a:prstGeom prst="rect">
+            <a:avLst/>
+          </a:prstGeom>
+          <a:noFill/>
+          <a:ln>
+            <a:solidFill>
+              <a:schemeClr val="tx1"/>
+            </a:solidFill>
+          </a:ln>
+        </p:spPr>
+        <p:style>
+          <a:lnRef idx="2">
+            <a:schemeClr val="accent1">
+              <a:shade val="50000"/>
+            </a:schemeClr>
+          </a:lnRef>
+          <a:fillRef idx="1">
+            <a:schemeClr val="accent1"/>
+          </a:fillRef>
+          <a:effectRef idx="0">
+            <a:schemeClr val="accent1"/>
+          </a:effectRef>
+          <a:fontRef idx="minor">
+            <a:schemeClr val="lt1"/>
+          </a:fontRef>
+        </p:style>
+        <p:txBody>
+          <a:bodyPr rtlCol="0" anchor="ctr"/>
+          <a:lstStyle/>
+          <a:p>
+            <a:pPr algn="ctr"/>
+            <a:endParaRPr lang="en-US" sz="1200" dirty="0"/>
+          </a:p>
+        </p:txBody>
+      </p:sp>
+      <p:sp>
+        <p:nvSpPr>
+          <p:cNvPr id="25" name="TextBox 24">
+            <a:extLst>
+              <a:ext uri="{FF2B5EF4-FFF2-40B4-BE49-F238E27FC236}">
+                <a16:creationId xmlns:a16="http://schemas.microsoft.com/office/drawing/2014/main" id="{C6C1ED43-756F-4E05-A739-5EA71891BD6C}"/>
+              </a:ext>
+            </a:extLst>
+          </p:cNvPr>
+          <p:cNvSpPr txBox="1"/>
+          <p:nvPr/>
+        </p:nvSpPr>
+        <p:spPr>
+          <a:xfrm>
+            <a:off x="6527138" y="1863033"/>
+            <a:ext cx="1684307" cy="276999"/>
+          </a:xfrm>
+          <a:prstGeom prst="rect">
+            <a:avLst/>
+          </a:prstGeom>
+          <a:noFill/>
+        </p:spPr>
+        <p:txBody>
+          <a:bodyPr wrap="none" rtlCol="0">
+            <a:spAutoFit/>
+          </a:bodyPr>
+          <a:lstStyle/>
+          <a:p>
+            <a:r>
+              <a:rPr lang="en-US" sz="1200" dirty="0" err="1"/>
+              <a:t>groupItemsInBoughtObj</a:t>
+            </a:r>
+            <a:endParaRPr lang="en-US" sz="1200" dirty="0"/>
+          </a:p>
+        </p:txBody>
+      </p:sp>
+      <p:sp>
+        <p:nvSpPr>
+          <p:cNvPr id="26" name="Arrow: Right 25">
+            <a:extLst>
+              <a:ext uri="{FF2B5EF4-FFF2-40B4-BE49-F238E27FC236}">
+                <a16:creationId xmlns:a16="http://schemas.microsoft.com/office/drawing/2014/main" id="{3FEA1E9E-AA6D-4C2D-8789-FE234C8EAC26}"/>
+              </a:ext>
+            </a:extLst>
+          </p:cNvPr>
+          <p:cNvSpPr/>
+          <p:nvPr/>
+        </p:nvSpPr>
+        <p:spPr>
+          <a:xfrm>
+            <a:off x="4030423" y="263752"/>
+            <a:ext cx="1784555" cy="383458"/>
+          </a:xfrm>
+          <a:prstGeom prst="rightArrow">
+            <a:avLst/>
+          </a:prstGeom>
+          <a:noFill/>
+          <a:ln>
+            <a:solidFill>
+              <a:schemeClr val="tx1"/>
+            </a:solidFill>
+          </a:ln>
+        </p:spPr>
+        <p:style>
+          <a:lnRef idx="2">
+            <a:schemeClr val="accent1">
+              <a:shade val="50000"/>
+            </a:schemeClr>
+          </a:lnRef>
+          <a:fillRef idx="1">
+            <a:schemeClr val="accent1"/>
+          </a:fillRef>
+          <a:effectRef idx="0">
+            <a:schemeClr val="accent1"/>
+          </a:effectRef>
+          <a:fontRef idx="minor">
+            <a:schemeClr val="lt1"/>
+          </a:fontRef>
+        </p:style>
+        <p:txBody>
+          <a:bodyPr rtlCol="0" anchor="ctr"/>
+          <a:lstStyle/>
+          <a:p>
+            <a:pPr algn="ctr"/>
+            <a:endParaRPr lang="en-US" sz="1200" dirty="0"/>
+          </a:p>
+        </p:txBody>
+      </p:sp>
+      <p:sp>
+        <p:nvSpPr>
+          <p:cNvPr id="27" name="TextBox 26">
+            <a:extLst>
+              <a:ext uri="{FF2B5EF4-FFF2-40B4-BE49-F238E27FC236}">
+                <a16:creationId xmlns:a16="http://schemas.microsoft.com/office/drawing/2014/main" id="{70D6E146-1E8E-457D-BA29-103C2377400B}"/>
+              </a:ext>
+            </a:extLst>
+          </p:cNvPr>
+          <p:cNvSpPr txBox="1"/>
+          <p:nvPr/>
+        </p:nvSpPr>
+        <p:spPr>
+          <a:xfrm>
+            <a:off x="4417507" y="1343898"/>
+            <a:ext cx="2028440" cy="276999"/>
+          </a:xfrm>
+          <a:prstGeom prst="rect">
+            <a:avLst/>
+          </a:prstGeom>
+          <a:noFill/>
+        </p:spPr>
+        <p:txBody>
+          <a:bodyPr wrap="square" rtlCol="0">
+            <a:spAutoFit/>
+          </a:bodyPr>
+          <a:lstStyle/>
+          <a:p>
+            <a:r>
+              <a:rPr lang="en-US" sz="1200" dirty="0" err="1"/>
+              <a:t>boughtItem</a:t>
+            </a:r>
+            <a:endParaRPr lang="en-US" sz="1200" dirty="0"/>
+          </a:p>
+        </p:txBody>
+      </p:sp>
+      <p:sp>
+        <p:nvSpPr>
+          <p:cNvPr id="30" name="Arrow: Right 29">
+            <a:extLst>
+              <a:ext uri="{FF2B5EF4-FFF2-40B4-BE49-F238E27FC236}">
+                <a16:creationId xmlns:a16="http://schemas.microsoft.com/office/drawing/2014/main" id="{57DF3D2B-7671-44FB-9077-D058FC032437}"/>
+              </a:ext>
+            </a:extLst>
+          </p:cNvPr>
+          <p:cNvSpPr/>
+          <p:nvPr/>
+        </p:nvSpPr>
+        <p:spPr>
+          <a:xfrm rot="10800000">
+            <a:off x="4029652" y="2033738"/>
+            <a:ext cx="1784555" cy="383458"/>
+          </a:xfrm>
+          <a:prstGeom prst="rightArrow">
+            <a:avLst/>
+          </a:prstGeom>
+          <a:noFill/>
+          <a:ln>
+            <a:solidFill>
+              <a:schemeClr val="tx1"/>
+            </a:solidFill>
+          </a:ln>
+        </p:spPr>
+        <p:style>
+          <a:lnRef idx="2">
+            <a:schemeClr val="accent1">
+              <a:shade val="50000"/>
+            </a:schemeClr>
+          </a:lnRef>
+          <a:fillRef idx="1">
+            <a:schemeClr val="accent1"/>
+          </a:fillRef>
+          <a:effectRef idx="0">
+            <a:schemeClr val="accent1"/>
+          </a:effectRef>
+          <a:fontRef idx="minor">
+            <a:schemeClr val="lt1"/>
+          </a:fontRef>
+        </p:style>
+        <p:txBody>
+          <a:bodyPr rtlCol="0" anchor="ctr"/>
+          <a:lstStyle/>
+          <a:p>
+            <a:pPr algn="ctr"/>
+            <a:endParaRPr lang="en-US" sz="1200" dirty="0"/>
+          </a:p>
+        </p:txBody>
+      </p:sp>
+      <p:sp>
+        <p:nvSpPr>
+          <p:cNvPr id="31" name="TextBox 30">
+            <a:extLst>
+              <a:ext uri="{FF2B5EF4-FFF2-40B4-BE49-F238E27FC236}">
+                <a16:creationId xmlns:a16="http://schemas.microsoft.com/office/drawing/2014/main" id="{7B73147F-CA1A-4094-BDF1-803997C7A2F7}"/>
+              </a:ext>
+            </a:extLst>
+          </p:cNvPr>
+          <p:cNvSpPr txBox="1"/>
+          <p:nvPr/>
+        </p:nvSpPr>
+        <p:spPr>
+          <a:xfrm>
+            <a:off x="3981050" y="2346097"/>
+            <a:ext cx="2028440" cy="276999"/>
+          </a:xfrm>
+          <a:prstGeom prst="rect">
+            <a:avLst/>
+          </a:prstGeom>
+          <a:noFill/>
+        </p:spPr>
+        <p:txBody>
+          <a:bodyPr wrap="square" rtlCol="0">
+            <a:spAutoFit/>
+          </a:bodyPr>
+          <a:lstStyle/>
+          <a:p>
+            <a:r>
+              <a:rPr lang="en-US" sz="1200" dirty="0" err="1"/>
+              <a:t>groupedBoughtItem</a:t>
+            </a:r>
+            <a:r>
+              <a:rPr lang="en-US" sz="1200" dirty="0"/>
+              <a:t>: Object[]</a:t>
+            </a:r>
+          </a:p>
+        </p:txBody>
+      </p:sp>
+      <p:sp>
+        <p:nvSpPr>
+          <p:cNvPr id="32" name="Rectangle 31">
+            <a:extLst>
+              <a:ext uri="{FF2B5EF4-FFF2-40B4-BE49-F238E27FC236}">
+                <a16:creationId xmlns:a16="http://schemas.microsoft.com/office/drawing/2014/main" id="{54A05829-6D85-4E15-90DC-BDA788A9241D}"/>
+              </a:ext>
+            </a:extLst>
+          </p:cNvPr>
+          <p:cNvSpPr/>
+          <p:nvPr/>
+        </p:nvSpPr>
+        <p:spPr>
+          <a:xfrm>
+            <a:off x="6088747" y="2808042"/>
+            <a:ext cx="2482646" cy="1048295"/>
+          </a:xfrm>
+          <a:prstGeom prst="rect">
+            <a:avLst/>
+          </a:prstGeom>
+          <a:noFill/>
+          <a:ln>
+            <a:solidFill>
+              <a:schemeClr val="tx1"/>
+            </a:solidFill>
+          </a:ln>
+        </p:spPr>
+        <p:style>
+          <a:lnRef idx="2">
+            <a:schemeClr val="accent1">
+              <a:shade val="50000"/>
+            </a:schemeClr>
+          </a:lnRef>
+          <a:fillRef idx="1">
+            <a:schemeClr val="accent1"/>
+          </a:fillRef>
+          <a:effectRef idx="0">
+            <a:schemeClr val="accent1"/>
+          </a:effectRef>
+          <a:fontRef idx="minor">
+            <a:schemeClr val="lt1"/>
+          </a:fontRef>
+        </p:style>
+        <p:txBody>
+          <a:bodyPr rtlCol="0" anchor="ctr"/>
+          <a:lstStyle/>
+          <a:p>
+            <a:pPr algn="ctr"/>
+            <a:endParaRPr lang="en-US" sz="1200" dirty="0"/>
+          </a:p>
+        </p:txBody>
+      </p:sp>
+      <p:sp>
+        <p:nvSpPr>
+          <p:cNvPr id="33" name="Arrow: Right 32">
+            <a:extLst>
+              <a:ext uri="{FF2B5EF4-FFF2-40B4-BE49-F238E27FC236}">
+                <a16:creationId xmlns:a16="http://schemas.microsoft.com/office/drawing/2014/main" id="{F9923322-1C9E-4A4B-A539-47C00401D086}"/>
+              </a:ext>
+            </a:extLst>
+          </p:cNvPr>
+          <p:cNvSpPr/>
+          <p:nvPr/>
+        </p:nvSpPr>
+        <p:spPr>
+          <a:xfrm>
+            <a:off x="4012086" y="2905803"/>
+            <a:ext cx="1784555" cy="383458"/>
+          </a:xfrm>
+          <a:prstGeom prst="rightArrow">
+            <a:avLst/>
+          </a:prstGeom>
+          <a:noFill/>
+          <a:ln>
+            <a:solidFill>
+              <a:schemeClr val="tx1"/>
+            </a:solidFill>
+          </a:ln>
+        </p:spPr>
+        <p:style>
+          <a:lnRef idx="2">
+            <a:schemeClr val="accent1">
+              <a:shade val="50000"/>
+            </a:schemeClr>
+          </a:lnRef>
+          <a:fillRef idx="1">
+            <a:schemeClr val="accent1"/>
+          </a:fillRef>
+          <a:effectRef idx="0">
+            <a:schemeClr val="accent1"/>
+          </a:effectRef>
+          <a:fontRef idx="minor">
+            <a:schemeClr val="lt1"/>
+          </a:fontRef>
+        </p:style>
+        <p:txBody>
+          <a:bodyPr rtlCol="0" anchor="ctr"/>
+          <a:lstStyle/>
+          <a:p>
+            <a:pPr algn="ctr"/>
+            <a:endParaRPr lang="en-US" sz="1200" dirty="0"/>
+          </a:p>
+        </p:txBody>
+      </p:sp>
+      <p:sp>
+        <p:nvSpPr>
+          <p:cNvPr id="34" name="TextBox 33">
+            <a:extLst>
+              <a:ext uri="{FF2B5EF4-FFF2-40B4-BE49-F238E27FC236}">
+                <a16:creationId xmlns:a16="http://schemas.microsoft.com/office/drawing/2014/main" id="{5C9B9B0F-2151-4C96-9950-9E4C49819D14}"/>
+              </a:ext>
+            </a:extLst>
+          </p:cNvPr>
+          <p:cNvSpPr txBox="1"/>
+          <p:nvPr/>
+        </p:nvSpPr>
+        <p:spPr>
+          <a:xfrm>
+            <a:off x="4266228" y="2564949"/>
+            <a:ext cx="2028440" cy="461665"/>
+          </a:xfrm>
+          <a:prstGeom prst="rect">
+            <a:avLst/>
+          </a:prstGeom>
+          <a:noFill/>
+        </p:spPr>
+        <p:txBody>
+          <a:bodyPr wrap="square" rtlCol="0">
+            <a:spAutoFit/>
+          </a:bodyPr>
+          <a:lstStyle/>
+          <a:p>
+            <a:r>
+              <a:rPr lang="en-US" sz="1200" dirty="0" err="1"/>
+              <a:t>loadPromotions</a:t>
+            </a:r>
+            <a:endParaRPr lang="en-US" sz="1200" dirty="0"/>
+          </a:p>
+          <a:p>
+            <a:r>
+              <a:rPr lang="en-US" sz="1200" dirty="0" err="1"/>
+              <a:t>groupedBoughtItem</a:t>
+            </a:r>
+            <a:endParaRPr lang="en-US" sz="1200" dirty="0"/>
+          </a:p>
+        </p:txBody>
+      </p:sp>
+      <p:sp>
+        <p:nvSpPr>
+          <p:cNvPr id="35" name="Rectangle 34">
+            <a:extLst>
+              <a:ext uri="{FF2B5EF4-FFF2-40B4-BE49-F238E27FC236}">
+                <a16:creationId xmlns:a16="http://schemas.microsoft.com/office/drawing/2014/main" id="{184F66EE-47EF-47AB-A854-C07294A83ACE}"/>
+              </a:ext>
+            </a:extLst>
+          </p:cNvPr>
+          <p:cNvSpPr/>
+          <p:nvPr/>
+        </p:nvSpPr>
+        <p:spPr>
+          <a:xfrm>
+            <a:off x="6088747" y="4197191"/>
+            <a:ext cx="2482646" cy="1048295"/>
+          </a:xfrm>
+          <a:prstGeom prst="rect">
+            <a:avLst/>
+          </a:prstGeom>
+          <a:noFill/>
+          <a:ln>
+            <a:solidFill>
+              <a:schemeClr val="tx1"/>
+            </a:solidFill>
+          </a:ln>
+        </p:spPr>
+        <p:style>
+          <a:lnRef idx="2">
+            <a:schemeClr val="accent1">
+              <a:shade val="50000"/>
+            </a:schemeClr>
+          </a:lnRef>
+          <a:fillRef idx="1">
+            <a:schemeClr val="accent1"/>
+          </a:fillRef>
+          <a:effectRef idx="0">
+            <a:schemeClr val="accent1"/>
+          </a:effectRef>
+          <a:fontRef idx="minor">
+            <a:schemeClr val="lt1"/>
+          </a:fontRef>
+        </p:style>
+        <p:txBody>
+          <a:bodyPr rtlCol="0" anchor="ctr"/>
+          <a:lstStyle/>
+          <a:p>
+            <a:pPr algn="ctr"/>
+            <a:endParaRPr lang="en-US" sz="1200" dirty="0"/>
+          </a:p>
+        </p:txBody>
+      </p:sp>
+      <p:sp>
+        <p:nvSpPr>
+          <p:cNvPr id="36" name="Arrow: Right 35">
+            <a:extLst>
+              <a:ext uri="{FF2B5EF4-FFF2-40B4-BE49-F238E27FC236}">
+                <a16:creationId xmlns:a16="http://schemas.microsoft.com/office/drawing/2014/main" id="{6C5EE501-3C6A-4192-9452-99B30F2523B9}"/>
+              </a:ext>
+            </a:extLst>
+          </p:cNvPr>
+          <p:cNvSpPr/>
+          <p:nvPr/>
+        </p:nvSpPr>
+        <p:spPr>
+          <a:xfrm>
+            <a:off x="4102993" y="1602359"/>
+            <a:ext cx="1784555" cy="383458"/>
+          </a:xfrm>
+          <a:prstGeom prst="rightArrow">
+            <a:avLst/>
+          </a:prstGeom>
+          <a:noFill/>
+          <a:ln>
+            <a:solidFill>
+              <a:schemeClr val="tx1"/>
+            </a:solidFill>
+          </a:ln>
+        </p:spPr>
+        <p:style>
+          <a:lnRef idx="2">
+            <a:schemeClr val="accent1">
+              <a:shade val="50000"/>
+            </a:schemeClr>
+          </a:lnRef>
+          <a:fillRef idx="1">
+            <a:schemeClr val="accent1"/>
+          </a:fillRef>
+          <a:effectRef idx="0">
+            <a:schemeClr val="accent1"/>
+          </a:effectRef>
+          <a:fontRef idx="minor">
+            <a:schemeClr val="lt1"/>
+          </a:fontRef>
+        </p:style>
+        <p:txBody>
+          <a:bodyPr rtlCol="0" anchor="ctr"/>
+          <a:lstStyle/>
+          <a:p>
+            <a:pPr algn="ctr"/>
+            <a:endParaRPr lang="en-US" sz="1200" dirty="0"/>
+          </a:p>
+        </p:txBody>
+      </p:sp>
+      <p:sp>
+        <p:nvSpPr>
+          <p:cNvPr id="37" name="TextBox 36">
+            <a:extLst>
+              <a:ext uri="{FF2B5EF4-FFF2-40B4-BE49-F238E27FC236}">
+                <a16:creationId xmlns:a16="http://schemas.microsoft.com/office/drawing/2014/main" id="{157704E3-9F06-467D-A5FC-3A9CE783C7F3}"/>
+              </a:ext>
+            </a:extLst>
+          </p:cNvPr>
+          <p:cNvSpPr txBox="1"/>
+          <p:nvPr/>
+        </p:nvSpPr>
+        <p:spPr>
+          <a:xfrm>
+            <a:off x="8438011" y="1316214"/>
+            <a:ext cx="2028440" cy="246221"/>
+          </a:xfrm>
+          <a:prstGeom prst="rect">
+            <a:avLst/>
+          </a:prstGeom>
+          <a:noFill/>
+        </p:spPr>
+        <p:txBody>
+          <a:bodyPr wrap="square" rtlCol="0">
+            <a:spAutoFit/>
+          </a:bodyPr>
+          <a:lstStyle/>
+          <a:p>
+            <a:r>
+              <a:rPr lang="en-US" sz="1000" dirty="0" err="1"/>
+              <a:t>weightedItem</a:t>
+            </a:r>
+            <a:r>
+              <a:rPr lang="en-US" sz="1000" dirty="0"/>
+              <a:t>: Object</a:t>
+            </a:r>
+          </a:p>
+        </p:txBody>
+      </p:sp>
+      <p:sp>
+        <p:nvSpPr>
+          <p:cNvPr id="38" name="TextBox 37">
+            <a:extLst>
+              <a:ext uri="{FF2B5EF4-FFF2-40B4-BE49-F238E27FC236}">
+                <a16:creationId xmlns:a16="http://schemas.microsoft.com/office/drawing/2014/main" id="{84F11257-829E-4D31-B274-3EDA2E35E6D0}"/>
+              </a:ext>
+            </a:extLst>
+          </p:cNvPr>
+          <p:cNvSpPr txBox="1"/>
+          <p:nvPr/>
+        </p:nvSpPr>
+        <p:spPr>
+          <a:xfrm>
+            <a:off x="6594237" y="3193689"/>
+            <a:ext cx="1507079" cy="276999"/>
+          </a:xfrm>
+          <a:prstGeom prst="rect">
+            <a:avLst/>
+          </a:prstGeom>
+          <a:noFill/>
+        </p:spPr>
+        <p:txBody>
+          <a:bodyPr wrap="none" rtlCol="0">
+            <a:spAutoFit/>
+          </a:bodyPr>
+          <a:lstStyle/>
+          <a:p>
+            <a:r>
+              <a:rPr lang="en-US" sz="1200" dirty="0" err="1"/>
+              <a:t>getItemWithSubTotal</a:t>
+            </a:r>
+            <a:endParaRPr lang="en-US" sz="1200" dirty="0"/>
+          </a:p>
+        </p:txBody>
+      </p:sp>
+      <p:sp>
+        <p:nvSpPr>
+          <p:cNvPr id="39" name="Arrow: Right 38">
+            <a:extLst>
+              <a:ext uri="{FF2B5EF4-FFF2-40B4-BE49-F238E27FC236}">
+                <a16:creationId xmlns:a16="http://schemas.microsoft.com/office/drawing/2014/main" id="{5388B6A2-6E1F-454E-BA25-614B2A1A4456}"/>
+              </a:ext>
+            </a:extLst>
+          </p:cNvPr>
+          <p:cNvSpPr/>
+          <p:nvPr/>
+        </p:nvSpPr>
+        <p:spPr>
+          <a:xfrm rot="10800000">
+            <a:off x="4029776" y="3315112"/>
+            <a:ext cx="1784555" cy="383458"/>
+          </a:xfrm>
+          <a:prstGeom prst="rightArrow">
+            <a:avLst/>
+          </a:prstGeom>
+          <a:noFill/>
+          <a:ln>
+            <a:solidFill>
+              <a:schemeClr val="tx1"/>
+            </a:solidFill>
+          </a:ln>
+        </p:spPr>
+        <p:style>
+          <a:lnRef idx="2">
+            <a:schemeClr val="accent1">
+              <a:shade val="50000"/>
+            </a:schemeClr>
+          </a:lnRef>
+          <a:fillRef idx="1">
+            <a:schemeClr val="accent1"/>
+          </a:fillRef>
+          <a:effectRef idx="0">
+            <a:schemeClr val="accent1"/>
+          </a:effectRef>
+          <a:fontRef idx="minor">
+            <a:schemeClr val="lt1"/>
+          </a:fontRef>
+        </p:style>
+        <p:txBody>
+          <a:bodyPr rtlCol="0" anchor="ctr"/>
+          <a:lstStyle/>
+          <a:p>
+            <a:pPr algn="ctr"/>
+            <a:endParaRPr lang="en-US" sz="1200" dirty="0"/>
+          </a:p>
+        </p:txBody>
+      </p:sp>
+      <p:sp>
+        <p:nvSpPr>
+          <p:cNvPr id="41" name="TextBox 40">
+            <a:extLst>
+              <a:ext uri="{FF2B5EF4-FFF2-40B4-BE49-F238E27FC236}">
+                <a16:creationId xmlns:a16="http://schemas.microsoft.com/office/drawing/2014/main" id="{2CE46092-7B08-41AF-A934-EE9C1488EA9B}"/>
+              </a:ext>
+            </a:extLst>
+          </p:cNvPr>
+          <p:cNvSpPr txBox="1"/>
+          <p:nvPr/>
+        </p:nvSpPr>
+        <p:spPr>
+          <a:xfrm>
+            <a:off x="3985790" y="3691356"/>
+            <a:ext cx="1855829" cy="276999"/>
+          </a:xfrm>
+          <a:prstGeom prst="rect">
+            <a:avLst/>
+          </a:prstGeom>
+          <a:noFill/>
+        </p:spPr>
+        <p:txBody>
+          <a:bodyPr wrap="none" rtlCol="0">
+            <a:spAutoFit/>
+          </a:bodyPr>
+          <a:lstStyle/>
+          <a:p>
+            <a:r>
+              <a:rPr lang="en-US" sz="1200" dirty="0" err="1"/>
+              <a:t>allBoughtItemInfo:Object</a:t>
+            </a:r>
+            <a:r>
+              <a:rPr lang="en-US" sz="1200" dirty="0"/>
+              <a:t>[]</a:t>
+            </a:r>
+          </a:p>
+        </p:txBody>
+      </p:sp>
+      <p:sp>
+        <p:nvSpPr>
+          <p:cNvPr id="42" name="Arrow: Right 41">
+            <a:extLst>
+              <a:ext uri="{FF2B5EF4-FFF2-40B4-BE49-F238E27FC236}">
+                <a16:creationId xmlns:a16="http://schemas.microsoft.com/office/drawing/2014/main" id="{D1A98092-7942-4426-B5A1-8E66E00D5D9A}"/>
+              </a:ext>
+            </a:extLst>
+          </p:cNvPr>
+          <p:cNvSpPr/>
+          <p:nvPr/>
+        </p:nvSpPr>
+        <p:spPr>
+          <a:xfrm>
+            <a:off x="4042735" y="4292024"/>
+            <a:ext cx="1784555" cy="383458"/>
+          </a:xfrm>
+          <a:prstGeom prst="rightArrow">
+            <a:avLst/>
+          </a:prstGeom>
+          <a:noFill/>
+          <a:ln>
+            <a:solidFill>
+              <a:schemeClr val="tx1"/>
+            </a:solidFill>
+          </a:ln>
+        </p:spPr>
+        <p:style>
+          <a:lnRef idx="2">
+            <a:schemeClr val="accent1">
+              <a:shade val="50000"/>
+            </a:schemeClr>
+          </a:lnRef>
+          <a:fillRef idx="1">
+            <a:schemeClr val="accent1"/>
+          </a:fillRef>
+          <a:effectRef idx="0">
+            <a:schemeClr val="accent1"/>
+          </a:effectRef>
+          <a:fontRef idx="minor">
+            <a:schemeClr val="lt1"/>
+          </a:fontRef>
+        </p:style>
+        <p:txBody>
+          <a:bodyPr rtlCol="0" anchor="ctr"/>
+          <a:lstStyle/>
+          <a:p>
+            <a:pPr algn="ctr"/>
+            <a:endParaRPr lang="en-US" sz="1200" dirty="0"/>
+          </a:p>
+        </p:txBody>
+      </p:sp>
+      <p:sp>
+        <p:nvSpPr>
+          <p:cNvPr id="43" name="TextBox 42">
+            <a:extLst>
+              <a:ext uri="{FF2B5EF4-FFF2-40B4-BE49-F238E27FC236}">
+                <a16:creationId xmlns:a16="http://schemas.microsoft.com/office/drawing/2014/main" id="{BD718598-60BF-4065-A5A1-0B084A162CB6}"/>
+              </a:ext>
+            </a:extLst>
+          </p:cNvPr>
+          <p:cNvSpPr txBox="1"/>
+          <p:nvPr/>
+        </p:nvSpPr>
+        <p:spPr>
+          <a:xfrm>
+            <a:off x="4281211" y="3987231"/>
+            <a:ext cx="1307602" cy="276999"/>
+          </a:xfrm>
+          <a:prstGeom prst="rect">
+            <a:avLst/>
+          </a:prstGeom>
+          <a:noFill/>
+        </p:spPr>
+        <p:txBody>
+          <a:bodyPr wrap="none" rtlCol="0">
+            <a:spAutoFit/>
+          </a:bodyPr>
+          <a:lstStyle/>
+          <a:p>
+            <a:r>
+              <a:rPr lang="en-US" sz="1200" dirty="0" err="1"/>
+              <a:t>allBoughtItemInfo</a:t>
+            </a:r>
+            <a:endParaRPr lang="en-US" sz="1200" dirty="0"/>
+          </a:p>
+        </p:txBody>
+      </p:sp>
+      <p:sp>
+        <p:nvSpPr>
+          <p:cNvPr id="44" name="TextBox 43">
+            <a:extLst>
+              <a:ext uri="{FF2B5EF4-FFF2-40B4-BE49-F238E27FC236}">
+                <a16:creationId xmlns:a16="http://schemas.microsoft.com/office/drawing/2014/main" id="{FE4EDDA7-CD72-4D42-9F9A-B2A51DF6C72A}"/>
+              </a:ext>
+            </a:extLst>
+          </p:cNvPr>
+          <p:cNvSpPr txBox="1"/>
+          <p:nvPr/>
+        </p:nvSpPr>
+        <p:spPr>
+          <a:xfrm>
+            <a:off x="6774864" y="4582839"/>
+            <a:ext cx="1094595" cy="276999"/>
+          </a:xfrm>
+          <a:prstGeom prst="rect">
+            <a:avLst/>
+          </a:prstGeom>
+          <a:noFill/>
+        </p:spPr>
+        <p:txBody>
+          <a:bodyPr wrap="none" rtlCol="0">
+            <a:spAutoFit/>
+          </a:bodyPr>
+          <a:lstStyle/>
+          <a:p>
+            <a:r>
+              <a:rPr lang="en-US" sz="1200" dirty="0" err="1"/>
+              <a:t>getItemStrings</a:t>
+            </a:r>
+            <a:endParaRPr lang="en-US" sz="1200" dirty="0"/>
+          </a:p>
+        </p:txBody>
+      </p:sp>
+      <p:sp>
+        <p:nvSpPr>
+          <p:cNvPr id="45" name="Arrow: Right 44">
+            <a:extLst>
+              <a:ext uri="{FF2B5EF4-FFF2-40B4-BE49-F238E27FC236}">
+                <a16:creationId xmlns:a16="http://schemas.microsoft.com/office/drawing/2014/main" id="{D710FAEE-3D45-4192-AF38-E6D1B91BBCCE}"/>
+              </a:ext>
+            </a:extLst>
+          </p:cNvPr>
+          <p:cNvSpPr/>
+          <p:nvPr/>
+        </p:nvSpPr>
+        <p:spPr>
+          <a:xfrm rot="10800000">
+            <a:off x="4016978" y="4668109"/>
+            <a:ext cx="1784555" cy="383458"/>
+          </a:xfrm>
+          <a:prstGeom prst="rightArrow">
+            <a:avLst/>
+          </a:prstGeom>
+          <a:noFill/>
+          <a:ln>
+            <a:solidFill>
+              <a:schemeClr val="tx1"/>
+            </a:solidFill>
+          </a:ln>
+        </p:spPr>
+        <p:style>
+          <a:lnRef idx="2">
+            <a:schemeClr val="accent1">
+              <a:shade val="50000"/>
+            </a:schemeClr>
+          </a:lnRef>
+          <a:fillRef idx="1">
+            <a:schemeClr val="accent1"/>
+          </a:fillRef>
+          <a:effectRef idx="0">
+            <a:schemeClr val="accent1"/>
+          </a:effectRef>
+          <a:fontRef idx="minor">
+            <a:schemeClr val="lt1"/>
+          </a:fontRef>
+        </p:style>
+        <p:txBody>
+          <a:bodyPr rtlCol="0" anchor="ctr"/>
+          <a:lstStyle/>
+          <a:p>
+            <a:pPr algn="ctr"/>
+            <a:endParaRPr lang="en-US" sz="1200" dirty="0"/>
+          </a:p>
+        </p:txBody>
+      </p:sp>
+      <p:sp>
+        <p:nvSpPr>
+          <p:cNvPr id="46" name="TextBox 45">
+            <a:extLst>
+              <a:ext uri="{FF2B5EF4-FFF2-40B4-BE49-F238E27FC236}">
+                <a16:creationId xmlns:a16="http://schemas.microsoft.com/office/drawing/2014/main" id="{F87C4420-D80B-4024-9125-1DA7F0E79ADF}"/>
+              </a:ext>
+            </a:extLst>
+          </p:cNvPr>
+          <p:cNvSpPr txBox="1"/>
+          <p:nvPr/>
+        </p:nvSpPr>
+        <p:spPr>
+          <a:xfrm>
+            <a:off x="4041205" y="4991118"/>
+            <a:ext cx="1572803" cy="276999"/>
+          </a:xfrm>
+          <a:prstGeom prst="rect">
+            <a:avLst/>
+          </a:prstGeom>
+          <a:noFill/>
+        </p:spPr>
+        <p:txBody>
+          <a:bodyPr wrap="none" rtlCol="0">
+            <a:spAutoFit/>
+          </a:bodyPr>
+          <a:lstStyle/>
+          <a:p>
+            <a:r>
+              <a:rPr lang="en-US" sz="1200" dirty="0" err="1"/>
+              <a:t>allItemStrings</a:t>
+            </a:r>
+            <a:r>
+              <a:rPr lang="en-US" sz="1200" dirty="0"/>
+              <a:t>: String[]</a:t>
+            </a:r>
+          </a:p>
+        </p:txBody>
+      </p:sp>
+      <p:sp>
+        <p:nvSpPr>
+          <p:cNvPr id="47" name="Arrow: Right 46">
+            <a:extLst>
+              <a:ext uri="{FF2B5EF4-FFF2-40B4-BE49-F238E27FC236}">
+                <a16:creationId xmlns:a16="http://schemas.microsoft.com/office/drawing/2014/main" id="{54EC100C-9432-4CF6-AF99-C0D9F8234205}"/>
+              </a:ext>
+            </a:extLst>
+          </p:cNvPr>
+          <p:cNvSpPr/>
+          <p:nvPr/>
+        </p:nvSpPr>
+        <p:spPr>
+          <a:xfrm>
+            <a:off x="4102993" y="5643329"/>
+            <a:ext cx="1784555" cy="383458"/>
+          </a:xfrm>
+          <a:prstGeom prst="rightArrow">
+            <a:avLst/>
+          </a:prstGeom>
+          <a:noFill/>
+          <a:ln>
+            <a:solidFill>
+              <a:schemeClr val="tx1"/>
+            </a:solidFill>
+          </a:ln>
+        </p:spPr>
+        <p:style>
+          <a:lnRef idx="2">
+            <a:schemeClr val="accent1">
+              <a:shade val="50000"/>
+            </a:schemeClr>
+          </a:lnRef>
+          <a:fillRef idx="1">
+            <a:schemeClr val="accent1"/>
+          </a:fillRef>
+          <a:effectRef idx="0">
+            <a:schemeClr val="accent1"/>
+          </a:effectRef>
+          <a:fontRef idx="minor">
+            <a:schemeClr val="lt1"/>
+          </a:fontRef>
+        </p:style>
+        <p:txBody>
+          <a:bodyPr rtlCol="0" anchor="ctr"/>
+          <a:lstStyle/>
+          <a:p>
+            <a:pPr algn="ctr"/>
+            <a:endParaRPr lang="en-US" sz="1200" dirty="0"/>
+          </a:p>
+        </p:txBody>
+      </p:sp>
+      <p:sp>
+        <p:nvSpPr>
+          <p:cNvPr id="48" name="TextBox 47">
+            <a:extLst>
+              <a:ext uri="{FF2B5EF4-FFF2-40B4-BE49-F238E27FC236}">
+                <a16:creationId xmlns:a16="http://schemas.microsoft.com/office/drawing/2014/main" id="{540271EF-5356-4D76-82A2-89DF58EA5DF7}"/>
+              </a:ext>
+            </a:extLst>
+          </p:cNvPr>
+          <p:cNvSpPr txBox="1"/>
+          <p:nvPr/>
+        </p:nvSpPr>
+        <p:spPr>
+          <a:xfrm>
+            <a:off x="4436687" y="5366330"/>
+            <a:ext cx="1572803" cy="276999"/>
+          </a:xfrm>
+          <a:prstGeom prst="rect">
+            <a:avLst/>
+          </a:prstGeom>
+          <a:noFill/>
+        </p:spPr>
+        <p:txBody>
+          <a:bodyPr wrap="square" rtlCol="0">
+            <a:spAutoFit/>
+          </a:bodyPr>
+          <a:lstStyle/>
+          <a:p>
+            <a:r>
+              <a:rPr lang="en-US" sz="1200" dirty="0" err="1"/>
+              <a:t>allItemStrings</a:t>
+            </a:r>
+            <a:endParaRPr lang="en-US" sz="1200" dirty="0"/>
+          </a:p>
+        </p:txBody>
+      </p:sp>
+      <p:sp>
+        <p:nvSpPr>
+          <p:cNvPr id="49" name="Rectangle 48">
+            <a:extLst>
+              <a:ext uri="{FF2B5EF4-FFF2-40B4-BE49-F238E27FC236}">
+                <a16:creationId xmlns:a16="http://schemas.microsoft.com/office/drawing/2014/main" id="{11BC5C03-A597-4C2D-9CE4-312DDAE4A3D1}"/>
+              </a:ext>
+            </a:extLst>
+          </p:cNvPr>
+          <p:cNvSpPr/>
+          <p:nvPr/>
+        </p:nvSpPr>
+        <p:spPr>
+          <a:xfrm>
+            <a:off x="9629585" y="1519719"/>
+            <a:ext cx="2482646" cy="1048295"/>
+          </a:xfrm>
+          <a:prstGeom prst="rect">
+            <a:avLst/>
+          </a:prstGeom>
+          <a:noFill/>
+          <a:ln>
+            <a:solidFill>
+              <a:schemeClr val="tx1"/>
+            </a:solidFill>
+          </a:ln>
+        </p:spPr>
+        <p:style>
+          <a:lnRef idx="2">
+            <a:schemeClr val="accent1">
+              <a:shade val="50000"/>
+            </a:schemeClr>
+          </a:lnRef>
+          <a:fillRef idx="1">
+            <a:schemeClr val="accent1"/>
+          </a:fillRef>
+          <a:effectRef idx="0">
+            <a:schemeClr val="accent1"/>
+          </a:effectRef>
+          <a:fontRef idx="minor">
+            <a:schemeClr val="lt1"/>
+          </a:fontRef>
+        </p:style>
+        <p:txBody>
+          <a:bodyPr rtlCol="0" anchor="ctr"/>
+          <a:lstStyle/>
+          <a:p>
+            <a:pPr algn="ctr"/>
+            <a:endParaRPr lang="en-US" sz="1200" dirty="0"/>
+          </a:p>
+        </p:txBody>
+      </p:sp>
+      <p:sp>
+        <p:nvSpPr>
+          <p:cNvPr id="51" name="TextBox 50">
+            <a:extLst>
+              <a:ext uri="{FF2B5EF4-FFF2-40B4-BE49-F238E27FC236}">
+                <a16:creationId xmlns:a16="http://schemas.microsoft.com/office/drawing/2014/main" id="{A073268E-8601-4F7F-A345-4F06367FD7F0}"/>
+              </a:ext>
+            </a:extLst>
+          </p:cNvPr>
+          <p:cNvSpPr txBox="1"/>
+          <p:nvPr/>
+        </p:nvSpPr>
+        <p:spPr>
+          <a:xfrm>
+            <a:off x="10191177" y="1863033"/>
+            <a:ext cx="1429943" cy="276999"/>
+          </a:xfrm>
+          <a:prstGeom prst="rect">
+            <a:avLst/>
+          </a:prstGeom>
+          <a:noFill/>
+        </p:spPr>
+        <p:txBody>
+          <a:bodyPr wrap="none" rtlCol="0">
+            <a:spAutoFit/>
+          </a:bodyPr>
+          <a:lstStyle/>
+          <a:p>
+            <a:r>
+              <a:rPr lang="en-US" sz="1200" dirty="0" err="1"/>
+              <a:t>countWeightedItem</a:t>
+            </a:r>
+            <a:endParaRPr lang="en-US" sz="1200" dirty="0"/>
+          </a:p>
+        </p:txBody>
+      </p:sp>
+      <p:sp>
+        <p:nvSpPr>
+          <p:cNvPr id="52" name="TextBox 51">
+            <a:extLst>
+              <a:ext uri="{FF2B5EF4-FFF2-40B4-BE49-F238E27FC236}">
+                <a16:creationId xmlns:a16="http://schemas.microsoft.com/office/drawing/2014/main" id="{71DBDFAA-06FE-425B-9607-6DA7602C754F}"/>
+              </a:ext>
+            </a:extLst>
+          </p:cNvPr>
+          <p:cNvSpPr txBox="1"/>
+          <p:nvPr/>
+        </p:nvSpPr>
+        <p:spPr>
+          <a:xfrm>
+            <a:off x="8240218" y="2490726"/>
+            <a:ext cx="2363083" cy="246221"/>
+          </a:xfrm>
+          <a:prstGeom prst="rect">
+            <a:avLst/>
+          </a:prstGeom>
+          <a:noFill/>
+        </p:spPr>
+        <p:txBody>
+          <a:bodyPr wrap="square" rtlCol="0">
+            <a:spAutoFit/>
+          </a:bodyPr>
+          <a:lstStyle/>
+          <a:p>
+            <a:r>
+              <a:rPr lang="en-US" sz="1000" dirty="0" err="1"/>
+              <a:t>CountedWeightedItem</a:t>
+            </a:r>
+            <a:r>
+              <a:rPr lang="en-US" sz="1000" dirty="0"/>
+              <a:t>: Object</a:t>
+            </a:r>
+          </a:p>
+        </p:txBody>
+      </p:sp>
+      <p:sp>
+        <p:nvSpPr>
+          <p:cNvPr id="53" name="Arrow: Right 52">
+            <a:extLst>
+              <a:ext uri="{FF2B5EF4-FFF2-40B4-BE49-F238E27FC236}">
+                <a16:creationId xmlns:a16="http://schemas.microsoft.com/office/drawing/2014/main" id="{3BD20299-30A5-4CF7-981C-D925A4A57F4F}"/>
+              </a:ext>
+            </a:extLst>
+          </p:cNvPr>
+          <p:cNvSpPr/>
+          <p:nvPr/>
+        </p:nvSpPr>
+        <p:spPr>
+          <a:xfrm rot="10800000">
+            <a:off x="8649836" y="2131187"/>
+            <a:ext cx="901306" cy="383458"/>
+          </a:xfrm>
+          <a:prstGeom prst="rightArrow">
+            <a:avLst/>
+          </a:prstGeom>
+          <a:noFill/>
+          <a:ln>
+            <a:solidFill>
+              <a:schemeClr val="tx1"/>
+            </a:solidFill>
+          </a:ln>
+        </p:spPr>
+        <p:style>
+          <a:lnRef idx="2">
+            <a:schemeClr val="accent1">
+              <a:shade val="50000"/>
+            </a:schemeClr>
+          </a:lnRef>
+          <a:fillRef idx="1">
+            <a:schemeClr val="accent1"/>
+          </a:fillRef>
+          <a:effectRef idx="0">
+            <a:schemeClr val="accent1"/>
+          </a:effectRef>
+          <a:fontRef idx="minor">
+            <a:schemeClr val="lt1"/>
+          </a:fontRef>
+        </p:style>
+        <p:txBody>
+          <a:bodyPr rtlCol="0" anchor="ctr"/>
+          <a:lstStyle/>
+          <a:p>
+            <a:pPr algn="ctr"/>
+            <a:endParaRPr lang="en-US" sz="1000" dirty="0"/>
+          </a:p>
+        </p:txBody>
+      </p:sp>
+      <p:sp>
+        <p:nvSpPr>
+          <p:cNvPr id="54" name="Rectangle 53">
+            <a:extLst>
+              <a:ext uri="{FF2B5EF4-FFF2-40B4-BE49-F238E27FC236}">
+                <a16:creationId xmlns:a16="http://schemas.microsoft.com/office/drawing/2014/main" id="{DD65E031-1711-4D3E-BC48-7A57BDC903B0}"/>
+              </a:ext>
+            </a:extLst>
+          </p:cNvPr>
+          <p:cNvSpPr/>
+          <p:nvPr/>
+        </p:nvSpPr>
+        <p:spPr>
+          <a:xfrm>
+            <a:off x="9629585" y="2808042"/>
+            <a:ext cx="2482646" cy="1048295"/>
+          </a:xfrm>
+          <a:prstGeom prst="rect">
+            <a:avLst/>
+          </a:prstGeom>
+          <a:noFill/>
+          <a:ln>
+            <a:solidFill>
+              <a:schemeClr val="tx1"/>
+            </a:solidFill>
+          </a:ln>
+        </p:spPr>
+        <p:style>
+          <a:lnRef idx="2">
+            <a:schemeClr val="accent1">
+              <a:shade val="50000"/>
+            </a:schemeClr>
+          </a:lnRef>
+          <a:fillRef idx="1">
+            <a:schemeClr val="accent1"/>
+          </a:fillRef>
+          <a:effectRef idx="0">
+            <a:schemeClr val="accent1"/>
+          </a:effectRef>
+          <a:fontRef idx="minor">
+            <a:schemeClr val="lt1"/>
+          </a:fontRef>
+        </p:style>
+        <p:txBody>
+          <a:bodyPr rtlCol="0" anchor="ctr"/>
+          <a:lstStyle/>
+          <a:p>
+            <a:pPr algn="ctr"/>
+            <a:endParaRPr lang="en-US" sz="1200" dirty="0"/>
+          </a:p>
+        </p:txBody>
+      </p:sp>
+      <p:sp>
+        <p:nvSpPr>
+          <p:cNvPr id="55" name="TextBox 54">
+            <a:extLst>
+              <a:ext uri="{FF2B5EF4-FFF2-40B4-BE49-F238E27FC236}">
+                <a16:creationId xmlns:a16="http://schemas.microsoft.com/office/drawing/2014/main" id="{65632EF9-4AC3-432A-9340-3FB6905E1988}"/>
+              </a:ext>
+            </a:extLst>
+          </p:cNvPr>
+          <p:cNvSpPr txBox="1"/>
+          <p:nvPr/>
+        </p:nvSpPr>
+        <p:spPr>
+          <a:xfrm>
+            <a:off x="9917736" y="3166360"/>
+            <a:ext cx="1976823" cy="276999"/>
+          </a:xfrm>
+          <a:prstGeom prst="rect">
+            <a:avLst/>
+          </a:prstGeom>
+          <a:noFill/>
+        </p:spPr>
+        <p:txBody>
+          <a:bodyPr wrap="none" rtlCol="0">
+            <a:spAutoFit/>
+          </a:bodyPr>
+          <a:lstStyle/>
+          <a:p>
+            <a:r>
+              <a:rPr lang="en-US" sz="1200" dirty="0" err="1"/>
+              <a:t>calculatePromoItemSubTotal</a:t>
+            </a:r>
+            <a:endParaRPr lang="en-US" sz="1200" dirty="0"/>
+          </a:p>
+        </p:txBody>
+      </p:sp>
+      <p:sp>
+        <p:nvSpPr>
+          <p:cNvPr id="56" name="Arrow: Right 55">
+            <a:extLst>
+              <a:ext uri="{FF2B5EF4-FFF2-40B4-BE49-F238E27FC236}">
+                <a16:creationId xmlns:a16="http://schemas.microsoft.com/office/drawing/2014/main" id="{51174835-A139-4818-B205-C4E8A615EEB8}"/>
+              </a:ext>
+            </a:extLst>
+          </p:cNvPr>
+          <p:cNvSpPr/>
+          <p:nvPr/>
+        </p:nvSpPr>
+        <p:spPr>
+          <a:xfrm>
+            <a:off x="8648453" y="3061871"/>
+            <a:ext cx="901306" cy="383458"/>
+          </a:xfrm>
+          <a:prstGeom prst="rightArrow">
+            <a:avLst/>
+          </a:prstGeom>
+          <a:noFill/>
+          <a:ln>
+            <a:solidFill>
+              <a:schemeClr val="tx1"/>
+            </a:solidFill>
+          </a:ln>
+        </p:spPr>
+        <p:style>
+          <a:lnRef idx="2">
+            <a:schemeClr val="accent1">
+              <a:shade val="50000"/>
+            </a:schemeClr>
+          </a:lnRef>
+          <a:fillRef idx="1">
+            <a:schemeClr val="accent1"/>
+          </a:fillRef>
+          <a:effectRef idx="0">
+            <a:schemeClr val="accent1"/>
+          </a:effectRef>
+          <a:fontRef idx="minor">
+            <a:schemeClr val="lt1"/>
+          </a:fontRef>
+        </p:style>
+        <p:txBody>
+          <a:bodyPr rtlCol="0" anchor="ctr"/>
+          <a:lstStyle/>
+          <a:p>
+            <a:pPr algn="ctr"/>
+            <a:endParaRPr lang="en-US" sz="1000" dirty="0"/>
+          </a:p>
+        </p:txBody>
+      </p:sp>
+      <p:sp>
+        <p:nvSpPr>
+          <p:cNvPr id="57" name="TextBox 56">
+            <a:extLst>
+              <a:ext uri="{FF2B5EF4-FFF2-40B4-BE49-F238E27FC236}">
+                <a16:creationId xmlns:a16="http://schemas.microsoft.com/office/drawing/2014/main" id="{8B6A5C47-4929-4ADF-9760-B54F14E4B464}"/>
+              </a:ext>
+            </a:extLst>
+          </p:cNvPr>
+          <p:cNvSpPr txBox="1"/>
+          <p:nvPr/>
+        </p:nvSpPr>
+        <p:spPr>
+          <a:xfrm>
+            <a:off x="8571393" y="2737190"/>
+            <a:ext cx="2469307" cy="400110"/>
+          </a:xfrm>
+          <a:prstGeom prst="rect">
+            <a:avLst/>
+          </a:prstGeom>
+          <a:noFill/>
+        </p:spPr>
+        <p:txBody>
+          <a:bodyPr wrap="square" rtlCol="0">
+            <a:spAutoFit/>
+          </a:bodyPr>
+          <a:lstStyle/>
+          <a:p>
+            <a:r>
+              <a:rPr lang="en-US" sz="1000" dirty="0" err="1"/>
+              <a:t>promoteItem</a:t>
+            </a:r>
+            <a:r>
+              <a:rPr lang="en-US" sz="1000" dirty="0"/>
+              <a:t>: Object</a:t>
+            </a:r>
+          </a:p>
+          <a:p>
+            <a:r>
+              <a:rPr lang="en-US" sz="1000" dirty="0" err="1"/>
+              <a:t>loadPromotions</a:t>
+            </a:r>
+            <a:endParaRPr lang="en-US" sz="1000" dirty="0"/>
+          </a:p>
+        </p:txBody>
+      </p:sp>
+      <p:sp>
+        <p:nvSpPr>
+          <p:cNvPr id="58" name="Arrow: Right 57">
+            <a:extLst>
+              <a:ext uri="{FF2B5EF4-FFF2-40B4-BE49-F238E27FC236}">
+                <a16:creationId xmlns:a16="http://schemas.microsoft.com/office/drawing/2014/main" id="{E6659BB1-11E7-4C7B-ACF5-8D74191A6DFF}"/>
+              </a:ext>
+            </a:extLst>
+          </p:cNvPr>
+          <p:cNvSpPr/>
+          <p:nvPr/>
+        </p:nvSpPr>
+        <p:spPr>
+          <a:xfrm rot="10800000">
+            <a:off x="8644023" y="3408619"/>
+            <a:ext cx="901306" cy="383458"/>
+          </a:xfrm>
+          <a:prstGeom prst="rightArrow">
+            <a:avLst/>
+          </a:prstGeom>
+          <a:noFill/>
+          <a:ln>
+            <a:solidFill>
+              <a:schemeClr val="tx1"/>
+            </a:solidFill>
+          </a:ln>
+        </p:spPr>
+        <p:style>
+          <a:lnRef idx="2">
+            <a:schemeClr val="accent1">
+              <a:shade val="50000"/>
+            </a:schemeClr>
+          </a:lnRef>
+          <a:fillRef idx="1">
+            <a:schemeClr val="accent1"/>
+          </a:fillRef>
+          <a:effectRef idx="0">
+            <a:schemeClr val="accent1"/>
+          </a:effectRef>
+          <a:fontRef idx="minor">
+            <a:schemeClr val="lt1"/>
+          </a:fontRef>
+        </p:style>
+        <p:txBody>
+          <a:bodyPr rtlCol="0" anchor="ctr"/>
+          <a:lstStyle/>
+          <a:p>
+            <a:pPr algn="ctr"/>
+            <a:endParaRPr lang="en-US" sz="1200" dirty="0"/>
+          </a:p>
+        </p:txBody>
+      </p:sp>
+      <p:sp>
+        <p:nvSpPr>
+          <p:cNvPr id="59" name="TextBox 58">
+            <a:extLst>
+              <a:ext uri="{FF2B5EF4-FFF2-40B4-BE49-F238E27FC236}">
+                <a16:creationId xmlns:a16="http://schemas.microsoft.com/office/drawing/2014/main" id="{FB2E78CD-0D8A-41DB-8DF8-366FB1427C1D}"/>
+              </a:ext>
+            </a:extLst>
+          </p:cNvPr>
+          <p:cNvSpPr txBox="1"/>
+          <p:nvPr/>
+        </p:nvSpPr>
+        <p:spPr>
+          <a:xfrm>
+            <a:off x="8101316" y="3829855"/>
+            <a:ext cx="2337085" cy="276999"/>
+          </a:xfrm>
+          <a:prstGeom prst="rect">
+            <a:avLst/>
+          </a:prstGeom>
+          <a:noFill/>
+        </p:spPr>
+        <p:txBody>
+          <a:bodyPr wrap="square" rtlCol="0">
+            <a:spAutoFit/>
+          </a:bodyPr>
+          <a:lstStyle/>
+          <a:p>
+            <a:r>
+              <a:rPr lang="en-US" sz="1200" dirty="0" err="1"/>
+              <a:t>CalculatedPromoteItem</a:t>
+            </a:r>
+            <a:r>
+              <a:rPr lang="en-US" sz="1200" dirty="0"/>
+              <a:t>: Object</a:t>
+            </a:r>
+          </a:p>
+        </p:txBody>
+      </p:sp>
+    </p:spTree>
+    <p:extLst>
+      <p:ext uri="{BB962C8B-B14F-4D97-AF65-F5344CB8AC3E}">
+        <p14:creationId xmlns:p14="http://schemas.microsoft.com/office/powerpoint/2010/main" val="2407565005"/>
       </p:ext>
     </p:extLst>
   </p:cSld>
